--- a/2018-11-11-DotnetCoreDays/DotNetCoreDays Halil Ibrahim Kalkan.pptx
+++ b/2018-11-11-DotnetCoreDays/DotNetCoreDays Halil Ibrahim Kalkan.pptx
@@ -5,42 +5,37 @@
     <p:sldMasterId id="2147483672" r:id="rId2"/>
   </p:sldMasterIdLst>
   <p:notesMasterIdLst>
-    <p:notesMasterId r:id="rId33"/>
+    <p:notesMasterId r:id="rId28"/>
   </p:notesMasterIdLst>
   <p:handoutMasterIdLst>
-    <p:handoutMasterId r:id="rId34"/>
+    <p:handoutMasterId r:id="rId29"/>
   </p:handoutMasterIdLst>
   <p:sldIdLst>
     <p:sldId id="256" r:id="rId3"/>
     <p:sldId id="257" r:id="rId4"/>
     <p:sldId id="258" r:id="rId5"/>
     <p:sldId id="259" r:id="rId6"/>
-    <p:sldId id="266" r:id="rId7"/>
-    <p:sldId id="267" r:id="rId8"/>
-    <p:sldId id="268" r:id="rId9"/>
-    <p:sldId id="270" r:id="rId10"/>
-    <p:sldId id="274" r:id="rId11"/>
-    <p:sldId id="271" r:id="rId12"/>
-    <p:sldId id="272" r:id="rId13"/>
-    <p:sldId id="273" r:id="rId14"/>
-    <p:sldId id="275" r:id="rId15"/>
-    <p:sldId id="276" r:id="rId16"/>
-    <p:sldId id="277" r:id="rId17"/>
-    <p:sldId id="278" r:id="rId18"/>
-    <p:sldId id="279" r:id="rId19"/>
-    <p:sldId id="280" r:id="rId20"/>
-    <p:sldId id="281" r:id="rId21"/>
-    <p:sldId id="282" r:id="rId22"/>
-    <p:sldId id="283" r:id="rId23"/>
-    <p:sldId id="284" r:id="rId24"/>
-    <p:sldId id="285" r:id="rId25"/>
-    <p:sldId id="290" r:id="rId26"/>
-    <p:sldId id="286" r:id="rId27"/>
-    <p:sldId id="287" r:id="rId28"/>
-    <p:sldId id="288" r:id="rId29"/>
-    <p:sldId id="289" r:id="rId30"/>
-    <p:sldId id="291" r:id="rId31"/>
-    <p:sldId id="292" r:id="rId32"/>
+    <p:sldId id="267" r:id="rId7"/>
+    <p:sldId id="274" r:id="rId8"/>
+    <p:sldId id="293" r:id="rId9"/>
+    <p:sldId id="271" r:id="rId10"/>
+    <p:sldId id="272" r:id="rId11"/>
+    <p:sldId id="273" r:id="rId12"/>
+    <p:sldId id="275" r:id="rId13"/>
+    <p:sldId id="294" r:id="rId14"/>
+    <p:sldId id="276" r:id="rId15"/>
+    <p:sldId id="277" r:id="rId16"/>
+    <p:sldId id="278" r:id="rId17"/>
+    <p:sldId id="279" r:id="rId18"/>
+    <p:sldId id="280" r:id="rId19"/>
+    <p:sldId id="281" r:id="rId20"/>
+    <p:sldId id="282" r:id="rId21"/>
+    <p:sldId id="285" r:id="rId22"/>
+    <p:sldId id="286" r:id="rId23"/>
+    <p:sldId id="287" r:id="rId24"/>
+    <p:sldId id="288" r:id="rId25"/>
+    <p:sldId id="291" r:id="rId26"/>
+    <p:sldId id="292" r:id="rId27"/>
   </p:sldIdLst>
   <p:sldSz cx="12192000" cy="6858000"/>
   <p:notesSz cx="6858000" cy="9144000"/>
@@ -262,7 +257,7 @@
           <a:p>
             <a:fld id="{85B84C55-34AB-4F04-8C6E-103378987567}" type="datetimeFigureOut">
               <a:rPr lang="en-US" smtClean="0"/>
-              <a:t>11/7/2017</a:t>
+              <a:t>11/8/2017</a:t>
             </a:fld>
             <a:endParaRPr lang="en-US" dirty="0"/>
           </a:p>
@@ -427,7 +422,7 @@
           <a:p>
             <a:fld id="{86832DD9-7C6A-4C91-8CF1-0788B8213502}" type="datetimeFigureOut">
               <a:rPr lang="en-US" smtClean="0"/>
-              <a:t>11/7/2017</a:t>
+              <a:t>11/8/2017</a:t>
             </a:fld>
             <a:endParaRPr lang="en-US" dirty="0"/>
           </a:p>
@@ -812,7 +807,7 @@
           <a:p>
             <a:fld id="{8A57DA2E-A198-42B8-A77A-6063A9DC8646}" type="datetime1">
               <a:rPr lang="en-US" smtClean="0"/>
-              <a:t>11/7/2017</a:t>
+              <a:t>11/8/2017</a:t>
             </a:fld>
             <a:endParaRPr lang="en-US" dirty="0"/>
           </a:p>
@@ -1226,7 +1221,7 @@
           <a:p>
             <a:fld id="{5D0B467C-85F7-469C-B16D-CF41F04F5F22}" type="datetime1">
               <a:rPr lang="en-US" smtClean="0"/>
-              <a:t>11/7/2017</a:t>
+              <a:t>11/8/2017</a:t>
             </a:fld>
             <a:endParaRPr lang="en-US" dirty="0"/>
           </a:p>
@@ -1407,7 +1402,7 @@
           <a:p>
             <a:fld id="{38E79436-BD82-44D9-9B6F-6D45FC4FB282}" type="datetime1">
               <a:rPr lang="en-US" smtClean="0"/>
-              <a:t>11/7/2017</a:t>
+              <a:t>11/8/2017</a:t>
             </a:fld>
             <a:endParaRPr lang="en-US" dirty="0"/>
           </a:p>
@@ -1598,7 +1593,7 @@
           <a:p>
             <a:fld id="{6955B0D3-E9C4-4790-9AFC-472238E9D978}" type="datetime1">
               <a:rPr lang="en-US" smtClean="0"/>
-              <a:t>11/7/2017</a:t>
+              <a:t>11/8/2017</a:t>
             </a:fld>
             <a:endParaRPr lang="en-US" dirty="0"/>
           </a:p>
@@ -1783,7 +1778,7 @@
           <a:p>
             <a:fld id="{A9EFB39F-05CF-4198-9763-0EA4BE92E0D0}" type="datetime1">
               <a:rPr lang="en-US" smtClean="0"/>
-              <a:t>11/7/2017</a:t>
+              <a:t>11/8/2017</a:t>
             </a:fld>
             <a:endParaRPr lang="en-US" dirty="0"/>
           </a:p>
@@ -2020,7 +2015,7 @@
           <a:p>
             <a:fld id="{FF2491D0-1B86-4F30-8D90-913BBBB0A4F2}" type="datetime1">
               <a:rPr lang="en-US" smtClean="0"/>
-              <a:t>11/7/2017</a:t>
+              <a:t>11/8/2017</a:t>
             </a:fld>
             <a:endParaRPr lang="en-US" dirty="0"/>
           </a:p>
@@ -2300,7 +2295,7 @@
           <a:p>
             <a:fld id="{A28FD5D4-22BE-49CA-89DE-DEB7778B4EA0}" type="datetime1">
               <a:rPr lang="en-US" smtClean="0"/>
-              <a:t>11/7/2017</a:t>
+              <a:t>11/8/2017</a:t>
             </a:fld>
             <a:endParaRPr lang="en-US" dirty="0"/>
           </a:p>
@@ -2690,7 +2685,7 @@
           <a:p>
             <a:fld id="{98A942CB-856E-4E4B-8C89-197AEAE66A5F}" type="datetime1">
               <a:rPr lang="en-US" smtClean="0"/>
-              <a:t>11/7/2017</a:t>
+              <a:t>11/8/2017</a:t>
             </a:fld>
             <a:endParaRPr lang="en-US" dirty="0"/>
           </a:p>
@@ -2828,7 +2823,7 @@
           <a:p>
             <a:fld id="{90C5A565-20AE-4CD1-A4DD-E062216372E9}" type="datetime1">
               <a:rPr lang="en-US" smtClean="0"/>
-              <a:t>11/7/2017</a:t>
+              <a:t>11/8/2017</a:t>
             </a:fld>
             <a:endParaRPr lang="en-US" dirty="0"/>
           </a:p>
@@ -3008,7 +3003,7 @@
           <a:p>
             <a:fld id="{43669077-B497-459B-927D-21898BE78E1B}" type="datetime1">
               <a:rPr lang="en-US" smtClean="0"/>
-              <a:t>11/7/2017</a:t>
+              <a:t>11/8/2017</a:t>
             </a:fld>
             <a:endParaRPr lang="en-US" dirty="0"/>
           </a:p>
@@ -3278,7 +3273,7 @@
           <a:p>
             <a:fld id="{E5371151-446F-4595-B3D3-21EF3A6E9BFE}" type="datetime1">
               <a:rPr lang="en-US" smtClean="0"/>
-              <a:t>11/7/2017</a:t>
+              <a:t>11/8/2017</a:t>
             </a:fld>
             <a:endParaRPr lang="en-US" dirty="0"/>
           </a:p>
@@ -3592,7 +3587,7 @@
           <a:p>
             <a:fld id="{671E04DB-BE65-47F8-B877-7DBE6DFA71B8}" type="datetime1">
               <a:rPr lang="en-US" smtClean="0"/>
-              <a:t>11/7/2017</a:t>
+              <a:t>11/8/2017</a:t>
             </a:fld>
             <a:endParaRPr lang="en-US" dirty="0"/>
           </a:p>
@@ -4297,10 +4292,63 @@
       </p:grpSpPr>
       <p:sp>
         <p:nvSpPr>
+          <p:cNvPr id="2" name="Content Placeholder 1">
+            <a:extLst>
+              <a:ext uri="{FF2B5EF4-FFF2-40B4-BE49-F238E27FC236}">
+                <a16:creationId xmlns:a16="http://schemas.microsoft.com/office/drawing/2014/main" id="{490B23BB-314F-49C7-B2BE-C8D65182C875}"/>
+              </a:ext>
+            </a:extLst>
+          </p:cNvPr>
+          <p:cNvSpPr>
+            <a:spLocks noGrp="1"/>
+          </p:cNvSpPr>
+          <p:nvPr>
+            <p:ph idx="1"/>
+          </p:nvPr>
+        </p:nvSpPr>
+        <p:spPr>
+          <a:xfrm>
+            <a:off x="609599" y="1600201"/>
+            <a:ext cx="5078137" cy="4674764"/>
+          </a:xfrm>
+        </p:spPr>
+        <p:txBody>
+          <a:bodyPr/>
+          <a:lstStyle/>
+          <a:p>
+            <a:r>
+              <a:rPr lang="en-US" dirty="0"/>
+              <a:t>Register dependencies and configure options</a:t>
+            </a:r>
+          </a:p>
+          <a:p>
+            <a:r>
+              <a:rPr lang="en-US" dirty="0"/>
+              <a:t>Add </a:t>
+            </a:r>
+            <a:r>
+              <a:rPr lang="en-US" dirty="0" err="1"/>
+              <a:t>middlewares</a:t>
+            </a:r>
+            <a:r>
+              <a:rPr lang="en-US" dirty="0"/>
+              <a:t> (by order)</a:t>
+            </a:r>
+          </a:p>
+          <a:p>
+            <a:r>
+              <a:rPr lang="en-US" dirty="0"/>
+              <a:t>Initialize the application</a:t>
+            </a:r>
+          </a:p>
+        </p:txBody>
+      </p:sp>
+      <p:sp>
+        <p:nvSpPr>
           <p:cNvPr id="3" name="Title 2">
             <a:extLst>
               <a:ext uri="{FF2B5EF4-FFF2-40B4-BE49-F238E27FC236}">
-                <a16:creationId xmlns:a16="http://schemas.microsoft.com/office/drawing/2014/main" id="{F411D866-B0DA-49FF-925F-02C4F26692CA}"/>
+                <a16:creationId xmlns:a16="http://schemas.microsoft.com/office/drawing/2014/main" id="{3F850B9D-1BF1-4945-ABB4-EF6721D5E1FB}"/>
               </a:ext>
             </a:extLst>
           </p:cNvPr>
@@ -4327,154 +4375,46 @@
             </a:br>
             <a:r>
               <a:rPr lang="en-US" sz="2700" dirty="0"/>
-              <a:t>Middleware Pipeline</a:t>
-            </a:r>
-            <a:endParaRPr lang="tr-TR" dirty="0"/>
+              <a:t>Startup Class</a:t>
+            </a:r>
+            <a:endParaRPr lang="tr-TR" sz="2700" dirty="0"/>
           </a:p>
         </p:txBody>
       </p:sp>
       <p:pic>
         <p:nvPicPr>
-          <p:cNvPr id="6148" name="Picture 4" descr="Request processing pattern showing a request arriving, processing through three middlewares, and the response leaving the application. Each middleware runs its logic and hands off the request to the next middleware at the next() statement. After the third middleware processes the request, it's handed back through the prior two middlewares for additional processing after the next() statements each in turn before leaving the application as a response to the client.">
+          <p:cNvPr id="5" name="Picture 4">
             <a:extLst>
               <a:ext uri="{FF2B5EF4-FFF2-40B4-BE49-F238E27FC236}">
-                <a16:creationId xmlns:a16="http://schemas.microsoft.com/office/drawing/2014/main" id="{2FEE7249-3112-4091-9D0C-CB1E33420A80}"/>
+                <a16:creationId xmlns:a16="http://schemas.microsoft.com/office/drawing/2014/main" id="{1C2C5BD3-FBD9-4282-A472-3EAA38F71C79}"/>
               </a:ext>
             </a:extLst>
           </p:cNvPr>
           <p:cNvPicPr>
-            <a:picLocks noChangeAspect="1" noChangeArrowheads="1"/>
+            <a:picLocks noChangeAspect="1"/>
           </p:cNvPicPr>
           <p:nvPr/>
         </p:nvPicPr>
         <p:blipFill>
-          <a:blip r:embed="rId2">
-            <a:extLst>
-              <a:ext uri="{28A0092B-C50C-407E-A947-70E740481C1C}">
-                <a14:useLocalDpi xmlns:a14="http://schemas.microsoft.com/office/drawing/2010/main" val="0"/>
-              </a:ext>
-            </a:extLst>
-          </a:blip>
-          <a:srcRect/>
+          <a:blip r:embed="rId2"/>
           <a:stretch>
             <a:fillRect/>
           </a:stretch>
         </p:blipFill>
-        <p:spPr bwMode="auto">
+        <p:spPr>
           <a:xfrm>
-            <a:off x="609599" y="1499530"/>
-            <a:ext cx="6203267" cy="3970091"/>
+            <a:off x="6920918" y="48521"/>
+            <a:ext cx="5208880" cy="6752853"/>
           </a:xfrm>
           <a:prstGeom prst="rect">
             <a:avLst/>
           </a:prstGeom>
-          <a:noFill/>
-          <a:extLst>
-            <a:ext uri="{909E8E84-426E-40DD-AFC4-6F175D3DCCD1}">
-              <a14:hiddenFill xmlns:a14="http://schemas.microsoft.com/office/drawing/2010/main">
-                <a:solidFill>
-                  <a:srgbClr val="FFFFFF"/>
-                </a:solidFill>
-              </a14:hiddenFill>
-            </a:ext>
-          </a:extLst>
         </p:spPr>
       </p:pic>
-      <p:sp>
-        <p:nvSpPr>
-          <p:cNvPr id="5" name="TextBox 4">
-            <a:extLst>
-              <a:ext uri="{FF2B5EF4-FFF2-40B4-BE49-F238E27FC236}">
-                <a16:creationId xmlns:a16="http://schemas.microsoft.com/office/drawing/2014/main" id="{59C05A36-C72E-47E3-B7B5-E80C761A87FD}"/>
-              </a:ext>
-            </a:extLst>
-          </p:cNvPr>
-          <p:cNvSpPr txBox="1"/>
-          <p:nvPr/>
-        </p:nvSpPr>
-        <p:spPr>
-          <a:xfrm>
-            <a:off x="7373924" y="1463875"/>
-            <a:ext cx="4983060" cy="1754326"/>
-          </a:xfrm>
-          <a:prstGeom prst="rect">
-            <a:avLst/>
-          </a:prstGeom>
-          <a:noFill/>
-        </p:spPr>
-        <p:txBody>
-          <a:bodyPr wrap="square" rtlCol="0">
-            <a:spAutoFit/>
-          </a:bodyPr>
-          <a:lstStyle/>
-          <a:p>
-            <a:r>
-              <a:rPr lang="en-US" dirty="0"/>
-              <a:t>Some Common </a:t>
-            </a:r>
-            <a:r>
-              <a:rPr lang="en-US" dirty="0" err="1"/>
-              <a:t>Middlewares</a:t>
-            </a:r>
-            <a:endParaRPr lang="en-US" dirty="0"/>
-          </a:p>
-          <a:p>
-            <a:pPr marL="285750" indent="-285750">
-              <a:buFont typeface="Arial" panose="020B0604020202020204" pitchFamily="34" charset="0"/>
-              <a:buChar char="•"/>
-            </a:pPr>
-            <a:r>
-              <a:rPr lang="en-US" dirty="0"/>
-              <a:t>Authentication</a:t>
-            </a:r>
-          </a:p>
-          <a:p>
-            <a:pPr marL="285750" indent="-285750">
-              <a:buFont typeface="Arial" panose="020B0604020202020204" pitchFamily="34" charset="0"/>
-              <a:buChar char="•"/>
-            </a:pPr>
-            <a:r>
-              <a:rPr lang="en-US" dirty="0"/>
-              <a:t>Request Localization</a:t>
-            </a:r>
-          </a:p>
-          <a:p>
-            <a:pPr marL="285750" indent="-285750">
-              <a:buFont typeface="Arial" panose="020B0604020202020204" pitchFamily="34" charset="0"/>
-              <a:buChar char="•"/>
-            </a:pPr>
-            <a:r>
-              <a:rPr lang="en-US" dirty="0"/>
-              <a:t>Exception Page</a:t>
-            </a:r>
-          </a:p>
-          <a:p>
-            <a:pPr marL="285750" indent="-285750">
-              <a:buFont typeface="Arial" panose="020B0604020202020204" pitchFamily="34" charset="0"/>
-              <a:buChar char="•"/>
-            </a:pPr>
-            <a:r>
-              <a:rPr lang="en-US" dirty="0"/>
-              <a:t>Static Files</a:t>
-            </a:r>
-          </a:p>
-          <a:p>
-            <a:pPr marL="285750" indent="-285750">
-              <a:buFont typeface="Arial" panose="020B0604020202020204" pitchFamily="34" charset="0"/>
-              <a:buChar char="•"/>
-            </a:pPr>
-            <a:r>
-              <a:rPr lang="en-US" dirty="0"/>
-              <a:t>MVC</a:t>
-            </a:r>
-            <a:endParaRPr lang="tr-TR" dirty="0"/>
-          </a:p>
-        </p:txBody>
-      </p:sp>
     </p:spTree>
     <p:extLst>
       <p:ext uri="{BB962C8B-B14F-4D97-AF65-F5344CB8AC3E}">
-        <p14:creationId xmlns:p14="http://schemas.microsoft.com/office/powerpoint/2010/main" val="331917947"/>
+        <p14:creationId xmlns:p14="http://schemas.microsoft.com/office/powerpoint/2010/main" val="2196077307"/>
       </p:ext>
     </p:extLst>
   </p:cSld>
@@ -4515,10 +4455,100 @@
       </p:grpSpPr>
       <p:sp>
         <p:nvSpPr>
+          <p:cNvPr id="2" name="Content Placeholder 1">
+            <a:extLst>
+              <a:ext uri="{FF2B5EF4-FFF2-40B4-BE49-F238E27FC236}">
+                <a16:creationId xmlns:a16="http://schemas.microsoft.com/office/drawing/2014/main" id="{EBC0B62C-FE91-4390-A1AF-355EE575DF26}"/>
+              </a:ext>
+            </a:extLst>
+          </p:cNvPr>
+          <p:cNvSpPr>
+            <a:spLocks noGrp="1"/>
+          </p:cNvSpPr>
+          <p:nvPr>
+            <p:ph idx="1"/>
+          </p:nvPr>
+        </p:nvSpPr>
+        <p:spPr>
+          <a:xfrm>
+            <a:off x="609600" y="1600201"/>
+            <a:ext cx="5170736" cy="4525963"/>
+          </a:xfrm>
+        </p:spPr>
+        <p:txBody>
+          <a:bodyPr>
+            <a:normAutofit/>
+          </a:bodyPr>
+          <a:lstStyle/>
+          <a:p>
+            <a:r>
+              <a:rPr lang="en-US" sz="2400" dirty="0"/>
+              <a:t>No more MVC!</a:t>
+            </a:r>
+          </a:p>
+          <a:p>
+            <a:pPr lvl="1"/>
+            <a:r>
+              <a:rPr lang="en-US" sz="2000" dirty="0"/>
+              <a:t>Razor Pages -&gt; UI </a:t>
+            </a:r>
+            <a:r>
+              <a:rPr lang="en-US" sz="1600" dirty="0">
+                <a:solidFill>
+                  <a:schemeClr val="tx1">
+                    <a:lumMod val="75000"/>
+                  </a:schemeClr>
+                </a:solidFill>
+              </a:rPr>
+              <a:t>(recommended &amp; default)</a:t>
+            </a:r>
+            <a:endParaRPr lang="en-US" sz="2000" dirty="0">
+              <a:solidFill>
+                <a:schemeClr val="tx1">
+                  <a:lumMod val="75000"/>
+                </a:schemeClr>
+              </a:solidFill>
+            </a:endParaRPr>
+          </a:p>
+          <a:p>
+            <a:pPr lvl="1"/>
+            <a:r>
+              <a:rPr lang="en-US" sz="2000" dirty="0"/>
+              <a:t>Controllers (without View) -&gt; (REST) API</a:t>
+            </a:r>
+          </a:p>
+          <a:p>
+            <a:r>
+              <a:rPr lang="en-US" sz="2400" dirty="0"/>
+              <a:t>New </a:t>
+            </a:r>
+            <a:r>
+              <a:rPr lang="en-US" sz="2400" b="1" i="1" dirty="0"/>
+              <a:t>Pages</a:t>
+            </a:r>
+            <a:r>
+              <a:rPr lang="en-US" sz="2400" dirty="0"/>
+              <a:t> folder </a:t>
+            </a:r>
+            <a:r>
+              <a:rPr lang="en-US" sz="1600" dirty="0"/>
+              <a:t>(and folder hierarchy)</a:t>
+            </a:r>
+          </a:p>
+          <a:p>
+            <a:r>
+              <a:rPr lang="en-US" sz="2400" dirty="0"/>
+              <a:t>Supports all razor features</a:t>
+            </a:r>
+          </a:p>
+        </p:txBody>
+      </p:sp>
+      <p:sp>
+        <p:nvSpPr>
           <p:cNvPr id="3" name="Title 2">
             <a:extLst>
               <a:ext uri="{FF2B5EF4-FFF2-40B4-BE49-F238E27FC236}">
-                <a16:creationId xmlns:a16="http://schemas.microsoft.com/office/drawing/2014/main" id="{024C6FAF-FE4F-4DA6-BA99-B5DA9799F6D4}"/>
+                <a16:creationId xmlns:a16="http://schemas.microsoft.com/office/drawing/2014/main" id="{4F3E1690-A3F8-421F-999E-4A3CA112514C}"/>
               </a:ext>
             </a:extLst>
           </p:cNvPr>
@@ -4538,14 +4568,14 @@
           <a:p>
             <a:r>
               <a:rPr lang="en-US" dirty="0"/>
-              <a:t>ASP.NET Core</a:t>
+              <a:t>ASP.NET Core MVC</a:t>
             </a:r>
             <a:br>
               <a:rPr lang="en-US" dirty="0"/>
             </a:br>
             <a:r>
               <a:rPr lang="en-US" sz="2700" dirty="0"/>
-              <a:t>Simple Middleware</a:t>
+              <a:t>Razor Pages</a:t>
             </a:r>
             <a:endParaRPr lang="tr-TR" sz="2700" dirty="0"/>
           </a:p>
@@ -4556,7 +4586,7 @@
           <p:cNvPr id="4" name="Picture 3">
             <a:extLst>
               <a:ext uri="{FF2B5EF4-FFF2-40B4-BE49-F238E27FC236}">
-                <a16:creationId xmlns:a16="http://schemas.microsoft.com/office/drawing/2014/main" id="{991EFDA3-C316-4BE8-85AD-D54C139A6326}"/>
+                <a16:creationId xmlns:a16="http://schemas.microsoft.com/office/drawing/2014/main" id="{0C633C7F-5819-426D-8A27-17E58FF19E03}"/>
               </a:ext>
             </a:extLst>
           </p:cNvPr>
@@ -4573,8 +4603,8 @@
         </p:blipFill>
         <p:spPr>
           <a:xfrm>
-            <a:off x="690038" y="1485200"/>
-            <a:ext cx="9338061" cy="4882044"/>
+            <a:off x="6179350" y="1609593"/>
+            <a:ext cx="5053733" cy="3977475"/>
           </a:xfrm>
           <a:prstGeom prst="rect">
             <a:avLst/>
@@ -4584,7 +4614,7 @@
     </p:spTree>
     <p:extLst>
       <p:ext uri="{BB962C8B-B14F-4D97-AF65-F5344CB8AC3E}">
-        <p14:creationId xmlns:p14="http://schemas.microsoft.com/office/powerpoint/2010/main" val="4113710428"/>
+        <p14:creationId xmlns:p14="http://schemas.microsoft.com/office/powerpoint/2010/main" val="3031858382"/>
       </p:ext>
     </p:extLst>
   </p:cSld>
@@ -4625,90 +4655,10 @@
       </p:grpSpPr>
       <p:sp>
         <p:nvSpPr>
-          <p:cNvPr id="2" name="Content Placeholder 1">
-            <a:extLst>
-              <a:ext uri="{FF2B5EF4-FFF2-40B4-BE49-F238E27FC236}">
-                <a16:creationId xmlns:a16="http://schemas.microsoft.com/office/drawing/2014/main" id="{490B23BB-314F-49C7-B2BE-C8D65182C875}"/>
-              </a:ext>
-            </a:extLst>
-          </p:cNvPr>
-          <p:cNvSpPr>
-            <a:spLocks noGrp="1"/>
-          </p:cNvSpPr>
-          <p:nvPr>
-            <p:ph idx="1"/>
-          </p:nvPr>
-        </p:nvSpPr>
-        <p:spPr>
-          <a:xfrm>
-            <a:off x="609599" y="1600201"/>
-            <a:ext cx="4834855" cy="4674764"/>
-          </a:xfrm>
-        </p:spPr>
-        <p:txBody>
-          <a:bodyPr/>
-          <a:lstStyle/>
-          <a:p>
-            <a:r>
-              <a:rPr lang="en-US" dirty="0"/>
-              <a:t>Register Dependencies and set options</a:t>
-            </a:r>
-          </a:p>
-          <a:p>
-            <a:r>
-              <a:rPr lang="en-US" dirty="0"/>
-              <a:t>Add </a:t>
-            </a:r>
-            <a:r>
-              <a:rPr lang="en-US" dirty="0" err="1"/>
-              <a:t>Middlewares</a:t>
-            </a:r>
-            <a:endParaRPr lang="en-US" dirty="0"/>
-          </a:p>
-          <a:p>
-            <a:r>
-              <a:rPr lang="en-US" dirty="0"/>
-              <a:t>Initialize Application</a:t>
-            </a:r>
-          </a:p>
-          <a:p>
-            <a:r>
-              <a:rPr lang="en-US" dirty="0"/>
-              <a:t>No more</a:t>
-            </a:r>
-          </a:p>
-          <a:p>
-            <a:pPr lvl="1"/>
-            <a:r>
-              <a:rPr lang="en-US" dirty="0" err="1"/>
-              <a:t>Global.Asax</a:t>
-            </a:r>
-            <a:r>
-              <a:rPr lang="en-US" dirty="0"/>
-              <a:t> / </a:t>
-            </a:r>
-            <a:r>
-              <a:rPr lang="en-US" dirty="0" err="1"/>
-              <a:t>System.Web</a:t>
-            </a:r>
-            <a:endParaRPr lang="en-US" dirty="0"/>
-          </a:p>
-          <a:p>
-            <a:pPr lvl="1"/>
-            <a:r>
-              <a:rPr lang="en-US" dirty="0" err="1"/>
-              <a:t>Web.Config</a:t>
-            </a:r>
-            <a:endParaRPr lang="en-US" dirty="0"/>
-          </a:p>
-        </p:txBody>
-      </p:sp>
-      <p:sp>
-        <p:nvSpPr>
           <p:cNvPr id="3" name="Title 2">
             <a:extLst>
               <a:ext uri="{FF2B5EF4-FFF2-40B4-BE49-F238E27FC236}">
-                <a16:creationId xmlns:a16="http://schemas.microsoft.com/office/drawing/2014/main" id="{3F850B9D-1BF1-4945-ABB4-EF6721D5E1FB}"/>
+                <a16:creationId xmlns:a16="http://schemas.microsoft.com/office/drawing/2014/main" id="{E012900A-B5BA-47D0-A564-249AD97B821E}"/>
               </a:ext>
             </a:extLst>
           </p:cNvPr>
@@ -4728,16 +4678,16 @@
           <a:p>
             <a:r>
               <a:rPr lang="en-US" dirty="0"/>
-              <a:t>ASP.NET Core</a:t>
+              <a:t>ASP.NET Core MVC</a:t>
             </a:r>
             <a:br>
               <a:rPr lang="en-US" dirty="0"/>
             </a:br>
             <a:r>
               <a:rPr lang="en-US" sz="2700" dirty="0"/>
-              <a:t>Startup Class</a:t>
-            </a:r>
-            <a:endParaRPr lang="tr-TR" sz="2700" dirty="0"/>
+              <a:t>Razor Pages</a:t>
+            </a:r>
+            <a:endParaRPr lang="tr-TR" dirty="0"/>
           </a:p>
         </p:txBody>
       </p:sp>
@@ -4746,7 +4696,7 @@
           <p:cNvPr id="4" name="Picture 3">
             <a:extLst>
               <a:ext uri="{FF2B5EF4-FFF2-40B4-BE49-F238E27FC236}">
-                <a16:creationId xmlns:a16="http://schemas.microsoft.com/office/drawing/2014/main" id="{97CBB3FE-337F-4FE0-94AD-55680CBBE794}"/>
+                <a16:creationId xmlns:a16="http://schemas.microsoft.com/office/drawing/2014/main" id="{85138B75-4810-436D-97D4-F7897F18F101}"/>
               </a:ext>
             </a:extLst>
           </p:cNvPr>
@@ -4763,8 +4713,8 @@
         </p:blipFill>
         <p:spPr>
           <a:xfrm>
-            <a:off x="5938499" y="274638"/>
-            <a:ext cx="5192249" cy="6310720"/>
+            <a:off x="2983684" y="1207913"/>
+            <a:ext cx="6174233" cy="5520058"/>
           </a:xfrm>
           <a:prstGeom prst="rect">
             <a:avLst/>
@@ -4774,7 +4724,7 @@
     </p:spTree>
     <p:extLst>
       <p:ext uri="{BB962C8B-B14F-4D97-AF65-F5344CB8AC3E}">
-        <p14:creationId xmlns:p14="http://schemas.microsoft.com/office/powerpoint/2010/main" val="2196077307"/>
+        <p14:creationId xmlns:p14="http://schemas.microsoft.com/office/powerpoint/2010/main" val="666491307"/>
       </p:ext>
     </p:extLst>
   </p:cSld>
@@ -4818,7 +4768,7 @@
           <p:cNvPr id="2" name="Content Placeholder 1">
             <a:extLst>
               <a:ext uri="{FF2B5EF4-FFF2-40B4-BE49-F238E27FC236}">
-                <a16:creationId xmlns:a16="http://schemas.microsoft.com/office/drawing/2014/main" id="{EBC0B62C-FE91-4390-A1AF-355EE575DF26}"/>
+                <a16:creationId xmlns:a16="http://schemas.microsoft.com/office/drawing/2014/main" id="{6691565C-EBFF-4F4B-90C4-78B9C97F8F41}"/>
               </a:ext>
             </a:extLst>
           </p:cNvPr>
@@ -4832,7 +4782,7 @@
         <p:spPr>
           <a:xfrm>
             <a:off x="609600" y="1600201"/>
-            <a:ext cx="5170736" cy="4525963"/>
+            <a:ext cx="4314738" cy="4525963"/>
           </a:xfrm>
         </p:spPr>
         <p:txBody>
@@ -4842,57 +4792,12 @@
           <a:lstStyle/>
           <a:p>
             <a:r>
+              <a:rPr lang="en-US" sz="2400" i="1" dirty="0"/>
+              <a:t>New @page</a:t>
+            </a:r>
+            <a:r>
               <a:rPr lang="en-US" sz="2400" dirty="0"/>
-              <a:t>No more MVC!</a:t>
-            </a:r>
-          </a:p>
-          <a:p>
-            <a:pPr lvl="1"/>
-            <a:r>
-              <a:rPr lang="en-US" sz="2000" dirty="0"/>
-              <a:t>Razor Pages -&gt; UI </a:t>
-            </a:r>
-            <a:r>
-              <a:rPr lang="en-US" sz="1600" dirty="0">
-                <a:solidFill>
-                  <a:schemeClr val="tx1">
-                    <a:lumMod val="75000"/>
-                  </a:schemeClr>
-                </a:solidFill>
-              </a:rPr>
-              <a:t>(recommended &amp; default)</a:t>
-            </a:r>
-            <a:endParaRPr lang="en-US" sz="2000" dirty="0">
-              <a:solidFill>
-                <a:schemeClr val="tx1">
-                  <a:lumMod val="75000"/>
-                </a:schemeClr>
-              </a:solidFill>
-            </a:endParaRPr>
-          </a:p>
-          <a:p>
-            <a:pPr lvl="1"/>
-            <a:r>
-              <a:rPr lang="en-US" sz="2000" dirty="0"/>
-              <a:t>Controllers (without View) -&gt; (REST) API</a:t>
-            </a:r>
-          </a:p>
-          <a:p>
-            <a:r>
-              <a:rPr lang="en-US" sz="2400" dirty="0"/>
-              <a:t>New </a:t>
-            </a:r>
-            <a:r>
-              <a:rPr lang="en-US" sz="2400" b="1" i="1" dirty="0"/>
-              <a:t>Pages</a:t>
-            </a:r>
-            <a:r>
-              <a:rPr lang="en-US" sz="2400" dirty="0"/>
-              <a:t> folder </a:t>
-            </a:r>
-            <a:r>
-              <a:rPr lang="en-US" sz="1600" dirty="0"/>
-              <a:t>(and folder hierarchy)</a:t>
+              <a:t> directive</a:t>
             </a:r>
           </a:p>
         </p:txBody>
@@ -4902,7 +4807,7 @@
           <p:cNvPr id="3" name="Title 2">
             <a:extLst>
               <a:ext uri="{FF2B5EF4-FFF2-40B4-BE49-F238E27FC236}">
-                <a16:creationId xmlns:a16="http://schemas.microsoft.com/office/drawing/2014/main" id="{4F3E1690-A3F8-421F-999E-4A3CA112514C}"/>
+                <a16:creationId xmlns:a16="http://schemas.microsoft.com/office/drawing/2014/main" id="{8F0E8FD2-2959-471F-837E-C0AAFA77E4BA}"/>
               </a:ext>
             </a:extLst>
           </p:cNvPr>
@@ -4929,65 +4834,18 @@
             </a:br>
             <a:r>
               <a:rPr lang="en-US" sz="2700" dirty="0"/>
-              <a:t>Razor Pages</a:t>
-            </a:r>
-            <a:endParaRPr lang="tr-TR" sz="2700" dirty="0"/>
-          </a:p>
-        </p:txBody>
-      </p:sp>
-      <p:pic>
-        <p:nvPicPr>
-          <p:cNvPr id="8194" name="Picture 2" descr="Compare MVC vs Razor Page Files">
-            <a:extLst>
-              <a:ext uri="{FF2B5EF4-FFF2-40B4-BE49-F238E27FC236}">
-                <a16:creationId xmlns:a16="http://schemas.microsoft.com/office/drawing/2014/main" id="{6F76263A-A810-4359-BB94-2ABBD4EF77AA}"/>
-              </a:ext>
-            </a:extLst>
-          </p:cNvPr>
-          <p:cNvPicPr>
-            <a:picLocks noChangeAspect="1" noChangeArrowheads="1"/>
-          </p:cNvPicPr>
-          <p:nvPr/>
-        </p:nvPicPr>
-        <p:blipFill>
-          <a:blip r:embed="rId2">
-            <a:extLst>
-              <a:ext uri="{28A0092B-C50C-407E-A947-70E740481C1C}">
-                <a14:useLocalDpi xmlns:a14="http://schemas.microsoft.com/office/drawing/2010/main" val="0"/>
-              </a:ext>
-            </a:extLst>
-          </a:blip>
-          <a:srcRect/>
-          <a:stretch>
-            <a:fillRect/>
-          </a:stretch>
-        </p:blipFill>
-        <p:spPr bwMode="auto">
-          <a:xfrm>
-            <a:off x="5953922" y="790664"/>
-            <a:ext cx="5844348" cy="5335500"/>
-          </a:xfrm>
-          <a:prstGeom prst="rect">
-            <a:avLst/>
-          </a:prstGeom>
-          <a:noFill/>
-          <a:extLst>
-            <a:ext uri="{909E8E84-426E-40DD-AFC4-6F175D3DCCD1}">
-              <a14:hiddenFill xmlns:a14="http://schemas.microsoft.com/office/drawing/2010/main">
-                <a:solidFill>
-                  <a:srgbClr val="FFFFFF"/>
-                </a:solidFill>
-              </a14:hiddenFill>
-            </a:ext>
-          </a:extLst>
-        </p:spPr>
-      </p:pic>
+              <a:t>Razor Pages &gt; Page (View)</a:t>
+            </a:r>
+            <a:endParaRPr lang="tr-TR" dirty="0"/>
+          </a:p>
+        </p:txBody>
+      </p:sp>
       <p:pic>
         <p:nvPicPr>
           <p:cNvPr id="4" name="Picture 3">
             <a:extLst>
               <a:ext uri="{FF2B5EF4-FFF2-40B4-BE49-F238E27FC236}">
-                <a16:creationId xmlns:a16="http://schemas.microsoft.com/office/drawing/2014/main" id="{0C633C7F-5819-426D-8A27-17E58FF19E03}"/>
+                <a16:creationId xmlns:a16="http://schemas.microsoft.com/office/drawing/2014/main" id="{C8875C7C-0113-487E-BFC5-75C1DF3661A6}"/>
               </a:ext>
             </a:extLst>
           </p:cNvPr>
@@ -4997,15 +4855,15 @@
           <p:nvPr/>
         </p:nvPicPr>
         <p:blipFill>
-          <a:blip r:embed="rId3"/>
+          <a:blip r:embed="rId2"/>
           <a:stretch>
             <a:fillRect/>
           </a:stretch>
         </p:blipFill>
         <p:spPr>
           <a:xfrm>
-            <a:off x="1137568" y="3340829"/>
-            <a:ext cx="2057400" cy="1619250"/>
+            <a:off x="609600" y="2165758"/>
+            <a:ext cx="8791611" cy="4417603"/>
           </a:xfrm>
           <a:prstGeom prst="rect">
             <a:avLst/>
@@ -5015,7 +4873,7 @@
     </p:spTree>
     <p:extLst>
       <p:ext uri="{BB962C8B-B14F-4D97-AF65-F5344CB8AC3E}">
-        <p14:creationId xmlns:p14="http://schemas.microsoft.com/office/powerpoint/2010/main" val="3031858382"/>
+        <p14:creationId xmlns:p14="http://schemas.microsoft.com/office/powerpoint/2010/main" val="3084296999"/>
       </p:ext>
     </p:extLst>
   </p:cSld>
@@ -5059,7 +4917,7 @@
           <p:cNvPr id="2" name="Content Placeholder 1">
             <a:extLst>
               <a:ext uri="{FF2B5EF4-FFF2-40B4-BE49-F238E27FC236}">
-                <a16:creationId xmlns:a16="http://schemas.microsoft.com/office/drawing/2014/main" id="{6691565C-EBFF-4F4B-90C4-78B9C97F8F41}"/>
+                <a16:creationId xmlns:a16="http://schemas.microsoft.com/office/drawing/2014/main" id="{3B7EC059-B8FA-453F-89F6-D9A7F31F49DE}"/>
               </a:ext>
             </a:extLst>
           </p:cNvPr>
@@ -5073,7 +4931,7 @@
         <p:spPr>
           <a:xfrm>
             <a:off x="609600" y="1600201"/>
-            <a:ext cx="4314738" cy="4525963"/>
+            <a:ext cx="5153637" cy="4525963"/>
           </a:xfrm>
         </p:spPr>
         <p:txBody>
@@ -5083,84 +4941,52 @@
           <a:lstStyle/>
           <a:p>
             <a:r>
-              <a:rPr lang="en-US" sz="2400" i="1" dirty="0"/>
-              <a:t>New @page</a:t>
-            </a:r>
-            <a:r>
               <a:rPr lang="en-US" sz="2400" dirty="0"/>
-              <a:t> directive</a:t>
-            </a:r>
-          </a:p>
-          <a:p>
+              <a:t>Inherit </a:t>
+            </a:r>
+            <a:r>
+              <a:rPr lang="en-US" sz="2400" i="1" dirty="0" err="1"/>
+              <a:t>PageModel</a:t>
+            </a:r>
             <a:r>
               <a:rPr lang="en-US" sz="2400" dirty="0"/>
-              <a:t>Full Razor Support</a:t>
-            </a:r>
-          </a:p>
-          <a:p>
-            <a:pPr lvl="1"/>
-            <a:r>
-              <a:rPr lang="en-US" sz="2000" i="1" dirty="0"/>
-              <a:t>@model</a:t>
-            </a:r>
-            <a:r>
-              <a:rPr lang="en-US" sz="2000" dirty="0"/>
-              <a:t> directive</a:t>
-            </a:r>
-          </a:p>
-          <a:p>
-            <a:pPr lvl="1"/>
-            <a:r>
-              <a:rPr lang="en-US" sz="2000" dirty="0" err="1"/>
-              <a:t>Layout.cshtml</a:t>
-            </a:r>
-            <a:endParaRPr lang="en-US" sz="2000" dirty="0"/>
-          </a:p>
-          <a:p>
-            <a:pPr lvl="1"/>
-            <a:r>
-              <a:rPr lang="en-US" sz="2000" dirty="0"/>
-              <a:t>_</a:t>
-            </a:r>
-            <a:r>
-              <a:rPr lang="en-US" sz="2000" dirty="0" err="1"/>
-              <a:t>ViewStart.cshtml</a:t>
-            </a:r>
-            <a:endParaRPr lang="en-US" sz="2000" dirty="0"/>
-          </a:p>
-          <a:p>
-            <a:pPr lvl="1"/>
-            <a:r>
-              <a:rPr lang="en-US" sz="2000" dirty="0"/>
-              <a:t>_</a:t>
-            </a:r>
-            <a:r>
-              <a:rPr lang="en-US" sz="2000" dirty="0" err="1"/>
-              <a:t>ViewImports.cshtml</a:t>
-            </a:r>
-            <a:endParaRPr lang="en-US" sz="2000" dirty="0"/>
-          </a:p>
-          <a:p>
-            <a:pPr lvl="1"/>
-            <a:r>
-              <a:rPr lang="en-US" sz="2000" dirty="0"/>
-              <a:t>Partial Views</a:t>
-            </a:r>
-          </a:p>
-          <a:p>
-            <a:pPr lvl="1"/>
-            <a:r>
-              <a:rPr lang="en-US" sz="2000" dirty="0"/>
-              <a:t>Sections</a:t>
-            </a:r>
-          </a:p>
-          <a:p>
-            <a:pPr lvl="1"/>
-            <a:r>
-              <a:rPr lang="en-US" sz="2000" dirty="0"/>
-              <a:t>…</a:t>
-            </a:r>
-            <a:endParaRPr lang="tr-TR" sz="2000" dirty="0"/>
+              <a:t> (or declare [</a:t>
+            </a:r>
+            <a:r>
+              <a:rPr lang="en-US" sz="2400" dirty="0" err="1"/>
+              <a:t>PageModel</a:t>
+            </a:r>
+            <a:r>
+              <a:rPr lang="en-US" sz="2400" dirty="0"/>
+              <a:t>])</a:t>
+            </a:r>
+          </a:p>
+          <a:p>
+            <a:r>
+              <a:rPr lang="en-US" sz="2400" i="1" dirty="0" err="1"/>
+              <a:t>OnGetAsync</a:t>
+            </a:r>
+            <a:r>
+              <a:rPr lang="en-US" sz="2400" dirty="0"/>
+              <a:t> -&gt; HTTP GET</a:t>
+            </a:r>
+          </a:p>
+          <a:p>
+            <a:r>
+              <a:rPr lang="en-US" sz="2400" i="1" dirty="0" err="1"/>
+              <a:t>OnPostAsync</a:t>
+            </a:r>
+            <a:r>
+              <a:rPr lang="en-US" sz="2400" dirty="0"/>
+              <a:t> -&gt; HTTP POST</a:t>
+            </a:r>
+          </a:p>
+          <a:p>
+            <a:r>
+              <a:rPr lang="en-US" sz="2400" dirty="0"/>
+              <a:t>Public properties/methods are accessible from razor page (UI)</a:t>
+            </a:r>
+            <a:endParaRPr lang="tr-TR" sz="2400" dirty="0"/>
           </a:p>
         </p:txBody>
       </p:sp>
@@ -5169,7 +4995,7 @@
           <p:cNvPr id="3" name="Title 2">
             <a:extLst>
               <a:ext uri="{FF2B5EF4-FFF2-40B4-BE49-F238E27FC236}">
-                <a16:creationId xmlns:a16="http://schemas.microsoft.com/office/drawing/2014/main" id="{8F0E8FD2-2959-471F-837E-C0AAFA77E4BA}"/>
+                <a16:creationId xmlns:a16="http://schemas.microsoft.com/office/drawing/2014/main" id="{9E02365E-2085-4AEE-8D59-059F5F9EBFA8}"/>
               </a:ext>
             </a:extLst>
           </p:cNvPr>
@@ -5207,7 +5033,7 @@
           <p:cNvPr id="4" name="Picture 3">
             <a:extLst>
               <a:ext uri="{FF2B5EF4-FFF2-40B4-BE49-F238E27FC236}">
-                <a16:creationId xmlns:a16="http://schemas.microsoft.com/office/drawing/2014/main" id="{C8875C7C-0113-487E-BFC5-75C1DF3661A6}"/>
+                <a16:creationId xmlns:a16="http://schemas.microsoft.com/office/drawing/2014/main" id="{8E3AFD39-2DCD-42F0-9E49-4C27F0C4373F}"/>
               </a:ext>
             </a:extLst>
           </p:cNvPr>
@@ -5224,8 +5050,8 @@
         </p:blipFill>
         <p:spPr>
           <a:xfrm>
-            <a:off x="5588000" y="1771476"/>
-            <a:ext cx="5762625" cy="2895600"/>
+            <a:off x="5131386" y="897622"/>
+            <a:ext cx="6932160" cy="5847127"/>
           </a:xfrm>
           <a:prstGeom prst="rect">
             <a:avLst/>
@@ -5235,7 +5061,7 @@
     </p:spTree>
     <p:extLst>
       <p:ext uri="{BB962C8B-B14F-4D97-AF65-F5344CB8AC3E}">
-        <p14:creationId xmlns:p14="http://schemas.microsoft.com/office/powerpoint/2010/main" val="3084296999"/>
+        <p14:creationId xmlns:p14="http://schemas.microsoft.com/office/powerpoint/2010/main" val="475875719"/>
       </p:ext>
     </p:extLst>
   </p:cSld>
@@ -5276,81 +5102,10 @@
       </p:grpSpPr>
       <p:sp>
         <p:nvSpPr>
-          <p:cNvPr id="2" name="Content Placeholder 1">
-            <a:extLst>
-              <a:ext uri="{FF2B5EF4-FFF2-40B4-BE49-F238E27FC236}">
-                <a16:creationId xmlns:a16="http://schemas.microsoft.com/office/drawing/2014/main" id="{3B7EC059-B8FA-453F-89F6-D9A7F31F49DE}"/>
-              </a:ext>
-            </a:extLst>
-          </p:cNvPr>
-          <p:cNvSpPr>
-            <a:spLocks noGrp="1"/>
-          </p:cNvSpPr>
-          <p:nvPr>
-            <p:ph idx="1"/>
-          </p:nvPr>
-        </p:nvSpPr>
-        <p:spPr>
-          <a:xfrm>
-            <a:off x="609600" y="1600201"/>
-            <a:ext cx="5153637" cy="4525963"/>
-          </a:xfrm>
-        </p:spPr>
-        <p:txBody>
-          <a:bodyPr>
-            <a:normAutofit/>
-          </a:bodyPr>
-          <a:lstStyle/>
-          <a:p>
-            <a:r>
-              <a:rPr lang="en-US" sz="2400" dirty="0"/>
-              <a:t>Inherits from </a:t>
-            </a:r>
-            <a:r>
-              <a:rPr lang="en-US" sz="2400" i="1" dirty="0" err="1"/>
-              <a:t>PageModel</a:t>
-            </a:r>
-            <a:endParaRPr lang="en-US" sz="2400" i="1" dirty="0"/>
-          </a:p>
-          <a:p>
-            <a:r>
-              <a:rPr lang="en-US" sz="2400" i="1" dirty="0" err="1"/>
-              <a:t>OnGetAsync</a:t>
-            </a:r>
-            <a:r>
-              <a:rPr lang="en-US" sz="2400" dirty="0"/>
-              <a:t> is to respond HTTP GET method, </a:t>
-            </a:r>
-            <a:r>
-              <a:rPr lang="en-US" sz="2400" i="1" dirty="0" err="1"/>
-              <a:t>OnPostAsync</a:t>
-            </a:r>
-            <a:r>
-              <a:rPr lang="en-US" sz="2400" dirty="0"/>
-              <a:t> is for POST by default.</a:t>
-            </a:r>
-          </a:p>
-          <a:p>
-            <a:r>
-              <a:rPr lang="en-US" sz="2400" dirty="0"/>
-              <a:t>Dependency Injection works as expected</a:t>
-            </a:r>
-          </a:p>
-          <a:p>
-            <a:r>
-              <a:rPr lang="en-US" sz="2400" dirty="0"/>
-              <a:t>Public properties are accessible from Razor UI</a:t>
-            </a:r>
-            <a:endParaRPr lang="tr-TR" sz="2400" dirty="0"/>
-          </a:p>
-        </p:txBody>
-      </p:sp>
-      <p:sp>
-        <p:nvSpPr>
           <p:cNvPr id="3" name="Title 2">
             <a:extLst>
               <a:ext uri="{FF2B5EF4-FFF2-40B4-BE49-F238E27FC236}">
-                <a16:creationId xmlns:a16="http://schemas.microsoft.com/office/drawing/2014/main" id="{9E02365E-2085-4AEE-8D59-059F5F9EBFA8}"/>
+                <a16:creationId xmlns:a16="http://schemas.microsoft.com/office/drawing/2014/main" id="{D2D608BE-E355-422E-BAA7-5FF683A84079}"/>
               </a:ext>
             </a:extLst>
           </p:cNvPr>
@@ -5377,7 +5132,11 @@
             </a:br>
             <a:r>
               <a:rPr lang="en-US" sz="2700" dirty="0"/>
-              <a:t>Razor Pages</a:t>
+              <a:t>Razor Pages &gt; </a:t>
+            </a:r>
+            <a:r>
+              <a:rPr lang="en-US" sz="2700" dirty="0" err="1"/>
+              <a:t>BindProperty</a:t>
             </a:r>
             <a:endParaRPr lang="tr-TR" dirty="0"/>
           </a:p>
@@ -5388,7 +5147,7 @@
           <p:cNvPr id="4" name="Picture 3">
             <a:extLst>
               <a:ext uri="{FF2B5EF4-FFF2-40B4-BE49-F238E27FC236}">
-                <a16:creationId xmlns:a16="http://schemas.microsoft.com/office/drawing/2014/main" id="{8E3AFD39-2DCD-42F0-9E49-4C27F0C4373F}"/>
+                <a16:creationId xmlns:a16="http://schemas.microsoft.com/office/drawing/2014/main" id="{DF5F5A12-DAC8-405F-9CCF-9D493A8510CD}"/>
               </a:ext>
             </a:extLst>
           </p:cNvPr>
@@ -5405,8 +5164,38 @@
         </p:blipFill>
         <p:spPr>
           <a:xfrm>
-            <a:off x="6472281" y="1600201"/>
-            <a:ext cx="5035015" cy="4246926"/>
+            <a:off x="609599" y="1527102"/>
+            <a:ext cx="4448961" cy="5192332"/>
+          </a:xfrm>
+          <a:prstGeom prst="rect">
+            <a:avLst/>
+          </a:prstGeom>
+        </p:spPr>
+      </p:pic>
+      <p:pic>
+        <p:nvPicPr>
+          <p:cNvPr id="5" name="Picture 4">
+            <a:extLst>
+              <a:ext uri="{FF2B5EF4-FFF2-40B4-BE49-F238E27FC236}">
+                <a16:creationId xmlns:a16="http://schemas.microsoft.com/office/drawing/2014/main" id="{F483BCAA-B62B-4953-B481-4323910572F4}"/>
+              </a:ext>
+            </a:extLst>
+          </p:cNvPr>
+          <p:cNvPicPr>
+            <a:picLocks noChangeAspect="1"/>
+          </p:cNvPicPr>
+          <p:nvPr/>
+        </p:nvPicPr>
+        <p:blipFill>
+          <a:blip r:embed="rId3"/>
+          <a:stretch>
+            <a:fillRect/>
+          </a:stretch>
+        </p:blipFill>
+        <p:spPr>
+          <a:xfrm>
+            <a:off x="5236827" y="1527102"/>
+            <a:ext cx="5974647" cy="4043188"/>
           </a:xfrm>
           <a:prstGeom prst="rect">
             <a:avLst/>
@@ -5416,7 +5205,7 @@
     </p:spTree>
     <p:extLst>
       <p:ext uri="{BB962C8B-B14F-4D97-AF65-F5344CB8AC3E}">
-        <p14:creationId xmlns:p14="http://schemas.microsoft.com/office/powerpoint/2010/main" val="475875719"/>
+        <p14:creationId xmlns:p14="http://schemas.microsoft.com/office/powerpoint/2010/main" val="756084520"/>
       </p:ext>
     </p:extLst>
   </p:cSld>
@@ -5457,150 +5246,6 @@
       </p:grpSpPr>
       <p:sp>
         <p:nvSpPr>
-          <p:cNvPr id="3" name="Title 2">
-            <a:extLst>
-              <a:ext uri="{FF2B5EF4-FFF2-40B4-BE49-F238E27FC236}">
-                <a16:creationId xmlns:a16="http://schemas.microsoft.com/office/drawing/2014/main" id="{D2D608BE-E355-422E-BAA7-5FF683A84079}"/>
-              </a:ext>
-            </a:extLst>
-          </p:cNvPr>
-          <p:cNvSpPr>
-            <a:spLocks noGrp="1"/>
-          </p:cNvSpPr>
-          <p:nvPr>
-            <p:ph type="title"/>
-          </p:nvPr>
-        </p:nvSpPr>
-        <p:spPr/>
-        <p:txBody>
-          <a:bodyPr>
-            <a:normAutofit fontScale="90000"/>
-          </a:bodyPr>
-          <a:lstStyle/>
-          <a:p>
-            <a:r>
-              <a:rPr lang="en-US" dirty="0"/>
-              <a:t>ASP.NET Core MVC</a:t>
-            </a:r>
-            <a:br>
-              <a:rPr lang="en-US" dirty="0"/>
-            </a:br>
-            <a:r>
-              <a:rPr lang="en-US" sz="2700" dirty="0"/>
-              <a:t>Razor Pages &gt; </a:t>
-            </a:r>
-            <a:r>
-              <a:rPr lang="en-US" sz="2700" dirty="0" err="1"/>
-              <a:t>BindProperty</a:t>
-            </a:r>
-            <a:endParaRPr lang="tr-TR" dirty="0"/>
-          </a:p>
-        </p:txBody>
-      </p:sp>
-      <p:pic>
-        <p:nvPicPr>
-          <p:cNvPr id="4" name="Picture 3">
-            <a:extLst>
-              <a:ext uri="{FF2B5EF4-FFF2-40B4-BE49-F238E27FC236}">
-                <a16:creationId xmlns:a16="http://schemas.microsoft.com/office/drawing/2014/main" id="{DF5F5A12-DAC8-405F-9CCF-9D493A8510CD}"/>
-              </a:ext>
-            </a:extLst>
-          </p:cNvPr>
-          <p:cNvPicPr>
-            <a:picLocks noChangeAspect="1"/>
-          </p:cNvPicPr>
-          <p:nvPr/>
-        </p:nvPicPr>
-        <p:blipFill>
-          <a:blip r:embed="rId2"/>
-          <a:stretch>
-            <a:fillRect/>
-          </a:stretch>
-        </p:blipFill>
-        <p:spPr>
-          <a:xfrm>
-            <a:off x="609600" y="1527102"/>
-            <a:ext cx="3945930" cy="4605250"/>
-          </a:xfrm>
-          <a:prstGeom prst="rect">
-            <a:avLst/>
-          </a:prstGeom>
-        </p:spPr>
-      </p:pic>
-      <p:pic>
-        <p:nvPicPr>
-          <p:cNvPr id="5" name="Picture 4">
-            <a:extLst>
-              <a:ext uri="{FF2B5EF4-FFF2-40B4-BE49-F238E27FC236}">
-                <a16:creationId xmlns:a16="http://schemas.microsoft.com/office/drawing/2014/main" id="{F483BCAA-B62B-4953-B481-4323910572F4}"/>
-              </a:ext>
-            </a:extLst>
-          </p:cNvPr>
-          <p:cNvPicPr>
-            <a:picLocks noChangeAspect="1"/>
-          </p:cNvPicPr>
-          <p:nvPr/>
-        </p:nvPicPr>
-        <p:blipFill>
-          <a:blip r:embed="rId3"/>
-          <a:stretch>
-            <a:fillRect/>
-          </a:stretch>
-        </p:blipFill>
-        <p:spPr>
-          <a:xfrm>
-            <a:off x="4825767" y="1527101"/>
-            <a:ext cx="5082102" cy="3439181"/>
-          </a:xfrm>
-          <a:prstGeom prst="rect">
-            <a:avLst/>
-          </a:prstGeom>
-        </p:spPr>
-      </p:pic>
-    </p:spTree>
-    <p:extLst>
-      <p:ext uri="{BB962C8B-B14F-4D97-AF65-F5344CB8AC3E}">
-        <p14:creationId xmlns:p14="http://schemas.microsoft.com/office/powerpoint/2010/main" val="756084520"/>
-      </p:ext>
-    </p:extLst>
-  </p:cSld>
-  <p:clrMapOvr>
-    <a:masterClrMapping/>
-  </p:clrMapOvr>
-  <mc:AlternateContent xmlns:mc="http://schemas.openxmlformats.org/markup-compatibility/2006" xmlns:p14="http://schemas.microsoft.com/office/powerpoint/2010/main">
-    <mc:Choice Requires="p14">
-      <p:transition spd="med" p14:dur="700">
-        <p:fade/>
-      </p:transition>
-    </mc:Choice>
-    <mc:Fallback xmlns="">
-      <p:transition spd="med">
-        <p:fade/>
-      </p:transition>
-    </mc:Fallback>
-  </mc:AlternateContent>
-</p:sld>
-</file>
-
-<file path=ppt/slides/slide17.xml><?xml version="1.0" encoding="utf-8"?>
-<p:sld xmlns:a="http://schemas.openxmlformats.org/drawingml/2006/main" xmlns:r="http://schemas.openxmlformats.org/officeDocument/2006/relationships" xmlns:p="http://schemas.openxmlformats.org/presentationml/2006/main">
-  <p:cSld>
-    <p:spTree>
-      <p:nvGrpSpPr>
-        <p:cNvPr id="1" name=""/>
-        <p:cNvGrpSpPr/>
-        <p:nvPr/>
-      </p:nvGrpSpPr>
-      <p:grpSpPr>
-        <a:xfrm>
-          <a:off x="0" y="0"/>
-          <a:ext cx="0" cy="0"/>
-          <a:chOff x="0" y="0"/>
-          <a:chExt cx="0" cy="0"/>
-        </a:xfrm>
-      </p:grpSpPr>
-      <p:sp>
-        <p:nvSpPr>
           <p:cNvPr id="2" name="Content Placeholder 1">
             <a:extLst>
               <a:ext uri="{FF2B5EF4-FFF2-40B4-BE49-F238E27FC236}">
@@ -5646,24 +5291,22 @@
           </a:p>
           <a:p>
             <a:r>
-              <a:rPr lang="en-US" sz="2800" dirty="0" err="1"/>
-              <a:t>TempData</a:t>
-            </a:r>
-            <a:r>
               <a:rPr lang="en-US" sz="2800" dirty="0"/>
-              <a:t> (share data between requests! Uses Cookie by default)</a:t>
-            </a:r>
-          </a:p>
-          <a:p>
-            <a:r>
-              <a:rPr lang="en-US" sz="2800" dirty="0"/>
-              <a:t>Supports Exception Filters and Result Filters</a:t>
-            </a:r>
-          </a:p>
-          <a:p>
-            <a:r>
-              <a:rPr lang="en-US" sz="2800" dirty="0"/>
+              <a:t>Missing features</a:t>
+            </a:r>
+          </a:p>
+          <a:p>
+            <a:pPr lvl="1"/>
+            <a:r>
+              <a:rPr lang="en-US" sz="2400" dirty="0"/>
               <a:t>Does not support Action Filters yet (planned for v2.1)</a:t>
+            </a:r>
+          </a:p>
+          <a:p>
+            <a:pPr lvl="1"/>
+            <a:r>
+              <a:rPr lang="en-US" sz="2400" dirty="0"/>
+              <a:t>Does not handle Partial Views well</a:t>
             </a:r>
           </a:p>
           <a:p>
@@ -5764,7 +5407,7 @@
 </p:sld>
 </file>
 
-<file path=ppt/slides/slide18.xml><?xml version="1.0" encoding="utf-8"?>
+<file path=ppt/slides/slide17.xml><?xml version="1.0" encoding="utf-8"?>
 <p:sld xmlns:a="http://schemas.openxmlformats.org/drawingml/2006/main" xmlns:r="http://schemas.openxmlformats.org/officeDocument/2006/relationships" xmlns:p="http://schemas.openxmlformats.org/presentationml/2006/main">
   <p:cSld>
     <p:spTree>
@@ -5804,15 +5447,6 @@
           <a:p>
             <a:r>
               <a:rPr lang="en-US" dirty="0"/>
-              <a:t>Unified Authentication Middleware</a:t>
-            </a:r>
-          </a:p>
-          <a:p>
-            <a:endParaRPr lang="en-US" dirty="0"/>
-          </a:p>
-          <a:p>
-            <a:r>
-              <a:rPr lang="en-US" dirty="0"/>
               <a:t>New </a:t>
             </a:r>
             <a:r>
@@ -5833,23 +5467,19 @@
           <a:p>
             <a:r>
               <a:rPr lang="en-US" dirty="0"/>
-              <a:t>Automatic use of </a:t>
-            </a:r>
-            <a:r>
-              <a:rPr lang="en-US" dirty="0" err="1"/>
-              <a:t>antiforgery</a:t>
-            </a:r>
-            <a:r>
-              <a:rPr lang="en-US" dirty="0"/>
-              <a:t> tokens</a:t>
-            </a:r>
-          </a:p>
-          <a:p>
-            <a:r>
-              <a:rPr lang="en-US" dirty="0"/>
-              <a:t>Razor support for C# 7.1</a:t>
-            </a:r>
-            <a:endParaRPr lang="tr-TR" dirty="0"/>
+              <a:t>Unified Authentication Middleware</a:t>
+            </a:r>
+          </a:p>
+          <a:p>
+            <a:r>
+              <a:rPr lang="en-US" sz="3200" dirty="0" err="1"/>
+              <a:t>TempData</a:t>
+            </a:r>
+            <a:r>
+              <a:rPr lang="en-US" sz="3200" dirty="0"/>
+              <a:t> (share data between requests! Uses Cookie by default)</a:t>
+            </a:r>
+            <a:endParaRPr lang="en-US" dirty="0"/>
           </a:p>
         </p:txBody>
       </p:sp>
@@ -5885,72 +5515,12 @@
             </a:br>
             <a:r>
               <a:rPr lang="en-US" sz="2700" dirty="0"/>
-              <a:t>Other v2.0 Features</a:t>
+              <a:t>Other v2.0 Changes</a:t>
             </a:r>
             <a:endParaRPr lang="tr-TR" sz="2700" dirty="0"/>
           </a:p>
         </p:txBody>
       </p:sp>
-      <p:pic>
-        <p:nvPicPr>
-          <p:cNvPr id="4" name="Picture 3">
-            <a:extLst>
-              <a:ext uri="{FF2B5EF4-FFF2-40B4-BE49-F238E27FC236}">
-                <a16:creationId xmlns:a16="http://schemas.microsoft.com/office/drawing/2014/main" id="{11A5D7D5-247F-471E-B940-E2B067293901}"/>
-              </a:ext>
-            </a:extLst>
-          </p:cNvPr>
-          <p:cNvPicPr>
-            <a:picLocks noChangeAspect="1"/>
-          </p:cNvPicPr>
-          <p:nvPr/>
-        </p:nvPicPr>
-        <p:blipFill>
-          <a:blip r:embed="rId2"/>
-          <a:stretch>
-            <a:fillRect/>
-          </a:stretch>
-        </p:blipFill>
-        <p:spPr>
-          <a:xfrm>
-            <a:off x="1136052" y="2130811"/>
-            <a:ext cx="1933575" cy="542925"/>
-          </a:xfrm>
-          <a:prstGeom prst="rect">
-            <a:avLst/>
-          </a:prstGeom>
-        </p:spPr>
-      </p:pic>
-      <p:pic>
-        <p:nvPicPr>
-          <p:cNvPr id="6" name="Picture 5">
-            <a:extLst>
-              <a:ext uri="{FF2B5EF4-FFF2-40B4-BE49-F238E27FC236}">
-                <a16:creationId xmlns:a16="http://schemas.microsoft.com/office/drawing/2014/main" id="{6A1D49EE-E2F9-48DA-B360-BFC5117D4865}"/>
-              </a:ext>
-            </a:extLst>
-          </p:cNvPr>
-          <p:cNvPicPr>
-            <a:picLocks noChangeAspect="1"/>
-          </p:cNvPicPr>
-          <p:nvPr/>
-        </p:nvPicPr>
-        <p:blipFill>
-          <a:blip r:embed="rId3"/>
-          <a:stretch>
-            <a:fillRect/>
-          </a:stretch>
-        </p:blipFill>
-        <p:spPr>
-          <a:xfrm>
-            <a:off x="3206123" y="2221299"/>
-            <a:ext cx="1685925" cy="361950"/>
-          </a:xfrm>
-          <a:prstGeom prst="rect">
-            <a:avLst/>
-          </a:prstGeom>
-        </p:spPr>
-      </p:pic>
     </p:spTree>
     <p:extLst>
       <p:ext uri="{BB962C8B-B14F-4D97-AF65-F5344CB8AC3E}">
@@ -5976,7 +5546,7 @@
 </p:sld>
 </file>
 
-<file path=ppt/slides/slide19.xml><?xml version="1.0" encoding="utf-8"?>
+<file path=ppt/slides/slide18.xml><?xml version="1.0" encoding="utf-8"?>
 <p:sld xmlns:a="http://schemas.openxmlformats.org/drawingml/2006/main" xmlns:r="http://schemas.openxmlformats.org/officeDocument/2006/relationships" xmlns:p="http://schemas.openxmlformats.org/presentationml/2006/main">
   <p:cSld>
     <p:spTree>
@@ -6011,8 +5581,8 @@
         </p:nvSpPr>
         <p:spPr>
           <a:xfrm>
-            <a:off x="609600" y="1600201"/>
-            <a:ext cx="4566407" cy="4525963"/>
+            <a:off x="609601" y="1600201"/>
+            <a:ext cx="4046290" cy="4525963"/>
           </a:xfrm>
         </p:spPr>
         <p:txBody>
@@ -6022,25 +5592,25 @@
           <a:lstStyle/>
           <a:p>
             <a:r>
-              <a:rPr lang="en-US" sz="2000" dirty="0"/>
+              <a:rPr lang="en-US" sz="2800" dirty="0"/>
               <a:t>Define new tags, attributes</a:t>
             </a:r>
           </a:p>
           <a:p>
             <a:r>
-              <a:rPr lang="en-US" sz="2000" dirty="0"/>
+              <a:rPr lang="en-US" sz="2800" dirty="0"/>
               <a:t>Manipulate rendering of HTML elements</a:t>
             </a:r>
           </a:p>
           <a:p>
             <a:r>
-              <a:rPr lang="en-US" sz="2000" dirty="0"/>
+              <a:rPr lang="en-US" sz="2800" dirty="0"/>
               <a:t>Remove elements from output conditionally</a:t>
             </a:r>
           </a:p>
           <a:p>
             <a:r>
-              <a:rPr lang="en-US" sz="2000" dirty="0"/>
+              <a:rPr lang="en-US" sz="2800" dirty="0"/>
               <a:t>Add surrounding/inner elements</a:t>
             </a:r>
           </a:p>
@@ -6109,8 +5679,8 @@
         </p:blipFill>
         <p:spPr>
           <a:xfrm>
-            <a:off x="5334306" y="2348707"/>
-            <a:ext cx="6372225" cy="3028950"/>
+            <a:off x="4789886" y="2897435"/>
+            <a:ext cx="7246745" cy="3444641"/>
           </a:xfrm>
           <a:prstGeom prst="rect">
             <a:avLst/>
@@ -6139,7 +5709,7 @@
         </p:blipFill>
         <p:spPr>
           <a:xfrm>
-            <a:off x="5334306" y="1600201"/>
+            <a:off x="4789886" y="2081213"/>
             <a:ext cx="4124325" cy="647700"/>
           </a:xfrm>
           <a:prstGeom prst="rect">
@@ -6169,8 +5739,8 @@
         </p:blipFill>
         <p:spPr>
           <a:xfrm>
-            <a:off x="5334306" y="5478463"/>
-            <a:ext cx="2162175" cy="200025"/>
+            <a:off x="4789886" y="1600201"/>
+            <a:ext cx="3377857" cy="312489"/>
           </a:xfrm>
           <a:prstGeom prst="rect">
             <a:avLst/>
@@ -6202,149 +5772,7 @@
 </p:sld>
 </file>
 
-<file path=ppt/slides/slide2.xml><?xml version="1.0" encoding="utf-8"?>
-<p:sld xmlns:a="http://schemas.openxmlformats.org/drawingml/2006/main" xmlns:r="http://schemas.openxmlformats.org/officeDocument/2006/relationships" xmlns:p="http://schemas.openxmlformats.org/presentationml/2006/main">
-  <p:cSld>
-    <p:spTree>
-      <p:nvGrpSpPr>
-        <p:cNvPr id="1" name=""/>
-        <p:cNvGrpSpPr/>
-        <p:nvPr/>
-      </p:nvGrpSpPr>
-      <p:grpSpPr>
-        <a:xfrm>
-          <a:off x="0" y="0"/>
-          <a:ext cx="0" cy="0"/>
-          <a:chOff x="0" y="0"/>
-          <a:chExt cx="0" cy="0"/>
-        </a:xfrm>
-      </p:grpSpPr>
-      <p:sp>
-        <p:nvSpPr>
-          <p:cNvPr id="3" name="Content Placeholder 2"/>
-          <p:cNvSpPr>
-            <a:spLocks noGrp="1"/>
-          </p:cNvSpPr>
-          <p:nvPr>
-            <p:ph idx="1"/>
-          </p:nvPr>
-        </p:nvSpPr>
-        <p:spPr/>
-        <p:txBody>
-          <a:bodyPr/>
-          <a:lstStyle/>
-          <a:p>
-            <a:r>
-              <a:rPr lang="en-US" dirty="0"/>
-              <a:t>About Me &amp; My Projects</a:t>
-            </a:r>
-          </a:p>
-          <a:p>
-            <a:r>
-              <a:rPr lang="en-US" dirty="0" err="1"/>
-              <a:t>.Net</a:t>
-            </a:r>
-            <a:r>
-              <a:rPr lang="en-US" dirty="0"/>
-              <a:t> Standard vs </a:t>
-            </a:r>
-            <a:r>
-              <a:rPr lang="en-US" dirty="0" err="1"/>
-              <a:t>.Net</a:t>
-            </a:r>
-            <a:r>
-              <a:rPr lang="en-US" dirty="0"/>
-              <a:t> Core vs </a:t>
-            </a:r>
-            <a:r>
-              <a:rPr lang="en-US" dirty="0" err="1"/>
-              <a:t>.Net</a:t>
-            </a:r>
-            <a:r>
-              <a:rPr lang="en-US" dirty="0"/>
-              <a:t> Framework</a:t>
-            </a:r>
-          </a:p>
-          <a:p>
-            <a:r>
-              <a:rPr lang="en-US" dirty="0"/>
-              <a:t>ASP.NET Core, Overall</a:t>
-            </a:r>
-          </a:p>
-          <a:p>
-            <a:r>
-              <a:rPr lang="en-US" dirty="0"/>
-              <a:t>ASP.NET Core, MVC</a:t>
-            </a:r>
-          </a:p>
-          <a:p>
-            <a:r>
-              <a:rPr lang="en-US" dirty="0"/>
-              <a:t>Entity Framework Core</a:t>
-            </a:r>
-          </a:p>
-          <a:p>
-            <a:r>
-              <a:rPr lang="en-US" dirty="0"/>
-              <a:t>Demo: Integration Testing</a:t>
-            </a:r>
-          </a:p>
-          <a:p>
-            <a:r>
-              <a:rPr lang="en-US" dirty="0"/>
-              <a:t>Final Words &amp; Decisions</a:t>
-            </a:r>
-          </a:p>
-        </p:txBody>
-      </p:sp>
-      <p:sp>
-        <p:nvSpPr>
-          <p:cNvPr id="2" name="Title 1"/>
-          <p:cNvSpPr>
-            <a:spLocks noGrp="1"/>
-          </p:cNvSpPr>
-          <p:nvPr>
-            <p:ph type="title"/>
-          </p:nvPr>
-        </p:nvSpPr>
-        <p:spPr/>
-        <p:txBody>
-          <a:bodyPr/>
-          <a:lstStyle/>
-          <a:p>
-            <a:r>
-              <a:rPr lang="en-US" dirty="0"/>
-              <a:t>Agenda</a:t>
-            </a:r>
-          </a:p>
-        </p:txBody>
-      </p:sp>
-    </p:spTree>
-    <p:extLst>
-      <p:ext uri="{BB962C8B-B14F-4D97-AF65-F5344CB8AC3E}">
-        <p14:creationId xmlns:p14="http://schemas.microsoft.com/office/powerpoint/2010/main" val="1522668738"/>
-      </p:ext>
-    </p:extLst>
-  </p:cSld>
-  <p:clrMapOvr>
-    <a:masterClrMapping/>
-  </p:clrMapOvr>
-  <mc:AlternateContent xmlns:mc="http://schemas.openxmlformats.org/markup-compatibility/2006" xmlns:p14="http://schemas.microsoft.com/office/powerpoint/2010/main">
-    <mc:Choice Requires="p14">
-      <p:transition spd="med" p14:dur="700">
-        <p:fade/>
-      </p:transition>
-    </mc:Choice>
-    <mc:Fallback xmlns="">
-      <p:transition spd="med">
-        <p:fade/>
-      </p:transition>
-    </mc:Fallback>
-  </mc:AlternateContent>
-</p:sld>
-</file>
-
-<file path=ppt/slides/slide20.xml><?xml version="1.0" encoding="utf-8"?>
+<file path=ppt/slides/slide19.xml><?xml version="1.0" encoding="utf-8"?>
 <p:sld xmlns:a="http://schemas.openxmlformats.org/drawingml/2006/main" xmlns:r="http://schemas.openxmlformats.org/officeDocument/2006/relationships" xmlns:p="http://schemas.openxmlformats.org/presentationml/2006/main">
   <p:cSld>
     <p:spTree>
@@ -6622,6 +6050,310 @@
 </p:sld>
 </file>
 
+<file path=ppt/slides/slide2.xml><?xml version="1.0" encoding="utf-8"?>
+<p:sld xmlns:a="http://schemas.openxmlformats.org/drawingml/2006/main" xmlns:r="http://schemas.openxmlformats.org/officeDocument/2006/relationships" xmlns:p="http://schemas.openxmlformats.org/presentationml/2006/main">
+  <p:cSld>
+    <p:spTree>
+      <p:nvGrpSpPr>
+        <p:cNvPr id="1" name=""/>
+        <p:cNvGrpSpPr/>
+        <p:nvPr/>
+      </p:nvGrpSpPr>
+      <p:grpSpPr>
+        <a:xfrm>
+          <a:off x="0" y="0"/>
+          <a:ext cx="0" cy="0"/>
+          <a:chOff x="0" y="0"/>
+          <a:chExt cx="0" cy="0"/>
+        </a:xfrm>
+      </p:grpSpPr>
+      <p:sp>
+        <p:nvSpPr>
+          <p:cNvPr id="3" name="Content Placeholder 2"/>
+          <p:cNvSpPr>
+            <a:spLocks noGrp="1"/>
+          </p:cNvSpPr>
+          <p:nvPr>
+            <p:ph idx="1"/>
+          </p:nvPr>
+        </p:nvSpPr>
+        <p:spPr/>
+        <p:txBody>
+          <a:bodyPr/>
+          <a:lstStyle/>
+          <a:p>
+            <a:r>
+              <a:rPr lang="en-US" dirty="0"/>
+              <a:t>About Me &amp; My Projects</a:t>
+            </a:r>
+          </a:p>
+          <a:p>
+            <a:r>
+              <a:rPr lang="en-US" dirty="0" err="1"/>
+              <a:t>.Net</a:t>
+            </a:r>
+            <a:r>
+              <a:rPr lang="en-US" dirty="0"/>
+              <a:t> Standard vs </a:t>
+            </a:r>
+            <a:r>
+              <a:rPr lang="en-US" dirty="0" err="1"/>
+              <a:t>.Net</a:t>
+            </a:r>
+            <a:r>
+              <a:rPr lang="en-US" dirty="0"/>
+              <a:t> Core vs </a:t>
+            </a:r>
+            <a:r>
+              <a:rPr lang="en-US" dirty="0" err="1"/>
+              <a:t>.Net</a:t>
+            </a:r>
+            <a:r>
+              <a:rPr lang="en-US" dirty="0"/>
+              <a:t> Framework</a:t>
+            </a:r>
+          </a:p>
+          <a:p>
+            <a:r>
+              <a:rPr lang="en-US" dirty="0"/>
+              <a:t>ASP.NET Core, Overall</a:t>
+            </a:r>
+          </a:p>
+          <a:p>
+            <a:r>
+              <a:rPr lang="en-US" dirty="0"/>
+              <a:t>ASP.NET Core, MVC</a:t>
+            </a:r>
+          </a:p>
+          <a:p>
+            <a:r>
+              <a:rPr lang="en-US" dirty="0"/>
+              <a:t>Entity Framework Core</a:t>
+            </a:r>
+          </a:p>
+          <a:p>
+            <a:r>
+              <a:rPr lang="en-US" dirty="0"/>
+              <a:t>Demo: Integration Testing</a:t>
+            </a:r>
+          </a:p>
+          <a:p>
+            <a:r>
+              <a:rPr lang="en-US" dirty="0"/>
+              <a:t>Final Words &amp; Decisions</a:t>
+            </a:r>
+          </a:p>
+        </p:txBody>
+      </p:sp>
+      <p:sp>
+        <p:nvSpPr>
+          <p:cNvPr id="2" name="Title 1"/>
+          <p:cNvSpPr>
+            <a:spLocks noGrp="1"/>
+          </p:cNvSpPr>
+          <p:nvPr>
+            <p:ph type="title"/>
+          </p:nvPr>
+        </p:nvSpPr>
+        <p:spPr/>
+        <p:txBody>
+          <a:bodyPr/>
+          <a:lstStyle/>
+          <a:p>
+            <a:r>
+              <a:rPr lang="en-US" dirty="0"/>
+              <a:t>Agenda</a:t>
+            </a:r>
+          </a:p>
+        </p:txBody>
+      </p:sp>
+    </p:spTree>
+    <p:extLst>
+      <p:ext uri="{BB962C8B-B14F-4D97-AF65-F5344CB8AC3E}">
+        <p14:creationId xmlns:p14="http://schemas.microsoft.com/office/powerpoint/2010/main" val="1522668738"/>
+      </p:ext>
+    </p:extLst>
+  </p:cSld>
+  <p:clrMapOvr>
+    <a:masterClrMapping/>
+  </p:clrMapOvr>
+  <mc:AlternateContent xmlns:mc="http://schemas.openxmlformats.org/markup-compatibility/2006" xmlns:p14="http://schemas.microsoft.com/office/powerpoint/2010/main">
+    <mc:Choice Requires="p14">
+      <p:transition spd="med" p14:dur="700">
+        <p:fade/>
+      </p:transition>
+    </mc:Choice>
+    <mc:Fallback xmlns="">
+      <p:transition spd="med">
+        <p:fade/>
+      </p:transition>
+    </mc:Fallback>
+  </mc:AlternateContent>
+</p:sld>
+</file>
+
+<file path=ppt/slides/slide20.xml><?xml version="1.0" encoding="utf-8"?>
+<p:sld xmlns:a="http://schemas.openxmlformats.org/drawingml/2006/main" xmlns:r="http://schemas.openxmlformats.org/officeDocument/2006/relationships" xmlns:p="http://schemas.openxmlformats.org/presentationml/2006/main">
+  <p:cSld>
+    <p:spTree>
+      <p:nvGrpSpPr>
+        <p:cNvPr id="1" name=""/>
+        <p:cNvGrpSpPr/>
+        <p:nvPr/>
+      </p:nvGrpSpPr>
+      <p:grpSpPr>
+        <a:xfrm>
+          <a:off x="0" y="0"/>
+          <a:ext cx="0" cy="0"/>
+          <a:chOff x="0" y="0"/>
+          <a:chExt cx="0" cy="0"/>
+        </a:xfrm>
+      </p:grpSpPr>
+      <p:sp>
+        <p:nvSpPr>
+          <p:cNvPr id="2" name="Content Placeholder 1">
+            <a:extLst>
+              <a:ext uri="{FF2B5EF4-FFF2-40B4-BE49-F238E27FC236}">
+                <a16:creationId xmlns:a16="http://schemas.microsoft.com/office/drawing/2014/main" id="{F1ABD4F3-517D-4A1B-A5FC-A554A0C0E7C6}"/>
+              </a:ext>
+            </a:extLst>
+          </p:cNvPr>
+          <p:cNvSpPr>
+            <a:spLocks noGrp="1"/>
+          </p:cNvSpPr>
+          <p:nvPr>
+            <p:ph idx="1"/>
+          </p:nvPr>
+        </p:nvSpPr>
+        <p:spPr/>
+        <p:txBody>
+          <a:bodyPr/>
+          <a:lstStyle/>
+          <a:p>
+            <a:r>
+              <a:rPr lang="en-US" dirty="0"/>
+              <a:t>Client-side package management..?</a:t>
+            </a:r>
+          </a:p>
+          <a:p>
+            <a:pPr lvl="1"/>
+            <a:r>
+              <a:rPr lang="en-US" dirty="0" err="1"/>
+              <a:t>Npm</a:t>
+            </a:r>
+            <a:r>
+              <a:rPr lang="en-US" dirty="0"/>
+              <a:t> or Bower (deprecated)</a:t>
+            </a:r>
+          </a:p>
+          <a:p>
+            <a:r>
+              <a:rPr lang="en-US" dirty="0"/>
+              <a:t>Bundling, </a:t>
+            </a:r>
+            <a:r>
+              <a:rPr lang="en-US" dirty="0" err="1"/>
+              <a:t>Minification</a:t>
+            </a:r>
+            <a:r>
+              <a:rPr lang="en-US" dirty="0"/>
+              <a:t>..?</a:t>
+            </a:r>
+          </a:p>
+          <a:p>
+            <a:pPr lvl="1"/>
+            <a:r>
+              <a:rPr lang="en-US" dirty="0"/>
+              <a:t>Bundler &amp; </a:t>
+            </a:r>
+            <a:r>
+              <a:rPr lang="en-US" dirty="0" err="1"/>
+              <a:t>Minifier</a:t>
+            </a:r>
+            <a:r>
+              <a:rPr lang="en-US" dirty="0"/>
+              <a:t> Visual Studio Extension</a:t>
+            </a:r>
+          </a:p>
+          <a:p>
+            <a:pPr lvl="1"/>
+            <a:r>
+              <a:rPr lang="en-US" dirty="0"/>
+              <a:t>Web Compiler Visual Studio Extension</a:t>
+            </a:r>
+          </a:p>
+          <a:p>
+            <a:pPr lvl="1"/>
+            <a:r>
+              <a:rPr lang="en-US" dirty="0"/>
+              <a:t>Gulp/Grunt</a:t>
+            </a:r>
+          </a:p>
+        </p:txBody>
+      </p:sp>
+      <p:sp>
+        <p:nvSpPr>
+          <p:cNvPr id="3" name="Title 2">
+            <a:extLst>
+              <a:ext uri="{FF2B5EF4-FFF2-40B4-BE49-F238E27FC236}">
+                <a16:creationId xmlns:a16="http://schemas.microsoft.com/office/drawing/2014/main" id="{EC3E9A98-DDFB-4F8C-8C0F-F152F753F042}"/>
+              </a:ext>
+            </a:extLst>
+          </p:cNvPr>
+          <p:cNvSpPr>
+            <a:spLocks noGrp="1"/>
+          </p:cNvSpPr>
+          <p:nvPr>
+            <p:ph type="title"/>
+          </p:nvPr>
+        </p:nvSpPr>
+        <p:spPr/>
+        <p:txBody>
+          <a:bodyPr>
+            <a:normAutofit fontScale="90000"/>
+          </a:bodyPr>
+          <a:lstStyle/>
+          <a:p>
+            <a:r>
+              <a:rPr lang="en-US" dirty="0"/>
+              <a:t>ASP.NET Core MVC</a:t>
+            </a:r>
+            <a:br>
+              <a:rPr lang="en-US" dirty="0"/>
+            </a:br>
+            <a:r>
+              <a:rPr lang="en-US" sz="2700" dirty="0"/>
+              <a:t>Client Side Development</a:t>
+            </a:r>
+            <a:endParaRPr lang="tr-TR" sz="2700" dirty="0"/>
+          </a:p>
+        </p:txBody>
+      </p:sp>
+    </p:spTree>
+    <p:extLst>
+      <p:ext uri="{BB962C8B-B14F-4D97-AF65-F5344CB8AC3E}">
+        <p14:creationId xmlns:p14="http://schemas.microsoft.com/office/powerpoint/2010/main" val="2439022773"/>
+      </p:ext>
+    </p:extLst>
+  </p:cSld>
+  <p:clrMapOvr>
+    <a:masterClrMapping/>
+  </p:clrMapOvr>
+  <mc:AlternateContent xmlns:mc="http://schemas.openxmlformats.org/markup-compatibility/2006" xmlns:p14="http://schemas.microsoft.com/office/powerpoint/2010/main">
+    <mc:Choice Requires="p14">
+      <p:transition spd="med" p14:dur="700">
+        <p:fade/>
+      </p:transition>
+    </mc:Choice>
+    <mc:Fallback xmlns="">
+      <p:transition spd="med">
+        <p:fade/>
+      </p:transition>
+    </mc:Fallback>
+  </mc:AlternateContent>
+</p:sld>
+</file>
+
 <file path=ppt/slides/slide21.xml><?xml version="1.0" encoding="utf-8"?>
 <p:sld xmlns:a="http://schemas.openxmlformats.org/drawingml/2006/main" xmlns:r="http://schemas.openxmlformats.org/officeDocument/2006/relationships" xmlns:p="http://schemas.openxmlformats.org/presentationml/2006/main">
   <p:cSld>
@@ -6641,10 +6373,109 @@
       </p:grpSpPr>
       <p:sp>
         <p:nvSpPr>
+          <p:cNvPr id="2" name="Content Placeholder 1">
+            <a:extLst>
+              <a:ext uri="{FF2B5EF4-FFF2-40B4-BE49-F238E27FC236}">
+                <a16:creationId xmlns:a16="http://schemas.microsoft.com/office/drawing/2014/main" id="{6D20481E-BEA4-420C-B9BA-9BC91B138D29}"/>
+              </a:ext>
+            </a:extLst>
+          </p:cNvPr>
+          <p:cNvSpPr>
+            <a:spLocks noGrp="1"/>
+          </p:cNvSpPr>
+          <p:nvPr>
+            <p:ph idx="1"/>
+          </p:nvPr>
+        </p:nvSpPr>
+        <p:spPr/>
+        <p:txBody>
+          <a:bodyPr>
+            <a:normAutofit fontScale="92500" lnSpcReduction="10000"/>
+          </a:bodyPr>
+          <a:lstStyle/>
+          <a:p>
+            <a:r>
+              <a:rPr lang="en-US" dirty="0"/>
+              <a:t>Developed from scratch, optimized for cloud!</a:t>
+            </a:r>
+          </a:p>
+          <a:p>
+            <a:r>
+              <a:rPr lang="en-US" dirty="0"/>
+              <a:t>Compared to EF 6.x</a:t>
+            </a:r>
+          </a:p>
+          <a:p>
+            <a:pPr lvl="1"/>
+            <a:r>
+              <a:rPr lang="en-US" dirty="0"/>
+              <a:t>Lightweight, better performance</a:t>
+            </a:r>
+          </a:p>
+          <a:p>
+            <a:pPr lvl="1"/>
+            <a:r>
+              <a:rPr lang="en-US" dirty="0"/>
+              <a:t>Cleaner SQL output</a:t>
+            </a:r>
+          </a:p>
+          <a:p>
+            <a:pPr lvl="1"/>
+            <a:r>
+              <a:rPr lang="en-US" dirty="0"/>
+              <a:t>Better testability (supports in-memory database out of the box)</a:t>
+            </a:r>
+          </a:p>
+          <a:p>
+            <a:pPr lvl="1"/>
+            <a:r>
+              <a:rPr lang="en-US" dirty="0"/>
+              <a:t>Missing features</a:t>
+            </a:r>
+          </a:p>
+          <a:p>
+            <a:pPr lvl="2"/>
+            <a:r>
+              <a:rPr lang="en-US" dirty="0"/>
+              <a:t>Lazy load (instead, use explicit load)</a:t>
+            </a:r>
+          </a:p>
+          <a:p>
+            <a:pPr lvl="2"/>
+            <a:r>
+              <a:rPr lang="en-US" dirty="0"/>
+              <a:t>Database first (probably will never support)</a:t>
+            </a:r>
+          </a:p>
+          <a:p>
+            <a:pPr lvl="2"/>
+            <a:r>
+              <a:rPr lang="en-US" dirty="0"/>
+              <a:t>Seed data</a:t>
+            </a:r>
+          </a:p>
+          <a:p>
+            <a:pPr lvl="2"/>
+            <a:r>
+              <a:rPr lang="en-US" dirty="0"/>
+              <a:t>TPT &amp; TPC inheritance</a:t>
+            </a:r>
+          </a:p>
+          <a:p>
+            <a:pPr lvl="2"/>
+            <a:r>
+              <a:rPr lang="en-US" dirty="0"/>
+              <a:t>Lifecycle hooks/events</a:t>
+            </a:r>
+          </a:p>
+        </p:txBody>
+      </p:sp>
+      <p:sp>
+        <p:nvSpPr>
           <p:cNvPr id="3" name="Title 2">
             <a:extLst>
               <a:ext uri="{FF2B5EF4-FFF2-40B4-BE49-F238E27FC236}">
-                <a16:creationId xmlns:a16="http://schemas.microsoft.com/office/drawing/2014/main" id="{CF176552-C130-46BF-AB87-FA56D86D2ECF}"/>
+                <a16:creationId xmlns:a16="http://schemas.microsoft.com/office/drawing/2014/main" id="{2A8A26FB-F789-4329-B715-1142ADA7FD14}"/>
               </a:ext>
             </a:extLst>
           </p:cNvPr>
@@ -6657,124 +6488,21 @@
         </p:nvSpPr>
         <p:spPr/>
         <p:txBody>
-          <a:bodyPr>
-            <a:normAutofit fontScale="90000"/>
-          </a:bodyPr>
+          <a:bodyPr/>
           <a:lstStyle/>
           <a:p>
             <a:r>
               <a:rPr lang="en-US" dirty="0"/>
-              <a:t>ASP.NET Core MVC</a:t>
-            </a:r>
-            <a:br>
-              <a:rPr lang="en-US" dirty="0"/>
-            </a:br>
-            <a:r>
-              <a:rPr lang="en-US" sz="2700" dirty="0"/>
-              <a:t>Action Filters</a:t>
+              <a:t>Entity Framework Core</a:t>
             </a:r>
             <a:endParaRPr lang="tr-TR" dirty="0"/>
           </a:p>
         </p:txBody>
       </p:sp>
-      <p:pic>
-        <p:nvPicPr>
-          <p:cNvPr id="9218" name="Picture 2" descr="The request is processed through Authorization Filters, Resource Filters, Model Binding, Action Filters, Action Execution and Action Result Conversion, Exception Filters, Result Filters, and Result Execution. On the way out, the request is only processed by Result Filters and Resource Filters before becoming a response sent to the client.">
-            <a:extLst>
-              <a:ext uri="{FF2B5EF4-FFF2-40B4-BE49-F238E27FC236}">
-                <a16:creationId xmlns:a16="http://schemas.microsoft.com/office/drawing/2014/main" id="{083DAF07-5D31-44B4-B1DC-ACEAAC66B2D1}"/>
-              </a:ext>
-            </a:extLst>
-          </p:cNvPr>
-          <p:cNvPicPr>
-            <a:picLocks noChangeAspect="1" noChangeArrowheads="1"/>
-          </p:cNvPicPr>
-          <p:nvPr/>
-        </p:nvPicPr>
-        <p:blipFill>
-          <a:blip r:embed="rId2">
-            <a:extLst>
-              <a:ext uri="{28A0092B-C50C-407E-A947-70E740481C1C}">
-                <a14:useLocalDpi xmlns:a14="http://schemas.microsoft.com/office/drawing/2010/main" val="0"/>
-              </a:ext>
-            </a:extLst>
-          </a:blip>
-          <a:srcRect/>
-          <a:stretch>
-            <a:fillRect/>
-          </a:stretch>
-        </p:blipFill>
-        <p:spPr bwMode="auto">
-          <a:xfrm>
-            <a:off x="3940027" y="1417639"/>
-            <a:ext cx="6197799" cy="4597268"/>
-          </a:xfrm>
-          <a:prstGeom prst="rect">
-            <a:avLst/>
-          </a:prstGeom>
-          <a:noFill/>
-          <a:extLst>
-            <a:ext uri="{909E8E84-426E-40DD-AFC4-6F175D3DCCD1}">
-              <a14:hiddenFill xmlns:a14="http://schemas.microsoft.com/office/drawing/2010/main">
-                <a:solidFill>
-                  <a:srgbClr val="FFFFFF"/>
-                </a:solidFill>
-              </a14:hiddenFill>
-            </a:ext>
-          </a:extLst>
-        </p:spPr>
-      </p:pic>
-      <p:pic>
-        <p:nvPicPr>
-          <p:cNvPr id="9220" name="Picture 4" descr="The request is processed through Other Middleware, Routing Middleware, Action Selection, and the MVC Action Invocation Pipeline. The request processing continues back through Action Selection, Routing Middleware, and various Other Middleware before becoming a response sent to the client.">
-            <a:extLst>
-              <a:ext uri="{FF2B5EF4-FFF2-40B4-BE49-F238E27FC236}">
-                <a16:creationId xmlns:a16="http://schemas.microsoft.com/office/drawing/2014/main" id="{2B5FB0C2-3B1E-4B01-ACBB-F0823A1D1219}"/>
-              </a:ext>
-            </a:extLst>
-          </p:cNvPr>
-          <p:cNvPicPr>
-            <a:picLocks noChangeAspect="1" noChangeArrowheads="1"/>
-          </p:cNvPicPr>
-          <p:nvPr/>
-        </p:nvPicPr>
-        <p:blipFill>
-          <a:blip r:embed="rId3">
-            <a:extLst>
-              <a:ext uri="{28A0092B-C50C-407E-A947-70E740481C1C}">
-                <a14:useLocalDpi xmlns:a14="http://schemas.microsoft.com/office/drawing/2010/main" val="0"/>
-              </a:ext>
-            </a:extLst>
-          </a:blip>
-          <a:srcRect/>
-          <a:stretch>
-            <a:fillRect/>
-          </a:stretch>
-        </p:blipFill>
-        <p:spPr bwMode="auto">
-          <a:xfrm>
-            <a:off x="609600" y="1417639"/>
-            <a:ext cx="3209262" cy="4597268"/>
-          </a:xfrm>
-          <a:prstGeom prst="rect">
-            <a:avLst/>
-          </a:prstGeom>
-          <a:noFill/>
-          <a:extLst>
-            <a:ext uri="{909E8E84-426E-40DD-AFC4-6F175D3DCCD1}">
-              <a14:hiddenFill xmlns:a14="http://schemas.microsoft.com/office/drawing/2010/main">
-                <a:solidFill>
-                  <a:srgbClr val="FFFFFF"/>
-                </a:solidFill>
-              </a14:hiddenFill>
-            </a:ext>
-          </a:extLst>
-        </p:spPr>
-      </p:pic>
     </p:spTree>
     <p:extLst>
       <p:ext uri="{BB962C8B-B14F-4D97-AF65-F5344CB8AC3E}">
-        <p14:creationId xmlns:p14="http://schemas.microsoft.com/office/powerpoint/2010/main" val="3933892949"/>
+        <p14:creationId xmlns:p14="http://schemas.microsoft.com/office/powerpoint/2010/main" val="3498361364"/>
       </p:ext>
     </p:extLst>
   </p:cSld>
@@ -6818,7 +6546,7 @@
           <p:cNvPr id="3" name="Title 2">
             <a:extLst>
               <a:ext uri="{FF2B5EF4-FFF2-40B4-BE49-F238E27FC236}">
-                <a16:creationId xmlns:a16="http://schemas.microsoft.com/office/drawing/2014/main" id="{DC12EADD-F8F3-4381-A47A-59AD36FA928A}"/>
+                <a16:creationId xmlns:a16="http://schemas.microsoft.com/office/drawing/2014/main" id="{42784ED5-EE58-49EB-AD91-2955EA46A6C3}"/>
               </a:ext>
             </a:extLst>
           </p:cNvPr>
@@ -6838,14 +6566,14 @@
           <a:p>
             <a:r>
               <a:rPr lang="en-US" dirty="0"/>
-              <a:t>ASP.NET Core MVC</a:t>
+              <a:t>Entity Framework Core</a:t>
             </a:r>
             <a:br>
               <a:rPr lang="en-US" dirty="0"/>
             </a:br>
             <a:r>
               <a:rPr lang="en-US" sz="2700" dirty="0"/>
-              <a:t>Action Filters</a:t>
+              <a:t>Global Query Filters</a:t>
             </a:r>
             <a:endParaRPr lang="tr-TR" dirty="0"/>
           </a:p>
@@ -6853,19 +6581,17 @@
       </p:sp>
       <p:pic>
         <p:nvPicPr>
-          <p:cNvPr id="4" name="Content Placeholder 3">
+          <p:cNvPr id="4" name="Picture 3">
             <a:extLst>
               <a:ext uri="{FF2B5EF4-FFF2-40B4-BE49-F238E27FC236}">
-                <a16:creationId xmlns:a16="http://schemas.microsoft.com/office/drawing/2014/main" id="{7325EA6D-6CAA-49B3-A894-3627C789D001}"/>
+                <a16:creationId xmlns:a16="http://schemas.microsoft.com/office/drawing/2014/main" id="{732D63BA-3B0A-4B6E-B59E-9F79D7B70EC2}"/>
               </a:ext>
             </a:extLst>
           </p:cNvPr>
           <p:cNvPicPr>
-            <a:picLocks noGrp="1" noChangeAspect="1"/>
+            <a:picLocks noChangeAspect="1"/>
           </p:cNvPicPr>
-          <p:nvPr>
-            <p:ph idx="1"/>
-          </p:nvPr>
+          <p:nvPr/>
         </p:nvPicPr>
         <p:blipFill>
           <a:blip r:embed="rId2"/>
@@ -6875,8 +6601,218 @@
         </p:blipFill>
         <p:spPr>
           <a:xfrm>
-            <a:off x="609600" y="1417638"/>
-            <a:ext cx="10370780" cy="4605657"/>
+            <a:off x="5986943" y="396542"/>
+            <a:ext cx="2771775" cy="1657350"/>
+          </a:xfrm>
+          <a:prstGeom prst="rect">
+            <a:avLst/>
+          </a:prstGeom>
+        </p:spPr>
+      </p:pic>
+      <p:pic>
+        <p:nvPicPr>
+          <p:cNvPr id="5" name="Picture 4">
+            <a:extLst>
+              <a:ext uri="{FF2B5EF4-FFF2-40B4-BE49-F238E27FC236}">
+                <a16:creationId xmlns:a16="http://schemas.microsoft.com/office/drawing/2014/main" id="{BA091F0A-3D81-4865-A980-D2DA4789FC3A}"/>
+              </a:ext>
+            </a:extLst>
+          </p:cNvPr>
+          <p:cNvPicPr>
+            <a:picLocks noChangeAspect="1"/>
+          </p:cNvPicPr>
+          <p:nvPr/>
+        </p:nvPicPr>
+        <p:blipFill>
+          <a:blip r:embed="rId3"/>
+          <a:stretch>
+            <a:fillRect/>
+          </a:stretch>
+        </p:blipFill>
+        <p:spPr>
+          <a:xfrm>
+            <a:off x="5986943" y="4546840"/>
+            <a:ext cx="5238750" cy="981075"/>
+          </a:xfrm>
+          <a:prstGeom prst="rect">
+            <a:avLst/>
+          </a:prstGeom>
+        </p:spPr>
+      </p:pic>
+      <p:pic>
+        <p:nvPicPr>
+          <p:cNvPr id="6" name="Picture 5">
+            <a:extLst>
+              <a:ext uri="{FF2B5EF4-FFF2-40B4-BE49-F238E27FC236}">
+                <a16:creationId xmlns:a16="http://schemas.microsoft.com/office/drawing/2014/main" id="{987E9175-A817-468C-AB24-3E9DF3882008}"/>
+              </a:ext>
+            </a:extLst>
+          </p:cNvPr>
+          <p:cNvPicPr>
+            <a:picLocks noChangeAspect="1"/>
+          </p:cNvPicPr>
+          <p:nvPr/>
+        </p:nvPicPr>
+        <p:blipFill>
+          <a:blip r:embed="rId4"/>
+          <a:stretch>
+            <a:fillRect/>
+          </a:stretch>
+        </p:blipFill>
+        <p:spPr>
+          <a:xfrm>
+            <a:off x="5986943" y="2175796"/>
+            <a:ext cx="4143375" cy="2238375"/>
+          </a:xfrm>
+          <a:prstGeom prst="rect">
+            <a:avLst/>
+          </a:prstGeom>
+        </p:spPr>
+      </p:pic>
+      <p:pic>
+        <p:nvPicPr>
+          <p:cNvPr id="7" name="Picture 6">
+            <a:extLst>
+              <a:ext uri="{FF2B5EF4-FFF2-40B4-BE49-F238E27FC236}">
+                <a16:creationId xmlns:a16="http://schemas.microsoft.com/office/drawing/2014/main" id="{E24E0A20-E8EC-4C3F-9B76-97B948F6F900}"/>
+              </a:ext>
+            </a:extLst>
+          </p:cNvPr>
+          <p:cNvPicPr>
+            <a:picLocks noChangeAspect="1"/>
+          </p:cNvPicPr>
+          <p:nvPr/>
+        </p:nvPicPr>
+        <p:blipFill>
+          <a:blip r:embed="rId5"/>
+          <a:stretch>
+            <a:fillRect/>
+          </a:stretch>
+        </p:blipFill>
+        <p:spPr>
+          <a:xfrm>
+            <a:off x="5999453" y="5660585"/>
+            <a:ext cx="5155205" cy="365528"/>
+          </a:xfrm>
+          <a:prstGeom prst="rect">
+            <a:avLst/>
+          </a:prstGeom>
+        </p:spPr>
+      </p:pic>
+      <p:sp>
+        <p:nvSpPr>
+          <p:cNvPr id="8" name="TextBox 7">
+            <a:extLst>
+              <a:ext uri="{FF2B5EF4-FFF2-40B4-BE49-F238E27FC236}">
+                <a16:creationId xmlns:a16="http://schemas.microsoft.com/office/drawing/2014/main" id="{E14F0552-A602-45E3-9F68-271D27A7A04A}"/>
+              </a:ext>
+            </a:extLst>
+          </p:cNvPr>
+          <p:cNvSpPr txBox="1"/>
+          <p:nvPr/>
+        </p:nvSpPr>
+        <p:spPr>
+          <a:xfrm>
+            <a:off x="609600" y="1577130"/>
+            <a:ext cx="5079607" cy="3323987"/>
+          </a:xfrm>
+          <a:prstGeom prst="rect">
+            <a:avLst/>
+          </a:prstGeom>
+          <a:noFill/>
+        </p:spPr>
+        <p:txBody>
+          <a:bodyPr wrap="square" rtlCol="0">
+            <a:spAutoFit/>
+          </a:bodyPr>
+          <a:lstStyle/>
+          <a:p>
+            <a:pPr marL="285750" indent="-285750">
+              <a:buFont typeface="Arial" panose="020B0604020202020204" pitchFamily="34" charset="0"/>
+              <a:buChar char="•"/>
+            </a:pPr>
+            <a:r>
+              <a:rPr lang="en-US" sz="2400" dirty="0"/>
+              <a:t>Common use cases:</a:t>
+            </a:r>
+          </a:p>
+          <a:p>
+            <a:pPr marL="742950" lvl="1" indent="-285750">
+              <a:buFont typeface="Arial" panose="020B0604020202020204" pitchFamily="34" charset="0"/>
+              <a:buChar char="•"/>
+            </a:pPr>
+            <a:r>
+              <a:rPr lang="en-US" sz="2400" dirty="0"/>
+              <a:t>Soft-delete / Active-passive entities</a:t>
+            </a:r>
+          </a:p>
+          <a:p>
+            <a:pPr marL="742950" lvl="1" indent="-285750">
+              <a:buFont typeface="Arial" panose="020B0604020202020204" pitchFamily="34" charset="0"/>
+              <a:buChar char="•"/>
+            </a:pPr>
+            <a:r>
+              <a:rPr lang="en-US" sz="2400" dirty="0"/>
+              <a:t>Multi-tenancy</a:t>
+            </a:r>
+          </a:p>
+          <a:p>
+            <a:pPr marL="285750" indent="-285750">
+              <a:buFont typeface="Arial" panose="020B0604020202020204" pitchFamily="34" charset="0"/>
+              <a:buChar char="•"/>
+            </a:pPr>
+            <a:r>
+              <a:rPr lang="en-US" sz="2400" dirty="0"/>
+              <a:t>Missing features / limitations</a:t>
+            </a:r>
+          </a:p>
+          <a:p>
+            <a:pPr marL="742950" lvl="1" indent="-285750">
+              <a:buFont typeface="Arial" panose="020B0604020202020204" pitchFamily="34" charset="0"/>
+              <a:buChar char="•"/>
+            </a:pPr>
+            <a:r>
+              <a:rPr lang="en-US" dirty="0"/>
+              <a:t>Does not support multiple filter expressions (need to combine multiple filters in a single expression)</a:t>
+            </a:r>
+          </a:p>
+          <a:p>
+            <a:pPr marL="742950" lvl="1" indent="-285750">
+              <a:buFont typeface="Arial" panose="020B0604020202020204" pitchFamily="34" charset="0"/>
+              <a:buChar char="•"/>
+            </a:pPr>
+            <a:r>
+              <a:rPr lang="en-US" dirty="0"/>
+              <a:t>Filters can only be defined on the root Entity Type of a hierarchy</a:t>
+            </a:r>
+            <a:endParaRPr lang="tr-TR" dirty="0"/>
+          </a:p>
+        </p:txBody>
+      </p:sp>
+      <p:pic>
+        <p:nvPicPr>
+          <p:cNvPr id="2" name="Picture 1">
+            <a:extLst>
+              <a:ext uri="{FF2B5EF4-FFF2-40B4-BE49-F238E27FC236}">
+                <a16:creationId xmlns:a16="http://schemas.microsoft.com/office/drawing/2014/main" id="{947F4295-D843-41D9-BFF9-1231635380E1}"/>
+              </a:ext>
+            </a:extLst>
+          </p:cNvPr>
+          <p:cNvPicPr>
+            <a:picLocks noChangeAspect="1"/>
+          </p:cNvPicPr>
+          <p:nvPr/>
+        </p:nvPicPr>
+        <p:blipFill>
+          <a:blip r:embed="rId6"/>
+          <a:stretch>
+            <a:fillRect/>
+          </a:stretch>
+        </p:blipFill>
+        <p:spPr>
+          <a:xfrm>
+            <a:off x="5999453" y="6169549"/>
+            <a:ext cx="6021971" cy="291909"/>
           </a:xfrm>
           <a:prstGeom prst="rect">
             <a:avLst/>
@@ -6886,7 +6822,7 @@
     </p:spTree>
     <p:extLst>
       <p:ext uri="{BB962C8B-B14F-4D97-AF65-F5344CB8AC3E}">
-        <p14:creationId xmlns:p14="http://schemas.microsoft.com/office/powerpoint/2010/main" val="477177564"/>
+        <p14:creationId xmlns:p14="http://schemas.microsoft.com/office/powerpoint/2010/main" val="298546570"/>
       </p:ext>
     </p:extLst>
   </p:cSld>
@@ -6930,7 +6866,7 @@
           <p:cNvPr id="2" name="Content Placeholder 1">
             <a:extLst>
               <a:ext uri="{FF2B5EF4-FFF2-40B4-BE49-F238E27FC236}">
-                <a16:creationId xmlns:a16="http://schemas.microsoft.com/office/drawing/2014/main" id="{F1ABD4F3-517D-4A1B-A5FC-A554A0C0E7C6}"/>
+                <a16:creationId xmlns:a16="http://schemas.microsoft.com/office/drawing/2014/main" id="{FC80C069-EEF2-4456-9D88-FBAF6B3A8DAE}"/>
               </a:ext>
             </a:extLst>
           </p:cNvPr>
@@ -6941,69 +6877,81 @@
             <p:ph idx="1"/>
           </p:nvPr>
         </p:nvSpPr>
-        <p:spPr/>
-        <p:txBody>
-          <a:bodyPr/>
+        <p:spPr>
+          <a:xfrm>
+            <a:off x="609600" y="1417639"/>
+            <a:ext cx="9956800" cy="5165724"/>
+          </a:xfrm>
+        </p:spPr>
+        <p:txBody>
+          <a:bodyPr>
+            <a:normAutofit/>
+          </a:bodyPr>
           <a:lstStyle/>
           <a:p>
             <a:r>
-              <a:rPr lang="en-US" dirty="0"/>
-              <a:t>Client-side package management..?</a:t>
+              <a:rPr lang="en-US" dirty="0" err="1"/>
+              <a:t>DbContext</a:t>
+            </a:r>
+            <a:r>
+              <a:rPr lang="en-US" dirty="0"/>
+              <a:t> Pooling</a:t>
+            </a:r>
+            <a:br>
+              <a:rPr lang="en-US" dirty="0"/>
+            </a:br>
+            <a:endParaRPr lang="en-US" dirty="0"/>
+          </a:p>
+          <a:p>
+            <a:r>
+              <a:rPr lang="en-US" dirty="0"/>
+              <a:t>Database scalar function mapping</a:t>
+            </a:r>
+          </a:p>
+          <a:p>
+            <a:endParaRPr lang="en-US" dirty="0"/>
+          </a:p>
+          <a:p>
+            <a:endParaRPr lang="en-US" sz="2000" dirty="0"/>
+          </a:p>
+          <a:p>
+            <a:endParaRPr lang="en-US" sz="2000" dirty="0"/>
+          </a:p>
+          <a:p>
+            <a:endParaRPr lang="en-US" sz="2000" dirty="0"/>
+          </a:p>
+          <a:p>
+            <a:r>
+              <a:rPr lang="en-US" sz="2000" dirty="0"/>
+              <a:t>Others</a:t>
             </a:r>
           </a:p>
           <a:p>
             <a:pPr lvl="1"/>
             <a:r>
-              <a:rPr lang="en-US" dirty="0" err="1"/>
-              <a:t>Npm</a:t>
-            </a:r>
-            <a:r>
-              <a:rPr lang="en-US" dirty="0"/>
-              <a:t>, Bower</a:t>
-            </a:r>
-          </a:p>
-          <a:p>
-            <a:r>
-              <a:rPr lang="en-US" dirty="0"/>
-              <a:t>Bundling, </a:t>
-            </a:r>
-            <a:r>
-              <a:rPr lang="en-US" dirty="0" err="1"/>
-              <a:t>Minification</a:t>
-            </a:r>
-            <a:r>
-              <a:rPr lang="en-US" dirty="0"/>
-              <a:t>..?</a:t>
+              <a:rPr lang="en-US" sz="1800" dirty="0"/>
+              <a:t>Table Splitting (multiple entities share same table)</a:t>
             </a:r>
           </a:p>
           <a:p>
             <a:pPr lvl="1"/>
             <a:r>
-              <a:rPr lang="en-US" dirty="0"/>
-              <a:t>Bundler &amp; </a:t>
-            </a:r>
-            <a:r>
-              <a:rPr lang="en-US" dirty="0" err="1"/>
-              <a:t>Minifier</a:t>
-            </a:r>
-            <a:r>
-              <a:rPr lang="en-US" dirty="0"/>
-              <a:t> Visual Studio Extension</a:t>
+              <a:rPr lang="en-US" sz="1800" dirty="0"/>
+              <a:t>Owned types (can be used for complex types)</a:t>
             </a:r>
           </a:p>
           <a:p>
             <a:pPr lvl="1"/>
             <a:r>
-              <a:rPr lang="en-US" dirty="0"/>
-              <a:t>Web Compiler Visual Studio Extension</a:t>
-            </a:r>
-          </a:p>
-          <a:p>
-            <a:pPr lvl="1"/>
-            <a:r>
-              <a:rPr lang="en-US" dirty="0"/>
-              <a:t>Gulp/Grunt</a:t>
-            </a:r>
+              <a:rPr lang="en-US" sz="1800" dirty="0"/>
+              <a:t>Explicitly compiled queries (little performance improvement)</a:t>
+            </a:r>
+          </a:p>
+          <a:p>
+            <a:endParaRPr lang="en-US" dirty="0"/>
+          </a:p>
+          <a:p>
+            <a:endParaRPr lang="tr-TR" dirty="0"/>
           </a:p>
         </p:txBody>
       </p:sp>
@@ -7012,7 +6960,7 @@
           <p:cNvPr id="3" name="Title 2">
             <a:extLst>
               <a:ext uri="{FF2B5EF4-FFF2-40B4-BE49-F238E27FC236}">
-                <a16:creationId xmlns:a16="http://schemas.microsoft.com/office/drawing/2014/main" id="{EC3E9A98-DDFB-4F8C-8C0F-F152F753F042}"/>
+                <a16:creationId xmlns:a16="http://schemas.microsoft.com/office/drawing/2014/main" id="{3FE763D9-52E3-488B-9C30-A0ED93B16F5B}"/>
               </a:ext>
             </a:extLst>
           </p:cNvPr>
@@ -7032,23 +6980,113 @@
           <a:p>
             <a:r>
               <a:rPr lang="en-US" dirty="0"/>
-              <a:t>ASP.NET Core MVC</a:t>
+              <a:t>Entity Framework Core</a:t>
             </a:r>
             <a:br>
               <a:rPr lang="en-US" dirty="0"/>
             </a:br>
             <a:r>
               <a:rPr lang="en-US" sz="2700" dirty="0"/>
-              <a:t>Client Side Development</a:t>
+              <a:t>Other v2.0 features</a:t>
             </a:r>
             <a:endParaRPr lang="tr-TR" sz="2700" dirty="0"/>
           </a:p>
         </p:txBody>
       </p:sp>
+      <p:pic>
+        <p:nvPicPr>
+          <p:cNvPr id="6" name="Picture 5">
+            <a:extLst>
+              <a:ext uri="{FF2B5EF4-FFF2-40B4-BE49-F238E27FC236}">
+                <a16:creationId xmlns:a16="http://schemas.microsoft.com/office/drawing/2014/main" id="{CA0E4761-AFB9-4A2D-96D2-D6286DB9DE9D}"/>
+              </a:ext>
+            </a:extLst>
+          </p:cNvPr>
+          <p:cNvPicPr>
+            <a:picLocks noChangeAspect="1"/>
+          </p:cNvPicPr>
+          <p:nvPr/>
+        </p:nvPicPr>
+        <p:blipFill>
+          <a:blip r:embed="rId2"/>
+          <a:stretch>
+            <a:fillRect/>
+          </a:stretch>
+        </p:blipFill>
+        <p:spPr>
+          <a:xfrm>
+            <a:off x="4080776" y="1619855"/>
+            <a:ext cx="6314751" cy="896842"/>
+          </a:xfrm>
+          <a:prstGeom prst="rect">
+            <a:avLst/>
+          </a:prstGeom>
+        </p:spPr>
+      </p:pic>
+      <p:pic>
+        <p:nvPicPr>
+          <p:cNvPr id="5" name="Picture 4">
+            <a:extLst>
+              <a:ext uri="{FF2B5EF4-FFF2-40B4-BE49-F238E27FC236}">
+                <a16:creationId xmlns:a16="http://schemas.microsoft.com/office/drawing/2014/main" id="{2185DA64-1F2A-458C-BA6C-6000EB8BBF61}"/>
+              </a:ext>
+            </a:extLst>
+          </p:cNvPr>
+          <p:cNvPicPr>
+            <a:picLocks noChangeAspect="1"/>
+          </p:cNvPicPr>
+          <p:nvPr/>
+        </p:nvPicPr>
+        <p:blipFill>
+          <a:blip r:embed="rId3"/>
+          <a:stretch>
+            <a:fillRect/>
+          </a:stretch>
+        </p:blipFill>
+        <p:spPr>
+          <a:xfrm>
+            <a:off x="1136242" y="2914649"/>
+            <a:ext cx="3562350" cy="1562100"/>
+          </a:xfrm>
+          <a:prstGeom prst="rect">
+            <a:avLst/>
+          </a:prstGeom>
+        </p:spPr>
+      </p:pic>
+      <p:pic>
+        <p:nvPicPr>
+          <p:cNvPr id="7" name="Picture 6">
+            <a:extLst>
+              <a:ext uri="{FF2B5EF4-FFF2-40B4-BE49-F238E27FC236}">
+                <a16:creationId xmlns:a16="http://schemas.microsoft.com/office/drawing/2014/main" id="{BE32F9A3-E9A5-40E3-8C7A-3805BFC8083B}"/>
+              </a:ext>
+            </a:extLst>
+          </p:cNvPr>
+          <p:cNvPicPr>
+            <a:picLocks noChangeAspect="1"/>
+          </p:cNvPicPr>
+          <p:nvPr/>
+        </p:nvPicPr>
+        <p:blipFill>
+          <a:blip r:embed="rId4"/>
+          <a:stretch>
+            <a:fillRect/>
+          </a:stretch>
+        </p:blipFill>
+        <p:spPr>
+          <a:xfrm>
+            <a:off x="4859153" y="2914649"/>
+            <a:ext cx="5268513" cy="1178305"/>
+          </a:xfrm>
+          <a:prstGeom prst="rect">
+            <a:avLst/>
+          </a:prstGeom>
+        </p:spPr>
+      </p:pic>
     </p:spTree>
     <p:extLst>
       <p:ext uri="{BB962C8B-B14F-4D97-AF65-F5344CB8AC3E}">
-        <p14:creationId xmlns:p14="http://schemas.microsoft.com/office/powerpoint/2010/main" val="2439022773"/>
+        <p14:creationId xmlns:p14="http://schemas.microsoft.com/office/powerpoint/2010/main" val="4156630221"/>
       </p:ext>
     </p:extLst>
   </p:cSld>
@@ -7092,1017 +7130,6 @@
           <p:cNvPr id="2" name="Content Placeholder 1">
             <a:extLst>
               <a:ext uri="{FF2B5EF4-FFF2-40B4-BE49-F238E27FC236}">
-                <a16:creationId xmlns:a16="http://schemas.microsoft.com/office/drawing/2014/main" id="{989895A9-5DD1-496A-99C9-B2BC8C541C9C}"/>
-              </a:ext>
-            </a:extLst>
-          </p:cNvPr>
-          <p:cNvSpPr>
-            <a:spLocks noGrp="1"/>
-          </p:cNvSpPr>
-          <p:nvPr>
-            <p:ph idx="1"/>
-          </p:nvPr>
-        </p:nvSpPr>
-        <p:spPr/>
-        <p:txBody>
-          <a:bodyPr/>
-          <a:lstStyle/>
-          <a:p>
-            <a:r>
-              <a:rPr lang="en-US" i="1" dirty="0"/>
-              <a:t>ASP.NET Core Identity</a:t>
-            </a:r>
-            <a:r>
-              <a:rPr lang="en-US" dirty="0"/>
-              <a:t> for membership system</a:t>
-            </a:r>
-          </a:p>
-          <a:p>
-            <a:r>
-              <a:rPr lang="en-US" i="1" dirty="0"/>
-              <a:t>ASP.NET Core </a:t>
-            </a:r>
-            <a:r>
-              <a:rPr lang="en-US" i="1" dirty="0" err="1"/>
-              <a:t>SignalR</a:t>
-            </a:r>
-            <a:r>
-              <a:rPr lang="en-US" dirty="0"/>
-              <a:t> for real-time server-client communication (alpha stage)</a:t>
-            </a:r>
-          </a:p>
-          <a:p>
-            <a:r>
-              <a:rPr lang="en-US" i="1" dirty="0"/>
-              <a:t>Identity Server 4</a:t>
-            </a:r>
-            <a:r>
-              <a:rPr lang="en-US" dirty="0"/>
-              <a:t> to create </a:t>
-            </a:r>
-            <a:r>
-              <a:rPr lang="en-US" dirty="0" err="1"/>
-              <a:t>Oauth</a:t>
-            </a:r>
-            <a:r>
-              <a:rPr lang="en-US" dirty="0"/>
-              <a:t> / </a:t>
-            </a:r>
-            <a:r>
-              <a:rPr lang="en-US" dirty="0" err="1"/>
-              <a:t>OpenId</a:t>
-            </a:r>
-            <a:r>
-              <a:rPr lang="en-US" dirty="0"/>
-              <a:t> Connect server</a:t>
-            </a:r>
-          </a:p>
-          <a:p>
-            <a:r>
-              <a:rPr lang="en-US" i="1" dirty="0"/>
-              <a:t>ASP.NET Boilerplate</a:t>
-            </a:r>
-            <a:r>
-              <a:rPr lang="en-US" dirty="0"/>
-              <a:t> as application framework and architectural model :)</a:t>
-            </a:r>
-            <a:endParaRPr lang="tr-TR" dirty="0"/>
-          </a:p>
-        </p:txBody>
-      </p:sp>
-      <p:sp>
-        <p:nvSpPr>
-          <p:cNvPr id="3" name="Title 2">
-            <a:extLst>
-              <a:ext uri="{FF2B5EF4-FFF2-40B4-BE49-F238E27FC236}">
-                <a16:creationId xmlns:a16="http://schemas.microsoft.com/office/drawing/2014/main" id="{EBAE4EDF-0E9D-4704-BC84-35BCA6517B0B}"/>
-              </a:ext>
-            </a:extLst>
-          </p:cNvPr>
-          <p:cNvSpPr>
-            <a:spLocks noGrp="1"/>
-          </p:cNvSpPr>
-          <p:nvPr>
-            <p:ph type="title"/>
-          </p:nvPr>
-        </p:nvSpPr>
-        <p:spPr/>
-        <p:txBody>
-          <a:bodyPr>
-            <a:normAutofit fontScale="90000"/>
-          </a:bodyPr>
-          <a:lstStyle/>
-          <a:p>
-            <a:r>
-              <a:rPr lang="en-US" dirty="0"/>
-              <a:t>ASP.NET Core</a:t>
-            </a:r>
-            <a:br>
-              <a:rPr lang="en-US" dirty="0"/>
-            </a:br>
-            <a:r>
-              <a:rPr lang="en-US" sz="2700" dirty="0"/>
-              <a:t>Other frameworks / libraries</a:t>
-            </a:r>
-            <a:endParaRPr lang="tr-TR" sz="2700" dirty="0"/>
-          </a:p>
-        </p:txBody>
-      </p:sp>
-    </p:spTree>
-    <p:extLst>
-      <p:ext uri="{BB962C8B-B14F-4D97-AF65-F5344CB8AC3E}">
-        <p14:creationId xmlns:p14="http://schemas.microsoft.com/office/powerpoint/2010/main" val="2998590065"/>
-      </p:ext>
-    </p:extLst>
-  </p:cSld>
-  <p:clrMapOvr>
-    <a:masterClrMapping/>
-  </p:clrMapOvr>
-  <mc:AlternateContent xmlns:mc="http://schemas.openxmlformats.org/markup-compatibility/2006" xmlns:p14="http://schemas.microsoft.com/office/powerpoint/2010/main">
-    <mc:Choice Requires="p14">
-      <p:transition spd="med" p14:dur="700">
-        <p:fade/>
-      </p:transition>
-    </mc:Choice>
-    <mc:Fallback xmlns="">
-      <p:transition spd="med">
-        <p:fade/>
-      </p:transition>
-    </mc:Fallback>
-  </mc:AlternateContent>
-</p:sld>
-</file>
-
-<file path=ppt/slides/slide25.xml><?xml version="1.0" encoding="utf-8"?>
-<p:sld xmlns:a="http://schemas.openxmlformats.org/drawingml/2006/main" xmlns:r="http://schemas.openxmlformats.org/officeDocument/2006/relationships" xmlns:p="http://schemas.openxmlformats.org/presentationml/2006/main">
-  <p:cSld>
-    <p:spTree>
-      <p:nvGrpSpPr>
-        <p:cNvPr id="1" name=""/>
-        <p:cNvGrpSpPr/>
-        <p:nvPr/>
-      </p:nvGrpSpPr>
-      <p:grpSpPr>
-        <a:xfrm>
-          <a:off x="0" y="0"/>
-          <a:ext cx="0" cy="0"/>
-          <a:chOff x="0" y="0"/>
-          <a:chExt cx="0" cy="0"/>
-        </a:xfrm>
-      </p:grpSpPr>
-      <p:sp>
-        <p:nvSpPr>
-          <p:cNvPr id="2" name="Content Placeholder 1">
-            <a:extLst>
-              <a:ext uri="{FF2B5EF4-FFF2-40B4-BE49-F238E27FC236}">
-                <a16:creationId xmlns:a16="http://schemas.microsoft.com/office/drawing/2014/main" id="{6D20481E-BEA4-420C-B9BA-9BC91B138D29}"/>
-              </a:ext>
-            </a:extLst>
-          </p:cNvPr>
-          <p:cNvSpPr>
-            <a:spLocks noGrp="1"/>
-          </p:cNvSpPr>
-          <p:nvPr>
-            <p:ph idx="1"/>
-          </p:nvPr>
-        </p:nvSpPr>
-        <p:spPr/>
-        <p:txBody>
-          <a:bodyPr>
-            <a:normAutofit fontScale="92500" lnSpcReduction="10000"/>
-          </a:bodyPr>
-          <a:lstStyle/>
-          <a:p>
-            <a:r>
-              <a:rPr lang="en-US" dirty="0"/>
-              <a:t>Developed from scratch, optimized for cloud!</a:t>
-            </a:r>
-          </a:p>
-          <a:p>
-            <a:r>
-              <a:rPr lang="en-US" dirty="0"/>
-              <a:t>Compared to EF 6.x</a:t>
-            </a:r>
-          </a:p>
-          <a:p>
-            <a:pPr lvl="1"/>
-            <a:r>
-              <a:rPr lang="en-US" dirty="0"/>
-              <a:t>Lightweight, better performance</a:t>
-            </a:r>
-          </a:p>
-          <a:p>
-            <a:pPr lvl="1"/>
-            <a:r>
-              <a:rPr lang="en-US" dirty="0"/>
-              <a:t>Cleaner SQL output</a:t>
-            </a:r>
-          </a:p>
-          <a:p>
-            <a:pPr lvl="1"/>
-            <a:r>
-              <a:rPr lang="en-US" dirty="0"/>
-              <a:t>Better testability (supports in-memory database out of the box)</a:t>
-            </a:r>
-          </a:p>
-          <a:p>
-            <a:pPr lvl="1"/>
-            <a:r>
-              <a:rPr lang="en-US" dirty="0"/>
-              <a:t>Missing features</a:t>
-            </a:r>
-          </a:p>
-          <a:p>
-            <a:pPr lvl="2"/>
-            <a:r>
-              <a:rPr lang="en-US" dirty="0"/>
-              <a:t>Lazy load (instead, use explicit load)</a:t>
-            </a:r>
-          </a:p>
-          <a:p>
-            <a:pPr lvl="2"/>
-            <a:r>
-              <a:rPr lang="en-US" dirty="0"/>
-              <a:t>Database first (probably will never support)</a:t>
-            </a:r>
-          </a:p>
-          <a:p>
-            <a:pPr lvl="2"/>
-            <a:r>
-              <a:rPr lang="en-US" dirty="0"/>
-              <a:t>Seed data</a:t>
-            </a:r>
-          </a:p>
-          <a:p>
-            <a:pPr lvl="2"/>
-            <a:r>
-              <a:rPr lang="en-US" dirty="0"/>
-              <a:t>TPT &amp; TPC inheritance</a:t>
-            </a:r>
-          </a:p>
-          <a:p>
-            <a:pPr lvl="2"/>
-            <a:r>
-              <a:rPr lang="en-US" dirty="0"/>
-              <a:t>Lifecycle hooks/events</a:t>
-            </a:r>
-          </a:p>
-        </p:txBody>
-      </p:sp>
-      <p:sp>
-        <p:nvSpPr>
-          <p:cNvPr id="3" name="Title 2">
-            <a:extLst>
-              <a:ext uri="{FF2B5EF4-FFF2-40B4-BE49-F238E27FC236}">
-                <a16:creationId xmlns:a16="http://schemas.microsoft.com/office/drawing/2014/main" id="{2A8A26FB-F789-4329-B715-1142ADA7FD14}"/>
-              </a:ext>
-            </a:extLst>
-          </p:cNvPr>
-          <p:cNvSpPr>
-            <a:spLocks noGrp="1"/>
-          </p:cNvSpPr>
-          <p:nvPr>
-            <p:ph type="title"/>
-          </p:nvPr>
-        </p:nvSpPr>
-        <p:spPr/>
-        <p:txBody>
-          <a:bodyPr/>
-          <a:lstStyle/>
-          <a:p>
-            <a:r>
-              <a:rPr lang="en-US" dirty="0"/>
-              <a:t>Entity Framework Core</a:t>
-            </a:r>
-            <a:endParaRPr lang="tr-TR" dirty="0"/>
-          </a:p>
-        </p:txBody>
-      </p:sp>
-    </p:spTree>
-    <p:extLst>
-      <p:ext uri="{BB962C8B-B14F-4D97-AF65-F5344CB8AC3E}">
-        <p14:creationId xmlns:p14="http://schemas.microsoft.com/office/powerpoint/2010/main" val="3498361364"/>
-      </p:ext>
-    </p:extLst>
-  </p:cSld>
-  <p:clrMapOvr>
-    <a:masterClrMapping/>
-  </p:clrMapOvr>
-  <mc:AlternateContent xmlns:mc="http://schemas.openxmlformats.org/markup-compatibility/2006" xmlns:p14="http://schemas.microsoft.com/office/powerpoint/2010/main">
-    <mc:Choice Requires="p14">
-      <p:transition spd="med" p14:dur="700">
-        <p:fade/>
-      </p:transition>
-    </mc:Choice>
-    <mc:Fallback xmlns="">
-      <p:transition spd="med">
-        <p:fade/>
-      </p:transition>
-    </mc:Fallback>
-  </mc:AlternateContent>
-</p:sld>
-</file>
-
-<file path=ppt/slides/slide26.xml><?xml version="1.0" encoding="utf-8"?>
-<p:sld xmlns:a="http://schemas.openxmlformats.org/drawingml/2006/main" xmlns:r="http://schemas.openxmlformats.org/officeDocument/2006/relationships" xmlns:p="http://schemas.openxmlformats.org/presentationml/2006/main">
-  <p:cSld>
-    <p:spTree>
-      <p:nvGrpSpPr>
-        <p:cNvPr id="1" name=""/>
-        <p:cNvGrpSpPr/>
-        <p:nvPr/>
-      </p:nvGrpSpPr>
-      <p:grpSpPr>
-        <a:xfrm>
-          <a:off x="0" y="0"/>
-          <a:ext cx="0" cy="0"/>
-          <a:chOff x="0" y="0"/>
-          <a:chExt cx="0" cy="0"/>
-        </a:xfrm>
-      </p:grpSpPr>
-      <p:sp>
-        <p:nvSpPr>
-          <p:cNvPr id="3" name="Title 2">
-            <a:extLst>
-              <a:ext uri="{FF2B5EF4-FFF2-40B4-BE49-F238E27FC236}">
-                <a16:creationId xmlns:a16="http://schemas.microsoft.com/office/drawing/2014/main" id="{42784ED5-EE58-49EB-AD91-2955EA46A6C3}"/>
-              </a:ext>
-            </a:extLst>
-          </p:cNvPr>
-          <p:cNvSpPr>
-            <a:spLocks noGrp="1"/>
-          </p:cNvSpPr>
-          <p:nvPr>
-            <p:ph type="title"/>
-          </p:nvPr>
-        </p:nvSpPr>
-        <p:spPr/>
-        <p:txBody>
-          <a:bodyPr>
-            <a:normAutofit fontScale="90000"/>
-          </a:bodyPr>
-          <a:lstStyle/>
-          <a:p>
-            <a:r>
-              <a:rPr lang="en-US" dirty="0"/>
-              <a:t>Entity Framework Core</a:t>
-            </a:r>
-            <a:br>
-              <a:rPr lang="en-US" dirty="0"/>
-            </a:br>
-            <a:r>
-              <a:rPr lang="en-US" sz="2700" dirty="0"/>
-              <a:t>Global Query Filters</a:t>
-            </a:r>
-            <a:endParaRPr lang="tr-TR" dirty="0"/>
-          </a:p>
-        </p:txBody>
-      </p:sp>
-      <p:pic>
-        <p:nvPicPr>
-          <p:cNvPr id="4" name="Picture 3">
-            <a:extLst>
-              <a:ext uri="{FF2B5EF4-FFF2-40B4-BE49-F238E27FC236}">
-                <a16:creationId xmlns:a16="http://schemas.microsoft.com/office/drawing/2014/main" id="{732D63BA-3B0A-4B6E-B59E-9F79D7B70EC2}"/>
-              </a:ext>
-            </a:extLst>
-          </p:cNvPr>
-          <p:cNvPicPr>
-            <a:picLocks noChangeAspect="1"/>
-          </p:cNvPicPr>
-          <p:nvPr/>
-        </p:nvPicPr>
-        <p:blipFill>
-          <a:blip r:embed="rId2"/>
-          <a:stretch>
-            <a:fillRect/>
-          </a:stretch>
-        </p:blipFill>
-        <p:spPr>
-          <a:xfrm>
-            <a:off x="6490283" y="1059459"/>
-            <a:ext cx="2771775" cy="1657350"/>
-          </a:xfrm>
-          <a:prstGeom prst="rect">
-            <a:avLst/>
-          </a:prstGeom>
-        </p:spPr>
-      </p:pic>
-      <p:pic>
-        <p:nvPicPr>
-          <p:cNvPr id="5" name="Picture 4">
-            <a:extLst>
-              <a:ext uri="{FF2B5EF4-FFF2-40B4-BE49-F238E27FC236}">
-                <a16:creationId xmlns:a16="http://schemas.microsoft.com/office/drawing/2014/main" id="{BA091F0A-3D81-4865-A980-D2DA4789FC3A}"/>
-              </a:ext>
-            </a:extLst>
-          </p:cNvPr>
-          <p:cNvPicPr>
-            <a:picLocks noChangeAspect="1"/>
-          </p:cNvPicPr>
-          <p:nvPr/>
-        </p:nvPicPr>
-        <p:blipFill>
-          <a:blip r:embed="rId3"/>
-          <a:stretch>
-            <a:fillRect/>
-          </a:stretch>
-        </p:blipFill>
-        <p:spPr>
-          <a:xfrm>
-            <a:off x="6490283" y="2862525"/>
-            <a:ext cx="5238750" cy="981075"/>
-          </a:xfrm>
-          <a:prstGeom prst="rect">
-            <a:avLst/>
-          </a:prstGeom>
-        </p:spPr>
-      </p:pic>
-      <p:pic>
-        <p:nvPicPr>
-          <p:cNvPr id="6" name="Picture 5">
-            <a:extLst>
-              <a:ext uri="{FF2B5EF4-FFF2-40B4-BE49-F238E27FC236}">
-                <a16:creationId xmlns:a16="http://schemas.microsoft.com/office/drawing/2014/main" id="{987E9175-A817-468C-AB24-3E9DF3882008}"/>
-              </a:ext>
-            </a:extLst>
-          </p:cNvPr>
-          <p:cNvPicPr>
-            <a:picLocks noChangeAspect="1"/>
-          </p:cNvPicPr>
-          <p:nvPr/>
-        </p:nvPicPr>
-        <p:blipFill>
-          <a:blip r:embed="rId4"/>
-          <a:stretch>
-            <a:fillRect/>
-          </a:stretch>
-        </p:blipFill>
-        <p:spPr>
-          <a:xfrm>
-            <a:off x="6502793" y="3969275"/>
-            <a:ext cx="4143375" cy="2238375"/>
-          </a:xfrm>
-          <a:prstGeom prst="rect">
-            <a:avLst/>
-          </a:prstGeom>
-        </p:spPr>
-      </p:pic>
-      <p:pic>
-        <p:nvPicPr>
-          <p:cNvPr id="7" name="Picture 6">
-            <a:extLst>
-              <a:ext uri="{FF2B5EF4-FFF2-40B4-BE49-F238E27FC236}">
-                <a16:creationId xmlns:a16="http://schemas.microsoft.com/office/drawing/2014/main" id="{E24E0A20-E8EC-4C3F-9B76-97B948F6F900}"/>
-              </a:ext>
-            </a:extLst>
-          </p:cNvPr>
-          <p:cNvPicPr>
-            <a:picLocks noChangeAspect="1"/>
-          </p:cNvPicPr>
-          <p:nvPr/>
-        </p:nvPicPr>
-        <p:blipFill>
-          <a:blip r:embed="rId5"/>
-          <a:stretch>
-            <a:fillRect/>
-          </a:stretch>
-        </p:blipFill>
-        <p:spPr>
-          <a:xfrm>
-            <a:off x="6502793" y="6353366"/>
-            <a:ext cx="3895725" cy="276225"/>
-          </a:xfrm>
-          <a:prstGeom prst="rect">
-            <a:avLst/>
-          </a:prstGeom>
-        </p:spPr>
-      </p:pic>
-      <p:sp>
-        <p:nvSpPr>
-          <p:cNvPr id="8" name="TextBox 7">
-            <a:extLst>
-              <a:ext uri="{FF2B5EF4-FFF2-40B4-BE49-F238E27FC236}">
-                <a16:creationId xmlns:a16="http://schemas.microsoft.com/office/drawing/2014/main" id="{E14F0552-A602-45E3-9F68-271D27A7A04A}"/>
-              </a:ext>
-            </a:extLst>
-          </p:cNvPr>
-          <p:cNvSpPr txBox="1"/>
-          <p:nvPr/>
-        </p:nvSpPr>
-        <p:spPr>
-          <a:xfrm>
-            <a:off x="609600" y="1577130"/>
-            <a:ext cx="5665365" cy="2862322"/>
-          </a:xfrm>
-          <a:prstGeom prst="rect">
-            <a:avLst/>
-          </a:prstGeom>
-          <a:noFill/>
-        </p:spPr>
-        <p:txBody>
-          <a:bodyPr wrap="square" rtlCol="0">
-            <a:spAutoFit/>
-          </a:bodyPr>
-          <a:lstStyle/>
-          <a:p>
-            <a:pPr marL="285750" indent="-285750">
-              <a:buFont typeface="Arial" panose="020B0604020202020204" pitchFamily="34" charset="0"/>
-              <a:buChar char="•"/>
-            </a:pPr>
-            <a:r>
-              <a:rPr lang="en-US" dirty="0"/>
-              <a:t>Automatically filter data by an arbitrary condition</a:t>
-            </a:r>
-          </a:p>
-          <a:p>
-            <a:pPr marL="285750" indent="-285750">
-              <a:buFont typeface="Arial" panose="020B0604020202020204" pitchFamily="34" charset="0"/>
-              <a:buChar char="•"/>
-            </a:pPr>
-            <a:r>
-              <a:rPr lang="en-US" dirty="0"/>
-              <a:t>Common usages:</a:t>
-            </a:r>
-          </a:p>
-          <a:p>
-            <a:pPr marL="742950" lvl="1" indent="-285750">
-              <a:buFont typeface="Arial" panose="020B0604020202020204" pitchFamily="34" charset="0"/>
-              <a:buChar char="•"/>
-            </a:pPr>
-            <a:r>
-              <a:rPr lang="en-US" dirty="0"/>
-              <a:t>Soft-delete / Active-passive entities</a:t>
-            </a:r>
-          </a:p>
-          <a:p>
-            <a:pPr marL="742950" lvl="1" indent="-285750">
-              <a:buFont typeface="Arial" panose="020B0604020202020204" pitchFamily="34" charset="0"/>
-              <a:buChar char="•"/>
-            </a:pPr>
-            <a:r>
-              <a:rPr lang="en-US" dirty="0"/>
-              <a:t>Multi-tenancy</a:t>
-            </a:r>
-          </a:p>
-          <a:p>
-            <a:pPr marL="285750" indent="-285750">
-              <a:buFont typeface="Arial" panose="020B0604020202020204" pitchFamily="34" charset="0"/>
-              <a:buChar char="•"/>
-            </a:pPr>
-            <a:r>
-              <a:rPr lang="en-US" dirty="0"/>
-              <a:t>Missing features / limitations</a:t>
-            </a:r>
-          </a:p>
-          <a:p>
-            <a:pPr marL="742950" lvl="1" indent="-285750">
-              <a:buFont typeface="Arial" panose="020B0604020202020204" pitchFamily="34" charset="0"/>
-              <a:buChar char="•"/>
-            </a:pPr>
-            <a:r>
-              <a:rPr lang="en-US"/>
-              <a:t>Limited filter </a:t>
-            </a:r>
-            <a:r>
-              <a:rPr lang="en-US" dirty="0"/>
-              <a:t>enable/disable out of </a:t>
-            </a:r>
-            <a:r>
-              <a:rPr lang="en-US"/>
-              <a:t>the box</a:t>
-            </a:r>
-            <a:endParaRPr lang="en-US" dirty="0"/>
-          </a:p>
-          <a:p>
-            <a:pPr marL="742950" lvl="1" indent="-285750">
-              <a:buFont typeface="Arial" panose="020B0604020202020204" pitchFamily="34" charset="0"/>
-              <a:buChar char="•"/>
-            </a:pPr>
-            <a:r>
-              <a:rPr lang="en-US" dirty="0"/>
-              <a:t>Does not support multiple filter expressions (need to combine multiple filters in a single expression)</a:t>
-            </a:r>
-          </a:p>
-          <a:p>
-            <a:pPr marL="742950" lvl="1" indent="-285750">
-              <a:buFont typeface="Arial" panose="020B0604020202020204" pitchFamily="34" charset="0"/>
-              <a:buChar char="•"/>
-            </a:pPr>
-            <a:r>
-              <a:rPr lang="en-US" dirty="0"/>
-              <a:t>Filters can only be defined on the root Entity Type of a hierarchy</a:t>
-            </a:r>
-            <a:endParaRPr lang="tr-TR" dirty="0"/>
-          </a:p>
-        </p:txBody>
-      </p:sp>
-    </p:spTree>
-    <p:extLst>
-      <p:ext uri="{BB962C8B-B14F-4D97-AF65-F5344CB8AC3E}">
-        <p14:creationId xmlns:p14="http://schemas.microsoft.com/office/powerpoint/2010/main" val="298546570"/>
-      </p:ext>
-    </p:extLst>
-  </p:cSld>
-  <p:clrMapOvr>
-    <a:masterClrMapping/>
-  </p:clrMapOvr>
-  <mc:AlternateContent xmlns:mc="http://schemas.openxmlformats.org/markup-compatibility/2006" xmlns:p14="http://schemas.microsoft.com/office/powerpoint/2010/main">
-    <mc:Choice Requires="p14">
-      <p:transition spd="med" p14:dur="700">
-        <p:fade/>
-      </p:transition>
-    </mc:Choice>
-    <mc:Fallback xmlns="">
-      <p:transition spd="med">
-        <p:fade/>
-      </p:transition>
-    </mc:Fallback>
-  </mc:AlternateContent>
-</p:sld>
-</file>
-
-<file path=ppt/slides/slide27.xml><?xml version="1.0" encoding="utf-8"?>
-<p:sld xmlns:a="http://schemas.openxmlformats.org/drawingml/2006/main" xmlns:r="http://schemas.openxmlformats.org/officeDocument/2006/relationships" xmlns:p="http://schemas.openxmlformats.org/presentationml/2006/main">
-  <p:cSld>
-    <p:spTree>
-      <p:nvGrpSpPr>
-        <p:cNvPr id="1" name=""/>
-        <p:cNvGrpSpPr/>
-        <p:nvPr/>
-      </p:nvGrpSpPr>
-      <p:grpSpPr>
-        <a:xfrm>
-          <a:off x="0" y="0"/>
-          <a:ext cx="0" cy="0"/>
-          <a:chOff x="0" y="0"/>
-          <a:chExt cx="0" cy="0"/>
-        </a:xfrm>
-      </p:grpSpPr>
-      <p:sp>
-        <p:nvSpPr>
-          <p:cNvPr id="2" name="Content Placeholder 1">
-            <a:extLst>
-              <a:ext uri="{FF2B5EF4-FFF2-40B4-BE49-F238E27FC236}">
-                <a16:creationId xmlns:a16="http://schemas.microsoft.com/office/drawing/2014/main" id="{FC80C069-EEF2-4456-9D88-FBAF6B3A8DAE}"/>
-              </a:ext>
-            </a:extLst>
-          </p:cNvPr>
-          <p:cNvSpPr>
-            <a:spLocks noGrp="1"/>
-          </p:cNvSpPr>
-          <p:nvPr>
-            <p:ph idx="1"/>
-          </p:nvPr>
-        </p:nvSpPr>
-        <p:spPr/>
-        <p:txBody>
-          <a:bodyPr/>
-          <a:lstStyle/>
-          <a:p>
-            <a:r>
-              <a:rPr lang="en-US" dirty="0" err="1"/>
-              <a:t>DbContext</a:t>
-            </a:r>
-            <a:r>
-              <a:rPr lang="en-US" dirty="0"/>
-              <a:t> Pooling</a:t>
-            </a:r>
-            <a:br>
-              <a:rPr lang="en-US" dirty="0"/>
-            </a:br>
-            <a:endParaRPr lang="en-US" dirty="0"/>
-          </a:p>
-          <a:p>
-            <a:endParaRPr lang="en-US" dirty="0"/>
-          </a:p>
-          <a:p>
-            <a:r>
-              <a:rPr lang="en-US" dirty="0"/>
-              <a:t>Table Splitting (multiple entities share same table)</a:t>
-            </a:r>
-          </a:p>
-          <a:p>
-            <a:r>
-              <a:rPr lang="en-US" dirty="0"/>
-              <a:t>Owned types (can be used for complex types)</a:t>
-            </a:r>
-          </a:p>
-          <a:p>
-            <a:endParaRPr lang="en-US" dirty="0"/>
-          </a:p>
-          <a:p>
-            <a:endParaRPr lang="tr-TR" dirty="0"/>
-          </a:p>
-        </p:txBody>
-      </p:sp>
-      <p:sp>
-        <p:nvSpPr>
-          <p:cNvPr id="3" name="Title 2">
-            <a:extLst>
-              <a:ext uri="{FF2B5EF4-FFF2-40B4-BE49-F238E27FC236}">
-                <a16:creationId xmlns:a16="http://schemas.microsoft.com/office/drawing/2014/main" id="{3FE763D9-52E3-488B-9C30-A0ED93B16F5B}"/>
-              </a:ext>
-            </a:extLst>
-          </p:cNvPr>
-          <p:cNvSpPr>
-            <a:spLocks noGrp="1"/>
-          </p:cNvSpPr>
-          <p:nvPr>
-            <p:ph type="title"/>
-          </p:nvPr>
-        </p:nvSpPr>
-        <p:spPr/>
-        <p:txBody>
-          <a:bodyPr>
-            <a:normAutofit fontScale="90000"/>
-          </a:bodyPr>
-          <a:lstStyle/>
-          <a:p>
-            <a:r>
-              <a:rPr lang="en-US" dirty="0"/>
-              <a:t>Entity Framework Core</a:t>
-            </a:r>
-            <a:br>
-              <a:rPr lang="en-US" dirty="0"/>
-            </a:br>
-            <a:r>
-              <a:rPr lang="en-US" sz="2700" dirty="0"/>
-              <a:t>Other v2.0 features</a:t>
-            </a:r>
-            <a:endParaRPr lang="tr-TR" sz="2700" dirty="0"/>
-          </a:p>
-        </p:txBody>
-      </p:sp>
-      <p:pic>
-        <p:nvPicPr>
-          <p:cNvPr id="6" name="Picture 5">
-            <a:extLst>
-              <a:ext uri="{FF2B5EF4-FFF2-40B4-BE49-F238E27FC236}">
-                <a16:creationId xmlns:a16="http://schemas.microsoft.com/office/drawing/2014/main" id="{CA0E4761-AFB9-4A2D-96D2-D6286DB9DE9D}"/>
-              </a:ext>
-            </a:extLst>
-          </p:cNvPr>
-          <p:cNvPicPr>
-            <a:picLocks noChangeAspect="1"/>
-          </p:cNvPicPr>
-          <p:nvPr/>
-        </p:nvPicPr>
-        <p:blipFill>
-          <a:blip r:embed="rId2"/>
-          <a:stretch>
-            <a:fillRect/>
-          </a:stretch>
-        </p:blipFill>
-        <p:spPr>
-          <a:xfrm>
-            <a:off x="1169797" y="2275994"/>
-            <a:ext cx="4895850" cy="695325"/>
-          </a:xfrm>
-          <a:prstGeom prst="rect">
-            <a:avLst/>
-          </a:prstGeom>
-        </p:spPr>
-      </p:pic>
-    </p:spTree>
-    <p:extLst>
-      <p:ext uri="{BB962C8B-B14F-4D97-AF65-F5344CB8AC3E}">
-        <p14:creationId xmlns:p14="http://schemas.microsoft.com/office/powerpoint/2010/main" val="4156630221"/>
-      </p:ext>
-    </p:extLst>
-  </p:cSld>
-  <p:clrMapOvr>
-    <a:masterClrMapping/>
-  </p:clrMapOvr>
-  <mc:AlternateContent xmlns:mc="http://schemas.openxmlformats.org/markup-compatibility/2006" xmlns:p14="http://schemas.microsoft.com/office/powerpoint/2010/main">
-    <mc:Choice Requires="p14">
-      <p:transition spd="med" p14:dur="700">
-        <p:fade/>
-      </p:transition>
-    </mc:Choice>
-    <mc:Fallback xmlns="">
-      <p:transition spd="med">
-        <p:fade/>
-      </p:transition>
-    </mc:Fallback>
-  </mc:AlternateContent>
-</p:sld>
-</file>
-
-<file path=ppt/slides/slide28.xml><?xml version="1.0" encoding="utf-8"?>
-<p:sld xmlns:a="http://schemas.openxmlformats.org/drawingml/2006/main" xmlns:r="http://schemas.openxmlformats.org/officeDocument/2006/relationships" xmlns:p="http://schemas.openxmlformats.org/presentationml/2006/main">
-  <p:cSld>
-    <p:spTree>
-      <p:nvGrpSpPr>
-        <p:cNvPr id="1" name=""/>
-        <p:cNvGrpSpPr/>
-        <p:nvPr/>
-      </p:nvGrpSpPr>
-      <p:grpSpPr>
-        <a:xfrm>
-          <a:off x="0" y="0"/>
-          <a:ext cx="0" cy="0"/>
-          <a:chOff x="0" y="0"/>
-          <a:chExt cx="0" cy="0"/>
-        </a:xfrm>
-      </p:grpSpPr>
-      <p:sp>
-        <p:nvSpPr>
-          <p:cNvPr id="2" name="Content Placeholder 1">
-            <a:extLst>
-              <a:ext uri="{FF2B5EF4-FFF2-40B4-BE49-F238E27FC236}">
-                <a16:creationId xmlns:a16="http://schemas.microsoft.com/office/drawing/2014/main" id="{C089E8C7-DC6F-49AD-85F1-E051D88C9E24}"/>
-              </a:ext>
-            </a:extLst>
-          </p:cNvPr>
-          <p:cNvSpPr>
-            <a:spLocks noGrp="1"/>
-          </p:cNvSpPr>
-          <p:nvPr>
-            <p:ph idx="1"/>
-          </p:nvPr>
-        </p:nvSpPr>
-        <p:spPr/>
-        <p:txBody>
-          <a:bodyPr/>
-          <a:lstStyle/>
-          <a:p>
-            <a:r>
-              <a:rPr lang="en-US" dirty="0"/>
-              <a:t>Database scalar function mapping</a:t>
-            </a:r>
-          </a:p>
-          <a:p>
-            <a:endParaRPr lang="en-US" dirty="0"/>
-          </a:p>
-          <a:p>
-            <a:endParaRPr lang="en-US" dirty="0"/>
-          </a:p>
-          <a:p>
-            <a:endParaRPr lang="en-US" dirty="0"/>
-          </a:p>
-          <a:p>
-            <a:endParaRPr lang="en-US" dirty="0"/>
-          </a:p>
-          <a:p>
-            <a:r>
-              <a:rPr lang="en-US" dirty="0"/>
-              <a:t>Explicitly compiled queries</a:t>
-            </a:r>
-          </a:p>
-          <a:p>
-            <a:endParaRPr lang="en-US" dirty="0"/>
-          </a:p>
-          <a:p>
-            <a:endParaRPr lang="tr-TR" dirty="0"/>
-          </a:p>
-        </p:txBody>
-      </p:sp>
-      <p:sp>
-        <p:nvSpPr>
-          <p:cNvPr id="3" name="Title 2">
-            <a:extLst>
-              <a:ext uri="{FF2B5EF4-FFF2-40B4-BE49-F238E27FC236}">
-                <a16:creationId xmlns:a16="http://schemas.microsoft.com/office/drawing/2014/main" id="{0595A6E7-5E67-434A-A733-AF549376C01B}"/>
-              </a:ext>
-            </a:extLst>
-          </p:cNvPr>
-          <p:cNvSpPr>
-            <a:spLocks noGrp="1"/>
-          </p:cNvSpPr>
-          <p:nvPr>
-            <p:ph type="title"/>
-          </p:nvPr>
-        </p:nvSpPr>
-        <p:spPr/>
-        <p:txBody>
-          <a:bodyPr>
-            <a:normAutofit fontScale="90000"/>
-          </a:bodyPr>
-          <a:lstStyle/>
-          <a:p>
-            <a:r>
-              <a:rPr lang="en-US" dirty="0"/>
-              <a:t>Entity Framework Core</a:t>
-            </a:r>
-            <a:br>
-              <a:rPr lang="en-US" dirty="0"/>
-            </a:br>
-            <a:r>
-              <a:rPr lang="en-US" sz="2700" dirty="0"/>
-              <a:t>Other v2.0 features</a:t>
-            </a:r>
-            <a:endParaRPr lang="tr-TR" dirty="0"/>
-          </a:p>
-        </p:txBody>
-      </p:sp>
-      <p:pic>
-        <p:nvPicPr>
-          <p:cNvPr id="4" name="Picture 3">
-            <a:extLst>
-              <a:ext uri="{FF2B5EF4-FFF2-40B4-BE49-F238E27FC236}">
-                <a16:creationId xmlns:a16="http://schemas.microsoft.com/office/drawing/2014/main" id="{0DED2CD0-7618-4E20-8EE0-D6495563A122}"/>
-              </a:ext>
-            </a:extLst>
-          </p:cNvPr>
-          <p:cNvPicPr>
-            <a:picLocks noChangeAspect="1"/>
-          </p:cNvPicPr>
-          <p:nvPr/>
-        </p:nvPicPr>
-        <p:blipFill>
-          <a:blip r:embed="rId2"/>
-          <a:stretch>
-            <a:fillRect/>
-          </a:stretch>
-        </p:blipFill>
-        <p:spPr>
-          <a:xfrm>
-            <a:off x="1127852" y="2429835"/>
-            <a:ext cx="3562350" cy="1562100"/>
-          </a:xfrm>
-          <a:prstGeom prst="rect">
-            <a:avLst/>
-          </a:prstGeom>
-        </p:spPr>
-      </p:pic>
-      <p:pic>
-        <p:nvPicPr>
-          <p:cNvPr id="5" name="Picture 4">
-            <a:extLst>
-              <a:ext uri="{FF2B5EF4-FFF2-40B4-BE49-F238E27FC236}">
-                <a16:creationId xmlns:a16="http://schemas.microsoft.com/office/drawing/2014/main" id="{E1E46BC4-5BBA-471D-8877-AE2873952EDC}"/>
-              </a:ext>
-            </a:extLst>
-          </p:cNvPr>
-          <p:cNvPicPr>
-            <a:picLocks noChangeAspect="1"/>
-          </p:cNvPicPr>
-          <p:nvPr/>
-        </p:nvPicPr>
-        <p:blipFill>
-          <a:blip r:embed="rId3"/>
-          <a:stretch>
-            <a:fillRect/>
-          </a:stretch>
-        </p:blipFill>
-        <p:spPr>
-          <a:xfrm>
-            <a:off x="4839849" y="2429835"/>
-            <a:ext cx="3705225" cy="828675"/>
-          </a:xfrm>
-          <a:prstGeom prst="rect">
-            <a:avLst/>
-          </a:prstGeom>
-        </p:spPr>
-      </p:pic>
-    </p:spTree>
-    <p:extLst>
-      <p:ext uri="{BB962C8B-B14F-4D97-AF65-F5344CB8AC3E}">
-        <p14:creationId xmlns:p14="http://schemas.microsoft.com/office/powerpoint/2010/main" val="2415098497"/>
-      </p:ext>
-    </p:extLst>
-  </p:cSld>
-  <p:clrMapOvr>
-    <a:masterClrMapping/>
-  </p:clrMapOvr>
-  <mc:AlternateContent xmlns:mc="http://schemas.openxmlformats.org/markup-compatibility/2006" xmlns:p14="http://schemas.microsoft.com/office/powerpoint/2010/main">
-    <mc:Choice Requires="p14">
-      <p:transition spd="med" p14:dur="700">
-        <p:fade/>
-      </p:transition>
-    </mc:Choice>
-    <mc:Fallback xmlns="">
-      <p:transition spd="med">
-        <p:fade/>
-      </p:transition>
-    </mc:Fallback>
-  </mc:AlternateContent>
-</p:sld>
-</file>
-
-<file path=ppt/slides/slide29.xml><?xml version="1.0" encoding="utf-8"?>
-<p:sld xmlns:a="http://schemas.openxmlformats.org/drawingml/2006/main" xmlns:r="http://schemas.openxmlformats.org/officeDocument/2006/relationships" xmlns:p="http://schemas.openxmlformats.org/presentationml/2006/main">
-  <p:cSld>
-    <p:spTree>
-      <p:nvGrpSpPr>
-        <p:cNvPr id="1" name=""/>
-        <p:cNvGrpSpPr/>
-        <p:nvPr/>
-      </p:nvGrpSpPr>
-      <p:grpSpPr>
-        <a:xfrm>
-          <a:off x="0" y="0"/>
-          <a:ext cx="0" cy="0"/>
-          <a:chOff x="0" y="0"/>
-          <a:chExt cx="0" cy="0"/>
-        </a:xfrm>
-      </p:grpSpPr>
-      <p:sp>
-        <p:nvSpPr>
-          <p:cNvPr id="2" name="Content Placeholder 1">
-            <a:extLst>
-              <a:ext uri="{FF2B5EF4-FFF2-40B4-BE49-F238E27FC236}">
                 <a16:creationId xmlns:a16="http://schemas.microsoft.com/office/drawing/2014/main" id="{83EA2167-E160-4468-9224-A653BCDC1F90}"/>
               </a:ext>
             </a:extLst>
@@ -8265,341 +7292,7 @@
 </p:sld>
 </file>
 
-<file path=ppt/slides/slide3.xml><?xml version="1.0" encoding="utf-8"?>
-<p:sld xmlns:a="http://schemas.openxmlformats.org/drawingml/2006/main" xmlns:r="http://schemas.openxmlformats.org/officeDocument/2006/relationships" xmlns:p="http://schemas.openxmlformats.org/presentationml/2006/main">
-  <p:cSld>
-    <p:spTree>
-      <p:nvGrpSpPr>
-        <p:cNvPr id="1" name=""/>
-        <p:cNvGrpSpPr/>
-        <p:nvPr/>
-      </p:nvGrpSpPr>
-      <p:grpSpPr>
-        <a:xfrm>
-          <a:off x="0" y="0"/>
-          <a:ext cx="0" cy="0"/>
-          <a:chOff x="0" y="0"/>
-          <a:chExt cx="0" cy="0"/>
-        </a:xfrm>
-      </p:grpSpPr>
-      <p:sp>
-        <p:nvSpPr>
-          <p:cNvPr id="2" name="Title 1"/>
-          <p:cNvSpPr>
-            <a:spLocks noGrp="1"/>
-          </p:cNvSpPr>
-          <p:nvPr>
-            <p:ph type="title"/>
-          </p:nvPr>
-        </p:nvSpPr>
-        <p:spPr/>
-        <p:txBody>
-          <a:bodyPr/>
-          <a:lstStyle/>
-          <a:p>
-            <a:r>
-              <a:rPr lang="en-US" dirty="0"/>
-              <a:t>About Me &amp; My Projects</a:t>
-            </a:r>
-          </a:p>
-        </p:txBody>
-      </p:sp>
-      <p:pic>
-        <p:nvPicPr>
-          <p:cNvPr id="6" name="Picture 5">
-            <a:extLst>
-              <a:ext uri="{FF2B5EF4-FFF2-40B4-BE49-F238E27FC236}">
-                <a16:creationId xmlns:a16="http://schemas.microsoft.com/office/drawing/2014/main" id="{68276571-AD09-4FA2-8F73-1D5218F0D337}"/>
-              </a:ext>
-            </a:extLst>
-          </p:cNvPr>
-          <p:cNvPicPr>
-            <a:picLocks noChangeAspect="1"/>
-          </p:cNvPicPr>
-          <p:nvPr/>
-        </p:nvPicPr>
-        <p:blipFill>
-          <a:blip r:embed="rId2"/>
-          <a:stretch>
-            <a:fillRect/>
-          </a:stretch>
-        </p:blipFill>
-        <p:spPr>
-          <a:xfrm>
-            <a:off x="609600" y="1920555"/>
-            <a:ext cx="5186398" cy="1418264"/>
-          </a:xfrm>
-          <a:prstGeom prst="rect">
-            <a:avLst/>
-          </a:prstGeom>
-        </p:spPr>
-      </p:pic>
-      <p:sp>
-        <p:nvSpPr>
-          <p:cNvPr id="7" name="TextBox 6">
-            <a:extLst>
-              <a:ext uri="{FF2B5EF4-FFF2-40B4-BE49-F238E27FC236}">
-                <a16:creationId xmlns:a16="http://schemas.microsoft.com/office/drawing/2014/main" id="{7F33832A-DFA4-4DD1-9434-3E3BCE5EAFE8}"/>
-              </a:ext>
-            </a:extLst>
-          </p:cNvPr>
-          <p:cNvSpPr txBox="1"/>
-          <p:nvPr/>
-        </p:nvSpPr>
-        <p:spPr>
-          <a:xfrm>
-            <a:off x="609600" y="1484430"/>
-            <a:ext cx="3215780" cy="369332"/>
-          </a:xfrm>
-          <a:prstGeom prst="rect">
-            <a:avLst/>
-          </a:prstGeom>
-          <a:noFill/>
-        </p:spPr>
-        <p:txBody>
-          <a:bodyPr wrap="square" rtlCol="0">
-            <a:spAutoFit/>
-          </a:bodyPr>
-          <a:lstStyle/>
-          <a:p>
-            <a:r>
-              <a:rPr lang="tr-TR" dirty="0"/>
-              <a:t>https://github.com/hikalkan</a:t>
-            </a:r>
-          </a:p>
-        </p:txBody>
-      </p:sp>
-      <p:pic>
-        <p:nvPicPr>
-          <p:cNvPr id="8" name="Picture 7">
-            <a:extLst>
-              <a:ext uri="{FF2B5EF4-FFF2-40B4-BE49-F238E27FC236}">
-                <a16:creationId xmlns:a16="http://schemas.microsoft.com/office/drawing/2014/main" id="{CBEA0925-BCC7-4839-9670-36213269E5A1}"/>
-              </a:ext>
-            </a:extLst>
-          </p:cNvPr>
-          <p:cNvPicPr>
-            <a:picLocks noChangeAspect="1"/>
-          </p:cNvPicPr>
-          <p:nvPr/>
-        </p:nvPicPr>
-        <p:blipFill>
-          <a:blip r:embed="rId3"/>
-          <a:stretch>
-            <a:fillRect/>
-          </a:stretch>
-        </p:blipFill>
-        <p:spPr>
-          <a:xfrm>
-            <a:off x="5993848" y="1920555"/>
-            <a:ext cx="5579850" cy="3364509"/>
-          </a:xfrm>
-          <a:prstGeom prst="rect">
-            <a:avLst/>
-          </a:prstGeom>
-        </p:spPr>
-      </p:pic>
-      <p:sp>
-        <p:nvSpPr>
-          <p:cNvPr id="9" name="TextBox 8">
-            <a:extLst>
-              <a:ext uri="{FF2B5EF4-FFF2-40B4-BE49-F238E27FC236}">
-                <a16:creationId xmlns:a16="http://schemas.microsoft.com/office/drawing/2014/main" id="{105C63A5-69AF-479F-BDB8-307D9361C6CB}"/>
-              </a:ext>
-            </a:extLst>
-          </p:cNvPr>
-          <p:cNvSpPr txBox="1"/>
-          <p:nvPr/>
-        </p:nvSpPr>
-        <p:spPr>
-          <a:xfrm>
-            <a:off x="5993848" y="1484430"/>
-            <a:ext cx="5579850" cy="369332"/>
-          </a:xfrm>
-          <a:prstGeom prst="rect">
-            <a:avLst/>
-          </a:prstGeom>
-          <a:noFill/>
-        </p:spPr>
-        <p:txBody>
-          <a:bodyPr wrap="square" rtlCol="0">
-            <a:spAutoFit/>
-          </a:bodyPr>
-          <a:lstStyle/>
-          <a:p>
-            <a:r>
-              <a:rPr lang="tr-TR" dirty="0"/>
-              <a:t>https://www.codeproject.com/members/hi_kalkan</a:t>
-            </a:r>
-          </a:p>
-        </p:txBody>
-      </p:sp>
-      <p:pic>
-        <p:nvPicPr>
-          <p:cNvPr id="10" name="Picture 9">
-            <a:extLst>
-              <a:ext uri="{FF2B5EF4-FFF2-40B4-BE49-F238E27FC236}">
-                <a16:creationId xmlns:a16="http://schemas.microsoft.com/office/drawing/2014/main" id="{EDC1CB8D-87D5-45AD-B7F7-1F4E47AECF7D}"/>
-              </a:ext>
-            </a:extLst>
-          </p:cNvPr>
-          <p:cNvPicPr>
-            <a:picLocks noChangeAspect="1"/>
-          </p:cNvPicPr>
-          <p:nvPr/>
-        </p:nvPicPr>
-        <p:blipFill>
-          <a:blip r:embed="rId4"/>
-          <a:stretch>
-            <a:fillRect/>
-          </a:stretch>
-        </p:blipFill>
-        <p:spPr>
-          <a:xfrm>
-            <a:off x="10964098" y="1277559"/>
-            <a:ext cx="609600" cy="609600"/>
-          </a:xfrm>
-          <a:prstGeom prst="rect">
-            <a:avLst/>
-          </a:prstGeom>
-        </p:spPr>
-      </p:pic>
-      <p:pic>
-        <p:nvPicPr>
-          <p:cNvPr id="11" name="Picture 10">
-            <a:extLst>
-              <a:ext uri="{FF2B5EF4-FFF2-40B4-BE49-F238E27FC236}">
-                <a16:creationId xmlns:a16="http://schemas.microsoft.com/office/drawing/2014/main" id="{B798F618-E72C-4410-B7D5-EEFDDA464F3A}"/>
-              </a:ext>
-            </a:extLst>
-          </p:cNvPr>
-          <p:cNvPicPr>
-            <a:picLocks noChangeAspect="1"/>
-          </p:cNvPicPr>
-          <p:nvPr/>
-        </p:nvPicPr>
-        <p:blipFill>
-          <a:blip r:embed="rId5"/>
-          <a:stretch>
-            <a:fillRect/>
-          </a:stretch>
-        </p:blipFill>
-        <p:spPr>
-          <a:xfrm>
-            <a:off x="609601" y="3841736"/>
-            <a:ext cx="3794620" cy="2498041"/>
-          </a:xfrm>
-          <a:prstGeom prst="rect">
-            <a:avLst/>
-          </a:prstGeom>
-        </p:spPr>
-      </p:pic>
-      <p:sp>
-        <p:nvSpPr>
-          <p:cNvPr id="13" name="TextBox 12">
-            <a:extLst>
-              <a:ext uri="{FF2B5EF4-FFF2-40B4-BE49-F238E27FC236}">
-                <a16:creationId xmlns:a16="http://schemas.microsoft.com/office/drawing/2014/main" id="{86BC70B7-5F6D-4F0B-AC31-CC1A84ECAD6A}"/>
-              </a:ext>
-            </a:extLst>
-          </p:cNvPr>
-          <p:cNvSpPr txBox="1"/>
-          <p:nvPr/>
-        </p:nvSpPr>
-        <p:spPr>
-          <a:xfrm>
-            <a:off x="609600" y="3405612"/>
-            <a:ext cx="3215780" cy="369332"/>
-          </a:xfrm>
-          <a:prstGeom prst="rect">
-            <a:avLst/>
-          </a:prstGeom>
-          <a:noFill/>
-        </p:spPr>
-        <p:txBody>
-          <a:bodyPr wrap="square" rtlCol="0">
-            <a:spAutoFit/>
-          </a:bodyPr>
-          <a:lstStyle/>
-          <a:p>
-            <a:r>
-              <a:rPr lang="tr-TR" dirty="0"/>
-              <a:t>http://jtable.org/</a:t>
-            </a:r>
-          </a:p>
-        </p:txBody>
-      </p:sp>
-      <p:pic>
-        <p:nvPicPr>
-          <p:cNvPr id="14" name="Picture 13">
-            <a:extLst>
-              <a:ext uri="{FF2B5EF4-FFF2-40B4-BE49-F238E27FC236}">
-                <a16:creationId xmlns:a16="http://schemas.microsoft.com/office/drawing/2014/main" id="{3587ABF2-B9C1-4C40-A2D3-79D957667BEE}"/>
-              </a:ext>
-            </a:extLst>
-          </p:cNvPr>
-          <p:cNvPicPr>
-            <a:picLocks noChangeAspect="1"/>
-          </p:cNvPicPr>
-          <p:nvPr/>
-        </p:nvPicPr>
-        <p:blipFill>
-          <a:blip r:embed="rId6" cstate="print">
-            <a:extLst>
-              <a:ext uri="{28A0092B-C50C-407E-A947-70E740481C1C}">
-                <a14:useLocalDpi xmlns:a14="http://schemas.microsoft.com/office/drawing/2010/main" val="0"/>
-              </a:ext>
-            </a:extLst>
-          </a:blip>
-          <a:stretch>
-            <a:fillRect/>
-          </a:stretch>
-        </p:blipFill>
-        <p:spPr>
-          <a:xfrm>
-            <a:off x="6149131" y="5301522"/>
-            <a:ext cx="5299738" cy="1506143"/>
-          </a:xfrm>
-          <a:prstGeom prst="rect">
-            <a:avLst/>
-          </a:prstGeom>
-          <a:effectLst>
-            <a:outerShdw blurRad="50800" dist="50800" dir="5400000" algn="ctr" rotWithShape="0">
-              <a:schemeClr val="bg1">
-                <a:lumMod val="95000"/>
-                <a:lumOff val="5000"/>
-                <a:alpha val="43000"/>
-              </a:schemeClr>
-            </a:outerShdw>
-          </a:effectLst>
-        </p:spPr>
-      </p:pic>
-    </p:spTree>
-    <p:extLst>
-      <p:ext uri="{BB962C8B-B14F-4D97-AF65-F5344CB8AC3E}">
-        <p14:creationId xmlns:p14="http://schemas.microsoft.com/office/powerpoint/2010/main" val="1677778366"/>
-      </p:ext>
-    </p:extLst>
-  </p:cSld>
-  <p:clrMapOvr>
-    <a:masterClrMapping/>
-  </p:clrMapOvr>
-  <mc:AlternateContent xmlns:mc="http://schemas.openxmlformats.org/markup-compatibility/2006" xmlns:p14="http://schemas.microsoft.com/office/powerpoint/2010/main">
-    <mc:Choice Requires="p14">
-      <p:transition spd="med" p14:dur="700">
-        <p:fade/>
-      </p:transition>
-    </mc:Choice>
-    <mc:Fallback xmlns="">
-      <p:transition spd="med">
-        <p:fade/>
-      </p:transition>
-    </mc:Fallback>
-  </mc:AlternateContent>
-</p:sld>
-</file>
-
-<file path=ppt/slides/slide30.xml><?xml version="1.0" encoding="utf-8"?>
+<file path=ppt/slides/slide25.xml><?xml version="1.0" encoding="utf-8"?>
 <p:sld xmlns:a="http://schemas.openxmlformats.org/drawingml/2006/main" xmlns:r="http://schemas.openxmlformats.org/officeDocument/2006/relationships" xmlns:p="http://schemas.openxmlformats.org/presentationml/2006/main">
   <p:cSld>
     <p:spTree>
@@ -8879,6 +7572,340 @@
 </p:sld>
 </file>
 
+<file path=ppt/slides/slide3.xml><?xml version="1.0" encoding="utf-8"?>
+<p:sld xmlns:a="http://schemas.openxmlformats.org/drawingml/2006/main" xmlns:r="http://schemas.openxmlformats.org/officeDocument/2006/relationships" xmlns:p="http://schemas.openxmlformats.org/presentationml/2006/main">
+  <p:cSld>
+    <p:spTree>
+      <p:nvGrpSpPr>
+        <p:cNvPr id="1" name=""/>
+        <p:cNvGrpSpPr/>
+        <p:nvPr/>
+      </p:nvGrpSpPr>
+      <p:grpSpPr>
+        <a:xfrm>
+          <a:off x="0" y="0"/>
+          <a:ext cx="0" cy="0"/>
+          <a:chOff x="0" y="0"/>
+          <a:chExt cx="0" cy="0"/>
+        </a:xfrm>
+      </p:grpSpPr>
+      <p:sp>
+        <p:nvSpPr>
+          <p:cNvPr id="2" name="Title 1"/>
+          <p:cNvSpPr>
+            <a:spLocks noGrp="1"/>
+          </p:cNvSpPr>
+          <p:nvPr>
+            <p:ph type="title"/>
+          </p:nvPr>
+        </p:nvSpPr>
+        <p:spPr/>
+        <p:txBody>
+          <a:bodyPr/>
+          <a:lstStyle/>
+          <a:p>
+            <a:r>
+              <a:rPr lang="en-US" dirty="0"/>
+              <a:t>About Me &amp; My Projects</a:t>
+            </a:r>
+          </a:p>
+        </p:txBody>
+      </p:sp>
+      <p:pic>
+        <p:nvPicPr>
+          <p:cNvPr id="6" name="Picture 5">
+            <a:extLst>
+              <a:ext uri="{FF2B5EF4-FFF2-40B4-BE49-F238E27FC236}">
+                <a16:creationId xmlns:a16="http://schemas.microsoft.com/office/drawing/2014/main" id="{68276571-AD09-4FA2-8F73-1D5218F0D337}"/>
+              </a:ext>
+            </a:extLst>
+          </p:cNvPr>
+          <p:cNvPicPr>
+            <a:picLocks noChangeAspect="1"/>
+          </p:cNvPicPr>
+          <p:nvPr/>
+        </p:nvPicPr>
+        <p:blipFill>
+          <a:blip r:embed="rId2"/>
+          <a:stretch>
+            <a:fillRect/>
+          </a:stretch>
+        </p:blipFill>
+        <p:spPr>
+          <a:xfrm>
+            <a:off x="609600" y="1920555"/>
+            <a:ext cx="5186398" cy="1418264"/>
+          </a:xfrm>
+          <a:prstGeom prst="rect">
+            <a:avLst/>
+          </a:prstGeom>
+        </p:spPr>
+      </p:pic>
+      <p:sp>
+        <p:nvSpPr>
+          <p:cNvPr id="7" name="TextBox 6">
+            <a:extLst>
+              <a:ext uri="{FF2B5EF4-FFF2-40B4-BE49-F238E27FC236}">
+                <a16:creationId xmlns:a16="http://schemas.microsoft.com/office/drawing/2014/main" id="{7F33832A-DFA4-4DD1-9434-3E3BCE5EAFE8}"/>
+              </a:ext>
+            </a:extLst>
+          </p:cNvPr>
+          <p:cNvSpPr txBox="1"/>
+          <p:nvPr/>
+        </p:nvSpPr>
+        <p:spPr>
+          <a:xfrm>
+            <a:off x="609599" y="1484430"/>
+            <a:ext cx="5186397" cy="461665"/>
+          </a:xfrm>
+          <a:prstGeom prst="rect">
+            <a:avLst/>
+          </a:prstGeom>
+          <a:noFill/>
+        </p:spPr>
+        <p:txBody>
+          <a:bodyPr wrap="square" rtlCol="0">
+            <a:spAutoFit/>
+          </a:bodyPr>
+          <a:lstStyle/>
+          <a:p>
+            <a:r>
+              <a:rPr lang="tr-TR" sz="2400" dirty="0"/>
+              <a:t>https://github.com/hikalkan</a:t>
+            </a:r>
+          </a:p>
+        </p:txBody>
+      </p:sp>
+      <p:pic>
+        <p:nvPicPr>
+          <p:cNvPr id="8" name="Picture 7">
+            <a:extLst>
+              <a:ext uri="{FF2B5EF4-FFF2-40B4-BE49-F238E27FC236}">
+                <a16:creationId xmlns:a16="http://schemas.microsoft.com/office/drawing/2014/main" id="{CBEA0925-BCC7-4839-9670-36213269E5A1}"/>
+              </a:ext>
+            </a:extLst>
+          </p:cNvPr>
+          <p:cNvPicPr>
+            <a:picLocks noChangeAspect="1"/>
+          </p:cNvPicPr>
+          <p:nvPr/>
+        </p:nvPicPr>
+        <p:blipFill>
+          <a:blip r:embed="rId3"/>
+          <a:stretch>
+            <a:fillRect/>
+          </a:stretch>
+        </p:blipFill>
+        <p:spPr>
+          <a:xfrm>
+            <a:off x="5993848" y="1920555"/>
+            <a:ext cx="5579850" cy="3364509"/>
+          </a:xfrm>
+          <a:prstGeom prst="rect">
+            <a:avLst/>
+          </a:prstGeom>
+        </p:spPr>
+      </p:pic>
+      <p:sp>
+        <p:nvSpPr>
+          <p:cNvPr id="9" name="TextBox 8">
+            <a:extLst>
+              <a:ext uri="{FF2B5EF4-FFF2-40B4-BE49-F238E27FC236}">
+                <a16:creationId xmlns:a16="http://schemas.microsoft.com/office/drawing/2014/main" id="{105C63A5-69AF-479F-BDB8-307D9361C6CB}"/>
+              </a:ext>
+            </a:extLst>
+          </p:cNvPr>
+          <p:cNvSpPr txBox="1"/>
+          <p:nvPr/>
+        </p:nvSpPr>
+        <p:spPr>
+          <a:xfrm>
+            <a:off x="5993848" y="1484430"/>
+            <a:ext cx="5579850" cy="369332"/>
+          </a:xfrm>
+          <a:prstGeom prst="rect">
+            <a:avLst/>
+          </a:prstGeom>
+          <a:noFill/>
+        </p:spPr>
+        <p:txBody>
+          <a:bodyPr wrap="square" rtlCol="0">
+            <a:spAutoFit/>
+          </a:bodyPr>
+          <a:lstStyle/>
+          <a:p>
+            <a:r>
+              <a:rPr lang="tr-TR" dirty="0"/>
+              <a:t>https://www.codeproject.com/members/hi_kalkan</a:t>
+            </a:r>
+          </a:p>
+        </p:txBody>
+      </p:sp>
+      <p:pic>
+        <p:nvPicPr>
+          <p:cNvPr id="10" name="Picture 9">
+            <a:extLst>
+              <a:ext uri="{FF2B5EF4-FFF2-40B4-BE49-F238E27FC236}">
+                <a16:creationId xmlns:a16="http://schemas.microsoft.com/office/drawing/2014/main" id="{EDC1CB8D-87D5-45AD-B7F7-1F4E47AECF7D}"/>
+              </a:ext>
+            </a:extLst>
+          </p:cNvPr>
+          <p:cNvPicPr>
+            <a:picLocks noChangeAspect="1"/>
+          </p:cNvPicPr>
+          <p:nvPr/>
+        </p:nvPicPr>
+        <p:blipFill>
+          <a:blip r:embed="rId4"/>
+          <a:stretch>
+            <a:fillRect/>
+          </a:stretch>
+        </p:blipFill>
+        <p:spPr>
+          <a:xfrm>
+            <a:off x="10964098" y="1277559"/>
+            <a:ext cx="609600" cy="609600"/>
+          </a:xfrm>
+          <a:prstGeom prst="rect">
+            <a:avLst/>
+          </a:prstGeom>
+        </p:spPr>
+      </p:pic>
+      <p:pic>
+        <p:nvPicPr>
+          <p:cNvPr id="11" name="Picture 10">
+            <a:extLst>
+              <a:ext uri="{FF2B5EF4-FFF2-40B4-BE49-F238E27FC236}">
+                <a16:creationId xmlns:a16="http://schemas.microsoft.com/office/drawing/2014/main" id="{B798F618-E72C-4410-B7D5-EEFDDA464F3A}"/>
+              </a:ext>
+            </a:extLst>
+          </p:cNvPr>
+          <p:cNvPicPr>
+            <a:picLocks noChangeAspect="1"/>
+          </p:cNvPicPr>
+          <p:nvPr/>
+        </p:nvPicPr>
+        <p:blipFill>
+          <a:blip r:embed="rId5"/>
+          <a:stretch>
+            <a:fillRect/>
+          </a:stretch>
+        </p:blipFill>
+        <p:spPr>
+          <a:xfrm>
+            <a:off x="609600" y="3841736"/>
+            <a:ext cx="4164635" cy="2741626"/>
+          </a:xfrm>
+          <a:prstGeom prst="rect">
+            <a:avLst/>
+          </a:prstGeom>
+        </p:spPr>
+      </p:pic>
+      <p:sp>
+        <p:nvSpPr>
+          <p:cNvPr id="13" name="TextBox 12">
+            <a:extLst>
+              <a:ext uri="{FF2B5EF4-FFF2-40B4-BE49-F238E27FC236}">
+                <a16:creationId xmlns:a16="http://schemas.microsoft.com/office/drawing/2014/main" id="{86BC70B7-5F6D-4F0B-AC31-CC1A84ECAD6A}"/>
+              </a:ext>
+            </a:extLst>
+          </p:cNvPr>
+          <p:cNvSpPr txBox="1"/>
+          <p:nvPr/>
+        </p:nvSpPr>
+        <p:spPr>
+          <a:xfrm>
+            <a:off x="609600" y="3405612"/>
+            <a:ext cx="3215780" cy="369332"/>
+          </a:xfrm>
+          <a:prstGeom prst="rect">
+            <a:avLst/>
+          </a:prstGeom>
+          <a:noFill/>
+        </p:spPr>
+        <p:txBody>
+          <a:bodyPr wrap="square" rtlCol="0">
+            <a:spAutoFit/>
+          </a:bodyPr>
+          <a:lstStyle/>
+          <a:p>
+            <a:r>
+              <a:rPr lang="tr-TR" dirty="0"/>
+              <a:t>http://jtable.org/</a:t>
+            </a:r>
+          </a:p>
+        </p:txBody>
+      </p:sp>
+      <p:pic>
+        <p:nvPicPr>
+          <p:cNvPr id="14" name="Picture 13">
+            <a:extLst>
+              <a:ext uri="{FF2B5EF4-FFF2-40B4-BE49-F238E27FC236}">
+                <a16:creationId xmlns:a16="http://schemas.microsoft.com/office/drawing/2014/main" id="{3587ABF2-B9C1-4C40-A2D3-79D957667BEE}"/>
+              </a:ext>
+            </a:extLst>
+          </p:cNvPr>
+          <p:cNvPicPr>
+            <a:picLocks noChangeAspect="1"/>
+          </p:cNvPicPr>
+          <p:nvPr/>
+        </p:nvPicPr>
+        <p:blipFill>
+          <a:blip r:embed="rId6" cstate="print">
+            <a:extLst>
+              <a:ext uri="{28A0092B-C50C-407E-A947-70E740481C1C}">
+                <a14:useLocalDpi xmlns:a14="http://schemas.microsoft.com/office/drawing/2010/main" val="0"/>
+              </a:ext>
+            </a:extLst>
+          </a:blip>
+          <a:stretch>
+            <a:fillRect/>
+          </a:stretch>
+        </p:blipFill>
+        <p:spPr>
+          <a:xfrm>
+            <a:off x="6149131" y="5301522"/>
+            <a:ext cx="5299738" cy="1506143"/>
+          </a:xfrm>
+          <a:prstGeom prst="rect">
+            <a:avLst/>
+          </a:prstGeom>
+          <a:effectLst>
+            <a:outerShdw blurRad="50800" dist="50800" dir="5400000" algn="ctr" rotWithShape="0">
+              <a:schemeClr val="bg1">
+                <a:lumMod val="95000"/>
+                <a:lumOff val="5000"/>
+                <a:alpha val="43000"/>
+              </a:schemeClr>
+            </a:outerShdw>
+          </a:effectLst>
+        </p:spPr>
+      </p:pic>
+    </p:spTree>
+    <p:extLst>
+      <p:ext uri="{BB962C8B-B14F-4D97-AF65-F5344CB8AC3E}">
+        <p14:creationId xmlns:p14="http://schemas.microsoft.com/office/powerpoint/2010/main" val="1677778366"/>
+      </p:ext>
+    </p:extLst>
+  </p:cSld>
+  <p:clrMapOvr>
+    <a:masterClrMapping/>
+  </p:clrMapOvr>
+  <mc:AlternateContent xmlns:mc="http://schemas.openxmlformats.org/markup-compatibility/2006" xmlns:p14="http://schemas.microsoft.com/office/powerpoint/2010/main">
+    <mc:Choice Requires="p14">
+      <p:transition spd="med" p14:dur="700">
+        <p:fade/>
+      </p:transition>
+    </mc:Choice>
+    <mc:Fallback xmlns="">
+      <p:transition spd="med">
+        <p:fade/>
+      </p:transition>
+    </mc:Fallback>
+  </mc:AlternateContent>
+</p:sld>
+</file>
+
 <file path=ppt/slides/slide4.xml><?xml version="1.0" encoding="utf-8"?>
 <p:sld xmlns:a="http://schemas.openxmlformats.org/drawingml/2006/main" xmlns:r="http://schemas.openxmlformats.org/officeDocument/2006/relationships" xmlns:p="http://schemas.openxmlformats.org/presentationml/2006/main">
   <p:cSld>
@@ -8918,59 +7945,12 @@
         </p:blipFill>
         <p:spPr>
           <a:xfrm>
-            <a:off x="609600" y="1266635"/>
-            <a:ext cx="4889165" cy="2985376"/>
+            <a:off x="609599" y="1266635"/>
+            <a:ext cx="6806269" cy="4155980"/>
           </a:xfrm>
           <a:prstGeom prst="rect">
             <a:avLst/>
           </a:prstGeom>
-        </p:spPr>
-      </p:pic>
-      <p:pic>
-        <p:nvPicPr>
-          <p:cNvPr id="2050" name="Picture 2" descr="ASP.NET Boilerplate NLayer Architecture">
-            <a:extLst>
-              <a:ext uri="{FF2B5EF4-FFF2-40B4-BE49-F238E27FC236}">
-                <a16:creationId xmlns:a16="http://schemas.microsoft.com/office/drawing/2014/main" id="{EEB1E9F9-367C-4578-AB2C-370879CB352A}"/>
-              </a:ext>
-            </a:extLst>
-          </p:cNvPr>
-          <p:cNvPicPr>
-            <a:picLocks noChangeAspect="1" noChangeArrowheads="1"/>
-          </p:cNvPicPr>
-          <p:nvPr/>
-        </p:nvPicPr>
-        <p:blipFill>
-          <a:blip r:embed="rId3">
-            <a:extLst>
-              <a:ext uri="{28A0092B-C50C-407E-A947-70E740481C1C}">
-                <a14:useLocalDpi xmlns:a14="http://schemas.microsoft.com/office/drawing/2010/main" val="0"/>
-              </a:ext>
-            </a:extLst>
-          </a:blip>
-          <a:srcRect/>
-          <a:stretch>
-            <a:fillRect/>
-          </a:stretch>
-        </p:blipFill>
-        <p:spPr bwMode="auto">
-          <a:xfrm>
-            <a:off x="5701973" y="1266635"/>
-            <a:ext cx="5144991" cy="5212561"/>
-          </a:xfrm>
-          <a:prstGeom prst="rect">
-            <a:avLst/>
-          </a:prstGeom>
-          <a:noFill/>
-          <a:extLst>
-            <a:ext uri="{909E8E84-426E-40DD-AFC4-6F175D3DCCD1}">
-              <a14:hiddenFill xmlns:a14="http://schemas.microsoft.com/office/drawing/2010/main">
-                <a:solidFill>
-                  <a:srgbClr val="FFFFFF"/>
-                </a:solidFill>
-              </a14:hiddenFill>
-            </a:ext>
-          </a:extLst>
         </p:spPr>
       </p:pic>
       <p:sp>
@@ -8987,8 +7967,8 @@
         </p:nvSpPr>
         <p:spPr>
           <a:xfrm>
-            <a:off x="609600" y="4344810"/>
-            <a:ext cx="4889165" cy="1815882"/>
+            <a:off x="7415868" y="2828835"/>
+            <a:ext cx="4889165" cy="1200329"/>
           </a:xfrm>
           <a:prstGeom prst="rect">
             <a:avLst/>
@@ -9006,7 +7986,7 @@
               <a:buChar char="•"/>
             </a:pPr>
             <a:r>
-              <a:rPr lang="en-US" sz="1400" dirty="0"/>
+              <a:rPr lang="en-US" sz="2400" dirty="0"/>
               <a:t>Layered &amp; Modular Architecture</a:t>
             </a:r>
           </a:p>
@@ -9016,8 +7996,8 @@
               <a:buChar char="•"/>
             </a:pPr>
             <a:r>
-              <a:rPr lang="en-US" sz="1400" dirty="0"/>
-              <a:t>Multi Tenancy / SaaS infrastructure</a:t>
+              <a:rPr lang="en-US" sz="2400" dirty="0"/>
+              <a:t>Multi Tenancy / SaaS</a:t>
             </a:r>
           </a:p>
           <a:p>
@@ -9026,30 +8006,9 @@
               <a:buChar char="•"/>
             </a:pPr>
             <a:r>
-              <a:rPr lang="en-US" sz="1400" dirty="0"/>
+              <a:rPr lang="en-US" sz="2400" dirty="0"/>
               <a:t>Domain Driven Design</a:t>
             </a:r>
-          </a:p>
-          <a:p>
-            <a:pPr marL="285750" indent="-285750">
-              <a:buFont typeface="Arial" panose="020B0604020202020204" pitchFamily="34" charset="0"/>
-              <a:buChar char="•"/>
-            </a:pPr>
-            <a:r>
-              <a:rPr lang="en-US" sz="1400" dirty="0"/>
-              <a:t>Exception handling, Caching, Audit logging, Validation, Authorization, Localization, Logging, Security…</a:t>
-            </a:r>
-          </a:p>
-          <a:p>
-            <a:pPr marL="285750" indent="-285750">
-              <a:buFont typeface="Arial" panose="020B0604020202020204" pitchFamily="34" charset="0"/>
-              <a:buChar char="•"/>
-            </a:pPr>
-            <a:r>
-              <a:rPr lang="en-US" sz="1400" dirty="0"/>
-              <a:t>Db Connection &amp; Transaction Management, Setting Management, Event Bus, Real Time Notifications, Dynamic API &amp; Proxying…</a:t>
-            </a:r>
-            <a:endParaRPr lang="tr-TR" sz="1400" dirty="0"/>
           </a:p>
         </p:txBody>
       </p:sp>
@@ -9103,7 +8062,7 @@
           <p:nvPr/>
         </p:nvPicPr>
         <p:blipFill>
-          <a:blip r:embed="rId4">
+          <a:blip r:embed="rId3">
             <a:extLst>
               <a:ext uri="{28A0092B-C50C-407E-A947-70E740481C1C}">
                 <a14:useLocalDpi xmlns:a14="http://schemas.microsoft.com/office/drawing/2010/main" val="0"/>
@@ -9166,42 +8125,90 @@
           <a:chExt cx="0" cy="0"/>
         </a:xfrm>
       </p:grpSpPr>
+      <p:sp>
+        <p:nvSpPr>
+          <p:cNvPr id="3" name="Title 2">
+            <a:extLst>
+              <a:ext uri="{FF2B5EF4-FFF2-40B4-BE49-F238E27FC236}">
+                <a16:creationId xmlns:a16="http://schemas.microsoft.com/office/drawing/2014/main" id="{21C32A36-2D0F-4701-8288-17525CFC602A}"/>
+              </a:ext>
+            </a:extLst>
+          </p:cNvPr>
+          <p:cNvSpPr>
+            <a:spLocks noGrp="1"/>
+          </p:cNvSpPr>
+          <p:nvPr>
+            <p:ph type="title"/>
+          </p:nvPr>
+        </p:nvSpPr>
+        <p:spPr/>
+        <p:txBody>
+          <a:bodyPr>
+            <a:normAutofit fontScale="90000"/>
+          </a:bodyPr>
+          <a:lstStyle/>
+          <a:p>
+            <a:r>
+              <a:rPr lang="nl-NL" dirty="0"/>
+              <a:t>.Net Standard vs .Net Core vs .Net Framework</a:t>
+            </a:r>
+            <a:endParaRPr lang="tr-TR" dirty="0"/>
+          </a:p>
+        </p:txBody>
+      </p:sp>
+      <p:pic>
+        <p:nvPicPr>
+          <p:cNvPr id="4100" name="Picture 4" descr="Related image">
+            <a:extLst>
+              <a:ext uri="{FF2B5EF4-FFF2-40B4-BE49-F238E27FC236}">
+                <a16:creationId xmlns:a16="http://schemas.microsoft.com/office/drawing/2014/main" id="{20124714-2337-4766-986A-FBE08F403FD9}"/>
+              </a:ext>
+            </a:extLst>
+          </p:cNvPr>
+          <p:cNvPicPr>
+            <a:picLocks noChangeAspect="1" noChangeArrowheads="1"/>
+          </p:cNvPicPr>
+          <p:nvPr/>
+        </p:nvPicPr>
+        <p:blipFill>
+          <a:blip r:embed="rId2">
+            <a:extLst>
+              <a:ext uri="{28A0092B-C50C-407E-A947-70E740481C1C}">
+                <a14:useLocalDpi xmlns:a14="http://schemas.microsoft.com/office/drawing/2010/main" val="0"/>
+              </a:ext>
+            </a:extLst>
+          </a:blip>
+          <a:srcRect/>
+          <a:stretch>
+            <a:fillRect/>
+          </a:stretch>
+        </p:blipFill>
+        <p:spPr bwMode="auto">
+          <a:xfrm>
+            <a:off x="609600" y="1728031"/>
+            <a:ext cx="5452148" cy="2980253"/>
+          </a:xfrm>
+          <a:prstGeom prst="rect">
+            <a:avLst/>
+          </a:prstGeom>
+          <a:noFill/>
+          <a:extLst>
+            <a:ext uri="{909E8E84-426E-40DD-AFC4-6F175D3DCCD1}">
+              <a14:hiddenFill xmlns:a14="http://schemas.microsoft.com/office/drawing/2010/main">
+                <a:solidFill>
+                  <a:srgbClr val="FFFFFF"/>
+                </a:solidFill>
+              </a14:hiddenFill>
+            </a:ext>
+          </a:extLst>
+        </p:spPr>
+      </p:pic>
       <p:pic>
         <p:nvPicPr>
           <p:cNvPr id="4" name="Picture 3">
             <a:extLst>
               <a:ext uri="{FF2B5EF4-FFF2-40B4-BE49-F238E27FC236}">
-                <a16:creationId xmlns:a16="http://schemas.microsoft.com/office/drawing/2014/main" id="{71C16A12-B4D9-43D9-AD4C-BDF32AB27F89}"/>
-              </a:ext>
-            </a:extLst>
-          </p:cNvPr>
-          <p:cNvPicPr>
-            <a:picLocks noChangeAspect="1"/>
-          </p:cNvPicPr>
-          <p:nvPr/>
-        </p:nvPicPr>
-        <p:blipFill>
-          <a:blip r:embed="rId2"/>
-          <a:stretch>
-            <a:fillRect/>
-          </a:stretch>
-        </p:blipFill>
-        <p:spPr>
-          <a:xfrm>
-            <a:off x="609600" y="1551569"/>
-            <a:ext cx="9948043" cy="4052277"/>
-          </a:xfrm>
-          <a:prstGeom prst="rect">
-            <a:avLst/>
-          </a:prstGeom>
-        </p:spPr>
-      </p:pic>
-      <p:pic>
-        <p:nvPicPr>
-          <p:cNvPr id="6" name="Picture 5">
-            <a:extLst>
-              <a:ext uri="{FF2B5EF4-FFF2-40B4-BE49-F238E27FC236}">
-                <a16:creationId xmlns:a16="http://schemas.microsoft.com/office/drawing/2014/main" id="{E6A3993A-B821-4058-BD7F-7AC0EA6B56C0}"/>
+                <a16:creationId xmlns:a16="http://schemas.microsoft.com/office/drawing/2014/main" id="{D56FCE65-DE50-44EA-8989-EB016657B436}"/>
               </a:ext>
             </a:extLst>
           </p:cNvPr>
@@ -9224,124 +8231,18 @@
         </p:blipFill>
         <p:spPr>
           <a:xfrm>
-            <a:off x="609600" y="629044"/>
-            <a:ext cx="2021884" cy="846664"/>
+            <a:off x="6175375" y="1728031"/>
+            <a:ext cx="5263972" cy="2980253"/>
           </a:xfrm>
           <a:prstGeom prst="rect">
             <a:avLst/>
           </a:prstGeom>
         </p:spPr>
       </p:pic>
-      <p:pic>
-        <p:nvPicPr>
-          <p:cNvPr id="7" name="Picture 6">
-            <a:extLst>
-              <a:ext uri="{FF2B5EF4-FFF2-40B4-BE49-F238E27FC236}">
-                <a16:creationId xmlns:a16="http://schemas.microsoft.com/office/drawing/2014/main" id="{AEFA8E79-0C0B-42E7-8299-F8811F4CB3CD}"/>
-              </a:ext>
-            </a:extLst>
-          </p:cNvPr>
-          <p:cNvPicPr>
-            <a:picLocks noChangeAspect="1"/>
-          </p:cNvPicPr>
-          <p:nvPr/>
-        </p:nvPicPr>
-        <p:blipFill>
-          <a:blip r:embed="rId4" cstate="print">
-            <a:extLst>
-              <a:ext uri="{28A0092B-C50C-407E-A947-70E740481C1C}">
-                <a14:useLocalDpi xmlns:a14="http://schemas.microsoft.com/office/drawing/2010/main" val="0"/>
-              </a:ext>
-            </a:extLst>
-          </a:blip>
-          <a:stretch>
-            <a:fillRect/>
-          </a:stretch>
-        </p:blipFill>
-        <p:spPr>
-          <a:xfrm>
-            <a:off x="7869148" y="980370"/>
-            <a:ext cx="2714800" cy="571199"/>
-          </a:xfrm>
-          <a:prstGeom prst="rect">
-            <a:avLst/>
-          </a:prstGeom>
-        </p:spPr>
-      </p:pic>
-      <p:sp>
-        <p:nvSpPr>
-          <p:cNvPr id="8" name="TextBox 7">
-            <a:extLst>
-              <a:ext uri="{FF2B5EF4-FFF2-40B4-BE49-F238E27FC236}">
-                <a16:creationId xmlns:a16="http://schemas.microsoft.com/office/drawing/2014/main" id="{FF39D30C-C4A1-40C8-978B-B0CF1EF87994}"/>
-              </a:ext>
-            </a:extLst>
-          </p:cNvPr>
-          <p:cNvSpPr txBox="1"/>
-          <p:nvPr/>
-        </p:nvSpPr>
-        <p:spPr>
-          <a:xfrm>
-            <a:off x="6279908" y="1158579"/>
-            <a:ext cx="1849025" cy="369332"/>
-          </a:xfrm>
-          <a:prstGeom prst="rect">
-            <a:avLst/>
-          </a:prstGeom>
-          <a:noFill/>
-        </p:spPr>
-        <p:txBody>
-          <a:bodyPr wrap="square" rtlCol="0">
-            <a:spAutoFit/>
-          </a:bodyPr>
-          <a:lstStyle/>
-          <a:p>
-            <a:r>
-              <a:rPr lang="tr-TR" dirty="0"/>
-              <a:t>aspnetzero.com</a:t>
-            </a:r>
-          </a:p>
-        </p:txBody>
-      </p:sp>
-      <p:sp>
-        <p:nvSpPr>
-          <p:cNvPr id="10" name="TextBox 9">
-            <a:extLst>
-              <a:ext uri="{FF2B5EF4-FFF2-40B4-BE49-F238E27FC236}">
-                <a16:creationId xmlns:a16="http://schemas.microsoft.com/office/drawing/2014/main" id="{C8A241CD-C31E-49F6-9232-D81FDCA510EB}"/>
-              </a:ext>
-            </a:extLst>
-          </p:cNvPr>
-          <p:cNvSpPr txBox="1"/>
-          <p:nvPr/>
-        </p:nvSpPr>
-        <p:spPr>
-          <a:xfrm>
-            <a:off x="2631484" y="1166968"/>
-            <a:ext cx="2285527" cy="369332"/>
-          </a:xfrm>
-          <a:prstGeom prst="rect">
-            <a:avLst/>
-          </a:prstGeom>
-          <a:noFill/>
-        </p:spPr>
-        <p:txBody>
-          <a:bodyPr wrap="square" rtlCol="0">
-            <a:spAutoFit/>
-          </a:bodyPr>
-          <a:lstStyle/>
-          <a:p>
-            <a:r>
-              <a:rPr lang="tr-TR" dirty="0"/>
-              <a:t>aspnetboilerplate.com</a:t>
-            </a:r>
-          </a:p>
-        </p:txBody>
-      </p:sp>
     </p:spTree>
     <p:extLst>
       <p:ext uri="{BB962C8B-B14F-4D97-AF65-F5344CB8AC3E}">
-        <p14:creationId xmlns:p14="http://schemas.microsoft.com/office/powerpoint/2010/main" val="1003277155"/>
+        <p14:creationId xmlns:p14="http://schemas.microsoft.com/office/powerpoint/2010/main" val="2041092464"/>
       </p:ext>
     </p:extLst>
   </p:cSld>
@@ -9382,10 +8283,107 @@
       </p:grpSpPr>
       <p:sp>
         <p:nvSpPr>
+          <p:cNvPr id="2" name="Content Placeholder 1">
+            <a:extLst>
+              <a:ext uri="{FF2B5EF4-FFF2-40B4-BE49-F238E27FC236}">
+                <a16:creationId xmlns:a16="http://schemas.microsoft.com/office/drawing/2014/main" id="{11BF1470-2C2E-462F-8CC8-26B250512425}"/>
+              </a:ext>
+            </a:extLst>
+          </p:cNvPr>
+          <p:cNvSpPr>
+            <a:spLocks noGrp="1"/>
+          </p:cNvSpPr>
+          <p:nvPr>
+            <p:ph idx="1"/>
+          </p:nvPr>
+        </p:nvSpPr>
+        <p:spPr/>
+        <p:txBody>
+          <a:bodyPr>
+            <a:normAutofit/>
+          </a:bodyPr>
+          <a:lstStyle/>
+          <a:p>
+            <a:pPr marL="36576" indent="0">
+              <a:buNone/>
+            </a:pPr>
+            <a:r>
+              <a:rPr lang="en-US" dirty="0"/>
+              <a:t>Independent from ASP.NET Core!</a:t>
+            </a:r>
+          </a:p>
+          <a:p>
+            <a:r>
+              <a:rPr lang="en-US" dirty="0"/>
+              <a:t>Dependency Injection (and 3</a:t>
+            </a:r>
+            <a:r>
+              <a:rPr lang="en-US" baseline="30000" dirty="0"/>
+              <a:t>rd</a:t>
+            </a:r>
+            <a:r>
+              <a:rPr lang="en-US" dirty="0"/>
+              <a:t>-party adapters)</a:t>
+            </a:r>
+          </a:p>
+          <a:p>
+            <a:pPr lvl="1"/>
+            <a:r>
+              <a:rPr lang="en-US" sz="2200" dirty="0"/>
+              <a:t>Castle Windsor: </a:t>
+            </a:r>
+            <a:r>
+              <a:rPr lang="en-US" sz="2200" i="1" dirty="0"/>
+              <a:t>https://github.com/volosoft/castle-windsor-ms-adapter</a:t>
+            </a:r>
+          </a:p>
+          <a:p>
+            <a:r>
+              <a:rPr lang="en-US" dirty="0"/>
+              <a:t>Configuration (</a:t>
+            </a:r>
+            <a:r>
+              <a:rPr lang="en-US" dirty="0" err="1"/>
+              <a:t>appsettings.json</a:t>
+            </a:r>
+            <a:r>
+              <a:rPr lang="en-US" dirty="0"/>
+              <a:t> and more)</a:t>
+            </a:r>
+          </a:p>
+          <a:p>
+            <a:r>
+              <a:rPr lang="en-US" dirty="0"/>
+              <a:t>Logging</a:t>
+            </a:r>
+          </a:p>
+          <a:p>
+            <a:r>
+              <a:rPr lang="en-US" dirty="0"/>
+              <a:t>Caching</a:t>
+            </a:r>
+          </a:p>
+          <a:p>
+            <a:r>
+              <a:rPr lang="en-US" dirty="0"/>
+              <a:t>Localization</a:t>
+            </a:r>
+          </a:p>
+          <a:p>
+            <a:r>
+              <a:rPr lang="en-US" dirty="0"/>
+              <a:t>…</a:t>
+            </a:r>
+            <a:endParaRPr lang="tr-TR" dirty="0"/>
+          </a:p>
+        </p:txBody>
+      </p:sp>
+      <p:sp>
+        <p:nvSpPr>
           <p:cNvPr id="3" name="Title 2">
             <a:extLst>
               <a:ext uri="{FF2B5EF4-FFF2-40B4-BE49-F238E27FC236}">
-                <a16:creationId xmlns:a16="http://schemas.microsoft.com/office/drawing/2014/main" id="{21C32A36-2D0F-4701-8288-17525CFC602A}"/>
+                <a16:creationId xmlns:a16="http://schemas.microsoft.com/office/drawing/2014/main" id="{35BB5781-35EA-43EE-ABED-D9EBE151C927}"/>
               </a:ext>
             </a:extLst>
           </p:cNvPr>
@@ -9398,231 +8396,21 @@
         </p:nvSpPr>
         <p:spPr/>
         <p:txBody>
-          <a:bodyPr>
-            <a:normAutofit fontScale="90000"/>
-          </a:bodyPr>
+          <a:bodyPr/>
           <a:lstStyle/>
           <a:p>
             <a:r>
-              <a:rPr lang="nl-NL" dirty="0"/>
-              <a:t>.Net Standard vs .Net Core vs .Net Framework</a:t>
+              <a:rPr lang="en-US" dirty="0"/>
+              <a:t>Microsoft.Extensions.* Libraries</a:t>
             </a:r>
             <a:endParaRPr lang="tr-TR" dirty="0"/>
-          </a:p>
-        </p:txBody>
-      </p:sp>
-      <p:pic>
-        <p:nvPicPr>
-          <p:cNvPr id="4100" name="Picture 4" descr="Related image">
-            <a:extLst>
-              <a:ext uri="{FF2B5EF4-FFF2-40B4-BE49-F238E27FC236}">
-                <a16:creationId xmlns:a16="http://schemas.microsoft.com/office/drawing/2014/main" id="{20124714-2337-4766-986A-FBE08F403FD9}"/>
-              </a:ext>
-            </a:extLst>
-          </p:cNvPr>
-          <p:cNvPicPr>
-            <a:picLocks noChangeAspect="1" noChangeArrowheads="1"/>
-          </p:cNvPicPr>
-          <p:nvPr/>
-        </p:nvPicPr>
-        <p:blipFill>
-          <a:blip r:embed="rId2">
-            <a:extLst>
-              <a:ext uri="{28A0092B-C50C-407E-A947-70E740481C1C}">
-                <a14:useLocalDpi xmlns:a14="http://schemas.microsoft.com/office/drawing/2010/main" val="0"/>
-              </a:ext>
-            </a:extLst>
-          </a:blip>
-          <a:srcRect/>
-          <a:stretch>
-            <a:fillRect/>
-          </a:stretch>
-        </p:blipFill>
-        <p:spPr bwMode="auto">
-          <a:xfrm>
-            <a:off x="6082018" y="1417638"/>
-            <a:ext cx="5452148" cy="2980253"/>
-          </a:xfrm>
-          <a:prstGeom prst="rect">
-            <a:avLst/>
-          </a:prstGeom>
-          <a:noFill/>
-          <a:extLst>
-            <a:ext uri="{909E8E84-426E-40DD-AFC4-6F175D3DCCD1}">
-              <a14:hiddenFill xmlns:a14="http://schemas.microsoft.com/office/drawing/2010/main">
-                <a:solidFill>
-                  <a:srgbClr val="FFFFFF"/>
-                </a:solidFill>
-              </a14:hiddenFill>
-            </a:ext>
-          </a:extLst>
-        </p:spPr>
-      </p:pic>
-      <p:sp>
-        <p:nvSpPr>
-          <p:cNvPr id="7" name="TextBox 6">
-            <a:extLst>
-              <a:ext uri="{FF2B5EF4-FFF2-40B4-BE49-F238E27FC236}">
-                <a16:creationId xmlns:a16="http://schemas.microsoft.com/office/drawing/2014/main" id="{CA2C1964-0962-4FE6-AD17-421BB8761703}"/>
-              </a:ext>
-            </a:extLst>
-          </p:cNvPr>
-          <p:cNvSpPr txBox="1"/>
-          <p:nvPr/>
-        </p:nvSpPr>
-        <p:spPr>
-          <a:xfrm>
-            <a:off x="609600" y="1417638"/>
-            <a:ext cx="5371750" cy="4247317"/>
-          </a:xfrm>
-          <a:prstGeom prst="rect">
-            <a:avLst/>
-          </a:prstGeom>
-          <a:noFill/>
-        </p:spPr>
-        <p:txBody>
-          <a:bodyPr wrap="square" rtlCol="0">
-            <a:spAutoFit/>
-          </a:bodyPr>
-          <a:lstStyle/>
-          <a:p>
-            <a:r>
-              <a:rPr lang="en-US" b="1" dirty="0" err="1"/>
-              <a:t>.Net</a:t>
-            </a:r>
-            <a:r>
-              <a:rPr lang="en-US" b="1" dirty="0"/>
-              <a:t> Core</a:t>
-            </a:r>
-          </a:p>
-          <a:p>
-            <a:pPr marL="285750" indent="-285750">
-              <a:buFont typeface="Arial" panose="020B0604020202020204" pitchFamily="34" charset="0"/>
-              <a:buChar char="•"/>
-            </a:pPr>
-            <a:r>
-              <a:rPr lang="en-US" dirty="0"/>
-              <a:t>Open Source</a:t>
-            </a:r>
-          </a:p>
-          <a:p>
-            <a:pPr marL="285750" indent="-285750">
-              <a:buFont typeface="Arial" panose="020B0604020202020204" pitchFamily="34" charset="0"/>
-              <a:buChar char="•"/>
-            </a:pPr>
-            <a:r>
-              <a:rPr lang="en-US" dirty="0"/>
-              <a:t>Cross Platform</a:t>
-            </a:r>
-          </a:p>
-          <a:p>
-            <a:endParaRPr lang="en-US" dirty="0"/>
-          </a:p>
-          <a:p>
-            <a:r>
-              <a:rPr lang="en-US" b="1" dirty="0"/>
-              <a:t>ASP.NET Core</a:t>
-            </a:r>
-          </a:p>
-          <a:p>
-            <a:pPr marL="285750" indent="-285750">
-              <a:buFont typeface="Arial" panose="020B0604020202020204" pitchFamily="34" charset="0"/>
-              <a:buChar char="•"/>
-            </a:pPr>
-            <a:r>
-              <a:rPr lang="en-US" dirty="0"/>
-              <a:t>Modern, Lightweight, Componentized Architecture</a:t>
-            </a:r>
-          </a:p>
-          <a:p>
-            <a:pPr marL="285750" indent="-285750">
-              <a:buFont typeface="Arial" panose="020B0604020202020204" pitchFamily="34" charset="0"/>
-              <a:buChar char="•"/>
-            </a:pPr>
-            <a:r>
-              <a:rPr lang="en-US" dirty="0"/>
-              <a:t>High-performance, Microservice-Focused!</a:t>
-            </a:r>
-          </a:p>
-          <a:p>
-            <a:pPr marL="285750" indent="-285750">
-              <a:buFont typeface="Arial" panose="020B0604020202020204" pitchFamily="34" charset="0"/>
-              <a:buChar char="•"/>
-            </a:pPr>
-            <a:r>
-              <a:rPr lang="en-US" dirty="0"/>
-              <a:t>Unified Web Stack (MVC UI + Web API)</a:t>
-            </a:r>
-          </a:p>
-          <a:p>
-            <a:pPr marL="285750" indent="-285750">
-              <a:buFont typeface="Arial" panose="020B0604020202020204" pitchFamily="34" charset="0"/>
-              <a:buChar char="•"/>
-            </a:pPr>
-            <a:r>
-              <a:rPr lang="en-US" dirty="0"/>
-              <a:t>Extensible</a:t>
-            </a:r>
-          </a:p>
-          <a:p>
-            <a:pPr marL="285750" indent="-285750">
-              <a:buFont typeface="Arial" panose="020B0604020202020204" pitchFamily="34" charset="0"/>
-              <a:buChar char="•"/>
-            </a:pPr>
-            <a:r>
-              <a:rPr lang="en-US" dirty="0"/>
-              <a:t>Testable</a:t>
-            </a:r>
-          </a:p>
-          <a:p>
-            <a:pPr marL="285750" indent="-285750">
-              <a:buFont typeface="Arial" panose="020B0604020202020204" pitchFamily="34" charset="0"/>
-              <a:buChar char="•"/>
-            </a:pPr>
-            <a:endParaRPr lang="en-US" dirty="0"/>
-          </a:p>
-          <a:p>
-            <a:r>
-              <a:rPr lang="en-US" b="1" dirty="0"/>
-              <a:t>Others</a:t>
-            </a:r>
-          </a:p>
-          <a:p>
-            <a:pPr marL="285750" indent="-285750">
-              <a:buFont typeface="Arial" panose="020B0604020202020204" pitchFamily="34" charset="0"/>
-              <a:buChar char="•"/>
-            </a:pPr>
-            <a:r>
-              <a:rPr lang="en-US" dirty="0"/>
-              <a:t>Entity Framework Core</a:t>
-            </a:r>
-          </a:p>
-          <a:p>
-            <a:pPr marL="285750" indent="-285750">
-              <a:buFont typeface="Arial" panose="020B0604020202020204" pitchFamily="34" charset="0"/>
-              <a:buChar char="•"/>
-            </a:pPr>
-            <a:r>
-              <a:rPr lang="en-US" dirty="0"/>
-              <a:t>ASP.NET Core Identity</a:t>
-            </a:r>
-          </a:p>
-          <a:p>
-            <a:pPr marL="285750" indent="-285750">
-              <a:buFont typeface="Arial" panose="020B0604020202020204" pitchFamily="34" charset="0"/>
-              <a:buChar char="•"/>
-            </a:pPr>
-            <a:r>
-              <a:rPr lang="en-US" dirty="0"/>
-              <a:t>IdentityServer4</a:t>
-            </a:r>
           </a:p>
         </p:txBody>
       </p:sp>
     </p:spTree>
     <p:extLst>
       <p:ext uri="{BB962C8B-B14F-4D97-AF65-F5344CB8AC3E}">
-        <p14:creationId xmlns:p14="http://schemas.microsoft.com/office/powerpoint/2010/main" val="2041092464"/>
+        <p14:creationId xmlns:p14="http://schemas.microsoft.com/office/powerpoint/2010/main" val="2104921612"/>
       </p:ext>
     </p:extLst>
   </p:cSld>
@@ -9663,10 +8451,83 @@
       </p:grpSpPr>
       <p:sp>
         <p:nvSpPr>
+          <p:cNvPr id="2" name="Content Placeholder 1">
+            <a:extLst>
+              <a:ext uri="{FF2B5EF4-FFF2-40B4-BE49-F238E27FC236}">
+                <a16:creationId xmlns:a16="http://schemas.microsoft.com/office/drawing/2014/main" id="{3B550DBC-7195-48A3-98AB-197E72171AC5}"/>
+              </a:ext>
+            </a:extLst>
+          </p:cNvPr>
+          <p:cNvSpPr>
+            <a:spLocks noGrp="1"/>
+          </p:cNvSpPr>
+          <p:nvPr>
+            <p:ph idx="1"/>
+          </p:nvPr>
+        </p:nvSpPr>
+        <p:spPr/>
+        <p:txBody>
+          <a:bodyPr/>
+          <a:lstStyle/>
+          <a:p>
+            <a:pPr marL="285750" indent="-285750">
+              <a:buFont typeface="Arial" panose="020B0604020202020204" pitchFamily="34" charset="0"/>
+              <a:buChar char="•"/>
+            </a:pPr>
+            <a:r>
+              <a:rPr lang="en-US" dirty="0"/>
+              <a:t>Modern, Lightweight, Componentized Architecture</a:t>
+            </a:r>
+          </a:p>
+          <a:p>
+            <a:pPr marL="285750" indent="-285750">
+              <a:buFont typeface="Arial" panose="020B0604020202020204" pitchFamily="34" charset="0"/>
+              <a:buChar char="•"/>
+            </a:pPr>
+            <a:r>
+              <a:rPr lang="en-US" dirty="0"/>
+              <a:t>High-performance, Microservice-Focused!</a:t>
+            </a:r>
+          </a:p>
+          <a:p>
+            <a:pPr marL="285750" indent="-285750">
+              <a:buFont typeface="Arial" panose="020B0604020202020204" pitchFamily="34" charset="0"/>
+              <a:buChar char="•"/>
+            </a:pPr>
+            <a:r>
+              <a:rPr lang="en-US" dirty="0"/>
+              <a:t>Unified Web Stack (MVC UI + Web API)</a:t>
+            </a:r>
+          </a:p>
+          <a:p>
+            <a:pPr marL="285750" indent="-285750">
+              <a:buFont typeface="Arial" panose="020B0604020202020204" pitchFamily="34" charset="0"/>
+              <a:buChar char="•"/>
+            </a:pPr>
+            <a:r>
+              <a:rPr lang="en-US" dirty="0"/>
+              <a:t>Extensible</a:t>
+            </a:r>
+          </a:p>
+          <a:p>
+            <a:pPr marL="285750" indent="-285750">
+              <a:buFont typeface="Arial" panose="020B0604020202020204" pitchFamily="34" charset="0"/>
+              <a:buChar char="•"/>
+            </a:pPr>
+            <a:r>
+              <a:rPr lang="en-US" dirty="0"/>
+              <a:t>Testable</a:t>
+            </a:r>
+            <a:endParaRPr lang="tr-TR" dirty="0"/>
+          </a:p>
+        </p:txBody>
+      </p:sp>
+      <p:sp>
+        <p:nvSpPr>
           <p:cNvPr id="3" name="Title 2">
             <a:extLst>
               <a:ext uri="{FF2B5EF4-FFF2-40B4-BE49-F238E27FC236}">
-                <a16:creationId xmlns:a16="http://schemas.microsoft.com/office/drawing/2014/main" id="{70B17177-5CA0-4902-9151-E3593039EB7A}"/>
+                <a16:creationId xmlns:a16="http://schemas.microsoft.com/office/drawing/2014/main" id="{A1114BAC-D806-420E-8886-245B6635FD8F}"/>
               </a:ext>
             </a:extLst>
           </p:cNvPr>
@@ -9683,51 +8544,17 @@
           <a:lstStyle/>
           <a:p>
             <a:r>
-              <a:rPr lang="en-US" dirty="0" err="1"/>
-              <a:t>.Net</a:t>
-            </a:r>
-            <a:r>
-              <a:rPr lang="en-US" dirty="0"/>
-              <a:t> Standard Support</a:t>
+              <a:rPr lang="en-US" dirty="0"/>
+              <a:t>ASP.NET Core</a:t>
             </a:r>
             <a:endParaRPr lang="tr-TR" dirty="0"/>
           </a:p>
         </p:txBody>
       </p:sp>
-      <p:pic>
-        <p:nvPicPr>
-          <p:cNvPr id="4" name="Picture 3">
-            <a:extLst>
-              <a:ext uri="{FF2B5EF4-FFF2-40B4-BE49-F238E27FC236}">
-                <a16:creationId xmlns:a16="http://schemas.microsoft.com/office/drawing/2014/main" id="{262483B7-EC15-49F6-9A24-9E1E73FAA3D8}"/>
-              </a:ext>
-            </a:extLst>
-          </p:cNvPr>
-          <p:cNvPicPr>
-            <a:picLocks noChangeAspect="1"/>
-          </p:cNvPicPr>
-          <p:nvPr/>
-        </p:nvPicPr>
-        <p:blipFill>
-          <a:blip r:embed="rId2"/>
-          <a:stretch>
-            <a:fillRect/>
-          </a:stretch>
-        </p:blipFill>
-        <p:spPr>
-          <a:xfrm>
-            <a:off x="609599" y="1417637"/>
-            <a:ext cx="6495875" cy="4400657"/>
-          </a:xfrm>
-          <a:prstGeom prst="rect">
-            <a:avLst/>
-          </a:prstGeom>
-        </p:spPr>
-      </p:pic>
     </p:spTree>
     <p:extLst>
       <p:ext uri="{BB962C8B-B14F-4D97-AF65-F5344CB8AC3E}">
-        <p14:creationId xmlns:p14="http://schemas.microsoft.com/office/powerpoint/2010/main" val="3274098438"/>
+        <p14:creationId xmlns:p14="http://schemas.microsoft.com/office/powerpoint/2010/main" val="48620360"/>
       </p:ext>
     </p:extLst>
   </p:cSld>
@@ -9768,10 +8595,10 @@
       </p:grpSpPr>
       <p:sp>
         <p:nvSpPr>
-          <p:cNvPr id="2" name="Content Placeholder 1">
+          <p:cNvPr id="3" name="Title 2">
             <a:extLst>
               <a:ext uri="{FF2B5EF4-FFF2-40B4-BE49-F238E27FC236}">
-                <a16:creationId xmlns:a16="http://schemas.microsoft.com/office/drawing/2014/main" id="{090BF765-D047-462A-B8D0-BACD37021C81}"/>
+                <a16:creationId xmlns:a16="http://schemas.microsoft.com/office/drawing/2014/main" id="{F411D866-B0DA-49FF-925F-02C4F26692CA}"/>
               </a:ext>
             </a:extLst>
           </p:cNvPr>
@@ -9779,110 +8606,173 @@
             <a:spLocks noGrp="1"/>
           </p:cNvSpPr>
           <p:nvPr>
-            <p:ph idx="1"/>
+            <p:ph type="title"/>
           </p:nvPr>
         </p:nvSpPr>
         <p:spPr/>
         <p:txBody>
-          <a:bodyPr/>
+          <a:bodyPr>
+            <a:normAutofit fontScale="90000"/>
+          </a:bodyPr>
           <a:lstStyle/>
           <a:p>
-            <a:pPr marL="36576" indent="0">
-              <a:buNone/>
-            </a:pPr>
-            <a:r>
-              <a:rPr lang="en-US" sz="2800" dirty="0"/>
-              <a:t>Runs on </a:t>
-            </a:r>
-            <a:r>
-              <a:rPr lang="en-US" sz="2800" dirty="0" err="1"/>
-              <a:t>.Net</a:t>
-            </a:r>
-            <a:r>
-              <a:rPr lang="en-US" sz="2800" dirty="0"/>
-              <a:t> Core 2.0 &amp; </a:t>
-            </a:r>
-            <a:r>
-              <a:rPr lang="en-US" sz="2800" dirty="0" err="1"/>
-              <a:t>.Net</a:t>
-            </a:r>
-            <a:r>
-              <a:rPr lang="en-US" sz="2800" dirty="0"/>
-              <a:t> Framework 4.6.1. (.netstandard2.0</a:t>
-            </a:r>
-            <a:r>
-              <a:rPr lang="en-US" dirty="0"/>
-              <a:t>)</a:t>
-            </a:r>
-          </a:p>
-          <a:p>
+            <a:r>
+              <a:rPr lang="en-US" dirty="0"/>
+              <a:t>ASP.NET Core</a:t>
+            </a:r>
+            <a:br>
+              <a:rPr lang="en-US" dirty="0"/>
+            </a:br>
+            <a:r>
+              <a:rPr lang="en-US" sz="2700" dirty="0"/>
+              <a:t>Middleware Pipeline</a:t>
+            </a:r>
             <a:endParaRPr lang="tr-TR" dirty="0"/>
           </a:p>
         </p:txBody>
       </p:sp>
-      <p:sp>
-        <p:nvSpPr>
-          <p:cNvPr id="3" name="Title 2">
+      <p:pic>
+        <p:nvPicPr>
+          <p:cNvPr id="6148" name="Picture 4" descr="Request processing pattern showing a request arriving, processing through three middlewares, and the response leaving the application. Each middleware runs its logic and hands off the request to the next middleware at the next() statement. After the third middleware processes the request, it's handed back through the prior two middlewares for additional processing after the next() statements each in turn before leaving the application as a response to the client.">
             <a:extLst>
               <a:ext uri="{FF2B5EF4-FFF2-40B4-BE49-F238E27FC236}">
-                <a16:creationId xmlns:a16="http://schemas.microsoft.com/office/drawing/2014/main" id="{044DE560-B8BE-410F-82DB-D2D8DA114B5B}"/>
-              </a:ext>
-            </a:extLst>
-          </p:cNvPr>
-          <p:cNvSpPr>
-            <a:spLocks noGrp="1"/>
-          </p:cNvSpPr>
-          <p:nvPr>
-            <p:ph type="title"/>
-          </p:nvPr>
-        </p:nvSpPr>
-        <p:spPr/>
-        <p:txBody>
-          <a:bodyPr/>
-          <a:lstStyle/>
-          <a:p>
-            <a:r>
-              <a:rPr lang="en-US" dirty="0"/>
-              <a:t>ASP.NET Core</a:t>
-            </a:r>
-            <a:endParaRPr lang="tr-TR" dirty="0"/>
-          </a:p>
-        </p:txBody>
-      </p:sp>
-      <p:pic>
-        <p:nvPicPr>
-          <p:cNvPr id="5" name="Picture 4">
-            <a:extLst>
-              <a:ext uri="{FF2B5EF4-FFF2-40B4-BE49-F238E27FC236}">
-                <a16:creationId xmlns:a16="http://schemas.microsoft.com/office/drawing/2014/main" id="{CE476422-19B3-4ED3-A473-E44B82340872}"/>
+                <a16:creationId xmlns:a16="http://schemas.microsoft.com/office/drawing/2014/main" id="{2FEE7249-3112-4091-9D0C-CB1E33420A80}"/>
               </a:ext>
             </a:extLst>
           </p:cNvPr>
           <p:cNvPicPr>
-            <a:picLocks noChangeAspect="1"/>
+            <a:picLocks noChangeAspect="1" noChangeArrowheads="1"/>
           </p:cNvPicPr>
           <p:nvPr/>
         </p:nvPicPr>
         <p:blipFill>
-          <a:blip r:embed="rId2"/>
+          <a:blip r:embed="rId2">
+            <a:extLst>
+              <a:ext uri="{28A0092B-C50C-407E-A947-70E740481C1C}">
+                <a14:useLocalDpi xmlns:a14="http://schemas.microsoft.com/office/drawing/2010/main" val="0"/>
+              </a:ext>
+            </a:extLst>
+          </a:blip>
+          <a:srcRect/>
           <a:stretch>
             <a:fillRect/>
           </a:stretch>
         </p:blipFill>
-        <p:spPr>
+        <p:spPr bwMode="auto">
           <a:xfrm>
-            <a:off x="763587" y="2213688"/>
-            <a:ext cx="9648825" cy="3990975"/>
+            <a:off x="609599" y="1499530"/>
+            <a:ext cx="7094598" cy="4540543"/>
           </a:xfrm>
           <a:prstGeom prst="rect">
             <a:avLst/>
           </a:prstGeom>
+          <a:noFill/>
+          <a:extLst>
+            <a:ext uri="{909E8E84-426E-40DD-AFC4-6F175D3DCCD1}">
+              <a14:hiddenFill xmlns:a14="http://schemas.microsoft.com/office/drawing/2010/main">
+                <a:solidFill>
+                  <a:srgbClr val="FFFFFF"/>
+                </a:solidFill>
+              </a14:hiddenFill>
+            </a:ext>
+          </a:extLst>
         </p:spPr>
       </p:pic>
+      <p:sp>
+        <p:nvSpPr>
+          <p:cNvPr id="5" name="TextBox 4">
+            <a:extLst>
+              <a:ext uri="{FF2B5EF4-FFF2-40B4-BE49-F238E27FC236}">
+                <a16:creationId xmlns:a16="http://schemas.microsoft.com/office/drawing/2014/main" id="{59C05A36-C72E-47E3-B7B5-E80C761A87FD}"/>
+              </a:ext>
+            </a:extLst>
+          </p:cNvPr>
+          <p:cNvSpPr txBox="1"/>
+          <p:nvPr/>
+        </p:nvSpPr>
+        <p:spPr>
+          <a:xfrm>
+            <a:off x="7935986" y="2551837"/>
+            <a:ext cx="4983060" cy="1938992"/>
+          </a:xfrm>
+          <a:prstGeom prst="rect">
+            <a:avLst/>
+          </a:prstGeom>
+          <a:noFill/>
+        </p:spPr>
+        <p:txBody>
+          <a:bodyPr wrap="square" rtlCol="0">
+            <a:spAutoFit/>
+          </a:bodyPr>
+          <a:lstStyle/>
+          <a:p>
+            <a:r>
+              <a:rPr lang="en-US" sz="2000" dirty="0"/>
+              <a:t>Common </a:t>
+            </a:r>
+            <a:r>
+              <a:rPr lang="en-US" sz="2000" dirty="0" err="1"/>
+              <a:t>Middlewares</a:t>
+            </a:r>
+            <a:endParaRPr lang="en-US" sz="2000" dirty="0"/>
+          </a:p>
+          <a:p>
+            <a:pPr marL="285750" indent="-285750">
+              <a:buFont typeface="Arial" panose="020B0604020202020204" pitchFamily="34" charset="0"/>
+              <a:buChar char="•"/>
+            </a:pPr>
+            <a:r>
+              <a:rPr lang="en-US" sz="2000" dirty="0"/>
+              <a:t>Authentication</a:t>
+            </a:r>
+          </a:p>
+          <a:p>
+            <a:pPr marL="285750" indent="-285750">
+              <a:buFont typeface="Arial" panose="020B0604020202020204" pitchFamily="34" charset="0"/>
+              <a:buChar char="•"/>
+            </a:pPr>
+            <a:r>
+              <a:rPr lang="en-US" sz="2000" dirty="0"/>
+              <a:t>Request Localization</a:t>
+            </a:r>
+          </a:p>
+          <a:p>
+            <a:pPr marL="285750" indent="-285750">
+              <a:buFont typeface="Arial" panose="020B0604020202020204" pitchFamily="34" charset="0"/>
+              <a:buChar char="•"/>
+            </a:pPr>
+            <a:r>
+              <a:rPr lang="en-US" sz="2000" dirty="0"/>
+              <a:t>Exception Page</a:t>
+            </a:r>
+          </a:p>
+          <a:p>
+            <a:pPr marL="285750" indent="-285750">
+              <a:buFont typeface="Arial" panose="020B0604020202020204" pitchFamily="34" charset="0"/>
+              <a:buChar char="•"/>
+            </a:pPr>
+            <a:r>
+              <a:rPr lang="en-US" sz="2000" dirty="0"/>
+              <a:t>Static Files</a:t>
+            </a:r>
+          </a:p>
+          <a:p>
+            <a:pPr marL="285750" indent="-285750">
+              <a:buFont typeface="Arial" panose="020B0604020202020204" pitchFamily="34" charset="0"/>
+              <a:buChar char="•"/>
+            </a:pPr>
+            <a:r>
+              <a:rPr lang="en-US" sz="2000" dirty="0"/>
+              <a:t>MVC</a:t>
+            </a:r>
+            <a:endParaRPr lang="tr-TR" sz="2000" dirty="0"/>
+          </a:p>
+        </p:txBody>
+      </p:sp>
     </p:spTree>
     <p:extLst>
       <p:ext uri="{BB962C8B-B14F-4D97-AF65-F5344CB8AC3E}">
-        <p14:creationId xmlns:p14="http://schemas.microsoft.com/office/powerpoint/2010/main" val="3283189004"/>
+        <p14:creationId xmlns:p14="http://schemas.microsoft.com/office/powerpoint/2010/main" val="331917947"/>
       </p:ext>
     </p:extLst>
   </p:cSld>
@@ -9923,10 +8813,10 @@
       </p:grpSpPr>
       <p:sp>
         <p:nvSpPr>
-          <p:cNvPr id="2" name="Content Placeholder 1">
+          <p:cNvPr id="3" name="Title 2">
             <a:extLst>
               <a:ext uri="{FF2B5EF4-FFF2-40B4-BE49-F238E27FC236}">
-                <a16:creationId xmlns:a16="http://schemas.microsoft.com/office/drawing/2014/main" id="{11BF1470-2C2E-462F-8CC8-26B250512425}"/>
+                <a16:creationId xmlns:a16="http://schemas.microsoft.com/office/drawing/2014/main" id="{024C6FAF-FE4F-4DA6-BA99-B5DA9799F6D4}"/>
               </a:ext>
             </a:extLst>
           </p:cNvPr>
@@ -9934,133 +8824,65 @@
             <a:spLocks noGrp="1"/>
           </p:cNvSpPr>
           <p:nvPr>
-            <p:ph idx="1"/>
+            <p:ph type="title"/>
           </p:nvPr>
         </p:nvSpPr>
         <p:spPr/>
         <p:txBody>
           <a:bodyPr>
-            <a:normAutofit lnSpcReduction="10000"/>
+            <a:normAutofit fontScale="90000"/>
           </a:bodyPr>
           <a:lstStyle/>
           <a:p>
-            <a:pPr marL="36576" indent="0">
-              <a:buNone/>
-            </a:pPr>
-            <a:r>
-              <a:rPr lang="en-US" dirty="0"/>
-              <a:t>Independent from ASP.NET Core!</a:t>
-            </a:r>
-          </a:p>
-          <a:p>
-            <a:r>
-              <a:rPr lang="en-US" dirty="0"/>
-              <a:t>Dependency Injection (and 3</a:t>
-            </a:r>
-            <a:r>
-              <a:rPr lang="en-US" baseline="30000" dirty="0"/>
-              <a:t>rd</a:t>
-            </a:r>
-            <a:r>
-              <a:rPr lang="en-US" dirty="0"/>
-              <a:t>-party adapters)</a:t>
-            </a:r>
-          </a:p>
-          <a:p>
-            <a:pPr lvl="1"/>
-            <a:r>
-              <a:rPr lang="en-US" sz="2200" dirty="0"/>
-              <a:t>Castle Windsor: </a:t>
-            </a:r>
-            <a:r>
-              <a:rPr lang="en-US" sz="2200" i="1" dirty="0"/>
-              <a:t>https://github.com/volosoft/castle-windsor-ms-adapter</a:t>
-            </a:r>
-          </a:p>
-          <a:p>
-            <a:r>
-              <a:rPr lang="en-US" dirty="0"/>
-              <a:t>Configuration Management (</a:t>
-            </a:r>
-            <a:r>
-              <a:rPr lang="en-US" dirty="0" err="1"/>
-              <a:t>appsettings.json</a:t>
-            </a:r>
-            <a:r>
-              <a:rPr lang="en-US" dirty="0"/>
-              <a:t> and more)</a:t>
-            </a:r>
-          </a:p>
-          <a:p>
-            <a:r>
-              <a:rPr lang="en-US" dirty="0"/>
-              <a:t>Logging</a:t>
-            </a:r>
-          </a:p>
-          <a:p>
-            <a:r>
-              <a:rPr lang="en-US" dirty="0"/>
-              <a:t>Caching</a:t>
-            </a:r>
-          </a:p>
-          <a:p>
-            <a:r>
-              <a:rPr lang="en-US" dirty="0"/>
-              <a:t>Localization</a:t>
-            </a:r>
-          </a:p>
-          <a:p>
-            <a:r>
-              <a:rPr lang="en-US" dirty="0"/>
-              <a:t>User Secrets</a:t>
-            </a:r>
-          </a:p>
-          <a:p>
-            <a:r>
-              <a:rPr lang="en-US" dirty="0" err="1"/>
-              <a:t>Dotnet</a:t>
-            </a:r>
-            <a:r>
-              <a:rPr lang="en-US" dirty="0"/>
-              <a:t> CLI</a:t>
-            </a:r>
-            <a:endParaRPr lang="tr-TR" dirty="0"/>
-          </a:p>
-        </p:txBody>
-      </p:sp>
-      <p:sp>
-        <p:nvSpPr>
-          <p:cNvPr id="3" name="Title 2">
+            <a:r>
+              <a:rPr lang="en-US" dirty="0"/>
+              <a:t>ASP.NET Core</a:t>
+            </a:r>
+            <a:br>
+              <a:rPr lang="en-US" dirty="0"/>
+            </a:br>
+            <a:r>
+              <a:rPr lang="en-US" sz="2700" dirty="0"/>
+              <a:t>Simple Middleware</a:t>
+            </a:r>
+            <a:endParaRPr lang="tr-TR" sz="2700" dirty="0"/>
+          </a:p>
+        </p:txBody>
+      </p:sp>
+      <p:pic>
+        <p:nvPicPr>
+          <p:cNvPr id="4" name="Picture 3">
             <a:extLst>
               <a:ext uri="{FF2B5EF4-FFF2-40B4-BE49-F238E27FC236}">
-                <a16:creationId xmlns:a16="http://schemas.microsoft.com/office/drawing/2014/main" id="{35BB5781-35EA-43EE-ABED-D9EBE151C927}"/>
+                <a16:creationId xmlns:a16="http://schemas.microsoft.com/office/drawing/2014/main" id="{991EFDA3-C316-4BE8-85AD-D54C139A6326}"/>
               </a:ext>
             </a:extLst>
           </p:cNvPr>
-          <p:cNvSpPr>
-            <a:spLocks noGrp="1"/>
-          </p:cNvSpPr>
-          <p:nvPr>
-            <p:ph type="title"/>
-          </p:nvPr>
-        </p:nvSpPr>
-        <p:spPr/>
-        <p:txBody>
-          <a:bodyPr/>
-          <a:lstStyle/>
-          <a:p>
-            <a:r>
-              <a:rPr lang="en-US" dirty="0"/>
-              <a:t>Microsoft.Extensions.* Libraries</a:t>
-            </a:r>
-            <a:endParaRPr lang="tr-TR" dirty="0"/>
-          </a:p>
-        </p:txBody>
-      </p:sp>
+          <p:cNvPicPr>
+            <a:picLocks noChangeAspect="1"/>
+          </p:cNvPicPr>
+          <p:nvPr/>
+        </p:nvPicPr>
+        <p:blipFill>
+          <a:blip r:embed="rId2"/>
+          <a:stretch>
+            <a:fillRect/>
+          </a:stretch>
+        </p:blipFill>
+        <p:spPr>
+          <a:xfrm>
+            <a:off x="609600" y="1417638"/>
+            <a:ext cx="10189357" cy="5327111"/>
+          </a:xfrm>
+          <a:prstGeom prst="rect">
+            <a:avLst/>
+          </a:prstGeom>
+        </p:spPr>
+      </p:pic>
     </p:spTree>
     <p:extLst>
       <p:ext uri="{BB962C8B-B14F-4D97-AF65-F5344CB8AC3E}">
-        <p14:creationId xmlns:p14="http://schemas.microsoft.com/office/powerpoint/2010/main" val="2104921612"/>
+        <p14:creationId xmlns:p14="http://schemas.microsoft.com/office/powerpoint/2010/main" val="4113710428"/>
       </p:ext>
     </p:extLst>
   </p:cSld>

--- a/2018-11-11-DotnetCoreDays/DotNetCoreDays Halil Ibrahim Kalkan.pptx
+++ b/2018-11-11-DotnetCoreDays/DotNetCoreDays Halil Ibrahim Kalkan.pptx
@@ -4239,7 +4239,7 @@
             </a:br>
             <a:r>
               <a:rPr lang="en-US" dirty="0"/>
-              <a:t>INTRO, FEATURES &amp; HIGHLIGHTS</a:t>
+              <a:t>INTRO &amp; HIGHLIGHTS</a:t>
             </a:r>
             <a:br>
               <a:rPr lang="en-US" dirty="0"/>
@@ -5466,12 +5466,6 @@
           </a:p>
           <a:p>
             <a:r>
-              <a:rPr lang="en-US" dirty="0"/>
-              <a:t>Unified Authentication Middleware</a:t>
-            </a:r>
-          </a:p>
-          <a:p>
-            <a:r>
               <a:rPr lang="en-US" sz="3200" dirty="0" err="1"/>
               <a:t>TempData</a:t>
             </a:r>
@@ -5479,7 +5473,12 @@
               <a:rPr lang="en-US" sz="3200" dirty="0"/>
               <a:t> (share data between requests! Uses Cookie by default)</a:t>
             </a:r>
-            <a:endParaRPr lang="en-US" dirty="0"/>
+          </a:p>
+          <a:p>
+            <a:r>
+              <a:rPr lang="en-US" dirty="0"/>
+              <a:t>Unified Authentication Middleware</a:t>
+            </a:r>
           </a:p>
         </p:txBody>
       </p:sp>
@@ -6116,13 +6115,7 @@
           <a:p>
             <a:r>
               <a:rPr lang="en-US" dirty="0"/>
-              <a:t>ASP.NET Core, Overall</a:t>
-            </a:r>
-          </a:p>
-          <a:p>
-            <a:r>
-              <a:rPr lang="en-US" dirty="0"/>
-              <a:t>ASP.NET Core, MVC</a:t>
+              <a:t>ASP.NET Core MVC</a:t>
             </a:r>
           </a:p>
           <a:p>
@@ -7945,7 +7938,7 @@
         </p:blipFill>
         <p:spPr>
           <a:xfrm>
-            <a:off x="609599" y="1266635"/>
+            <a:off x="609599" y="1866001"/>
             <a:ext cx="6806269" cy="4155980"/>
           </a:xfrm>
           <a:prstGeom prst="rect">
@@ -8026,7 +8019,7 @@
         </p:nvSpPr>
         <p:spPr>
           <a:xfrm>
-            <a:off x="2614706" y="859045"/>
+            <a:off x="2614706" y="1496669"/>
             <a:ext cx="3215780" cy="369332"/>
           </a:xfrm>
           <a:prstGeom prst="rect">
@@ -8075,7 +8068,7 @@
         </p:blipFill>
         <p:spPr>
           <a:xfrm>
-            <a:off x="609600" y="327172"/>
+            <a:off x="609600" y="964796"/>
             <a:ext cx="2021884" cy="846664"/>
           </a:xfrm>
           <a:prstGeom prst="rect">

--- a/2018-11-11-DotnetCoreDays/DotNetCoreDays Halil Ibrahim Kalkan.pptx
+++ b/2018-11-11-DotnetCoreDays/DotNetCoreDays Halil Ibrahim Kalkan.pptx
@@ -5,10 +5,10 @@
     <p:sldMasterId id="2147483672" r:id="rId2"/>
   </p:sldMasterIdLst>
   <p:notesMasterIdLst>
-    <p:notesMasterId r:id="rId28"/>
+    <p:notesMasterId r:id="rId27"/>
   </p:notesMasterIdLst>
   <p:handoutMasterIdLst>
-    <p:handoutMasterId r:id="rId29"/>
+    <p:handoutMasterId r:id="rId28"/>
   </p:handoutMasterIdLst>
   <p:sldIdLst>
     <p:sldId id="256" r:id="rId3"/>
@@ -29,13 +29,12 @@
     <p:sldId id="279" r:id="rId18"/>
     <p:sldId id="280" r:id="rId19"/>
     <p:sldId id="281" r:id="rId20"/>
-    <p:sldId id="282" r:id="rId21"/>
-    <p:sldId id="285" r:id="rId22"/>
-    <p:sldId id="286" r:id="rId23"/>
-    <p:sldId id="287" r:id="rId24"/>
-    <p:sldId id="288" r:id="rId25"/>
-    <p:sldId id="291" r:id="rId26"/>
-    <p:sldId id="292" r:id="rId27"/>
+    <p:sldId id="285" r:id="rId21"/>
+    <p:sldId id="286" r:id="rId22"/>
+    <p:sldId id="287" r:id="rId23"/>
+    <p:sldId id="288" r:id="rId24"/>
+    <p:sldId id="291" r:id="rId25"/>
+    <p:sldId id="292" r:id="rId26"/>
   </p:sldIdLst>
   <p:sldSz cx="12192000" cy="6858000"/>
   <p:notesSz cx="6858000" cy="9144000"/>
@@ -257,7 +256,7 @@
           <a:p>
             <a:fld id="{85B84C55-34AB-4F04-8C6E-103378987567}" type="datetimeFigureOut">
               <a:rPr lang="en-US" smtClean="0"/>
-              <a:t>11/8/2017</a:t>
+              <a:t>11/11/2017</a:t>
             </a:fld>
             <a:endParaRPr lang="en-US" dirty="0"/>
           </a:p>
@@ -422,7 +421,7 @@
           <a:p>
             <a:fld id="{86832DD9-7C6A-4C91-8CF1-0788B8213502}" type="datetimeFigureOut">
               <a:rPr lang="en-US" smtClean="0"/>
-              <a:t>11/8/2017</a:t>
+              <a:t>11/11/2017</a:t>
             </a:fld>
             <a:endParaRPr lang="en-US" dirty="0"/>
           </a:p>
@@ -807,7 +806,7 @@
           <a:p>
             <a:fld id="{8A57DA2E-A198-42B8-A77A-6063A9DC8646}" type="datetime1">
               <a:rPr lang="en-US" smtClean="0"/>
-              <a:t>11/8/2017</a:t>
+              <a:t>11/11/2017</a:t>
             </a:fld>
             <a:endParaRPr lang="en-US" dirty="0"/>
           </a:p>
@@ -1221,7 +1220,7 @@
           <a:p>
             <a:fld id="{5D0B467C-85F7-469C-B16D-CF41F04F5F22}" type="datetime1">
               <a:rPr lang="en-US" smtClean="0"/>
-              <a:t>11/8/2017</a:t>
+              <a:t>11/11/2017</a:t>
             </a:fld>
             <a:endParaRPr lang="en-US" dirty="0"/>
           </a:p>
@@ -1402,7 +1401,7 @@
           <a:p>
             <a:fld id="{38E79436-BD82-44D9-9B6F-6D45FC4FB282}" type="datetime1">
               <a:rPr lang="en-US" smtClean="0"/>
-              <a:t>11/8/2017</a:t>
+              <a:t>11/11/2017</a:t>
             </a:fld>
             <a:endParaRPr lang="en-US" dirty="0"/>
           </a:p>
@@ -1593,7 +1592,7 @@
           <a:p>
             <a:fld id="{6955B0D3-E9C4-4790-9AFC-472238E9D978}" type="datetime1">
               <a:rPr lang="en-US" smtClean="0"/>
-              <a:t>11/8/2017</a:t>
+              <a:t>11/11/2017</a:t>
             </a:fld>
             <a:endParaRPr lang="en-US" dirty="0"/>
           </a:p>
@@ -1778,7 +1777,7 @@
           <a:p>
             <a:fld id="{A9EFB39F-05CF-4198-9763-0EA4BE92E0D0}" type="datetime1">
               <a:rPr lang="en-US" smtClean="0"/>
-              <a:t>11/8/2017</a:t>
+              <a:t>11/11/2017</a:t>
             </a:fld>
             <a:endParaRPr lang="en-US" dirty="0"/>
           </a:p>
@@ -2015,7 +2014,7 @@
           <a:p>
             <a:fld id="{FF2491D0-1B86-4F30-8D90-913BBBB0A4F2}" type="datetime1">
               <a:rPr lang="en-US" smtClean="0"/>
-              <a:t>11/8/2017</a:t>
+              <a:t>11/11/2017</a:t>
             </a:fld>
             <a:endParaRPr lang="en-US" dirty="0"/>
           </a:p>
@@ -2295,7 +2294,7 @@
           <a:p>
             <a:fld id="{A28FD5D4-22BE-49CA-89DE-DEB7778B4EA0}" type="datetime1">
               <a:rPr lang="en-US" smtClean="0"/>
-              <a:t>11/8/2017</a:t>
+              <a:t>11/11/2017</a:t>
             </a:fld>
             <a:endParaRPr lang="en-US" dirty="0"/>
           </a:p>
@@ -2685,7 +2684,7 @@
           <a:p>
             <a:fld id="{98A942CB-856E-4E4B-8C89-197AEAE66A5F}" type="datetime1">
               <a:rPr lang="en-US" smtClean="0"/>
-              <a:t>11/8/2017</a:t>
+              <a:t>11/11/2017</a:t>
             </a:fld>
             <a:endParaRPr lang="en-US" dirty="0"/>
           </a:p>
@@ -2823,7 +2822,7 @@
           <a:p>
             <a:fld id="{90C5A565-20AE-4CD1-A4DD-E062216372E9}" type="datetime1">
               <a:rPr lang="en-US" smtClean="0"/>
-              <a:t>11/8/2017</a:t>
+              <a:t>11/11/2017</a:t>
             </a:fld>
             <a:endParaRPr lang="en-US" dirty="0"/>
           </a:p>
@@ -3003,7 +3002,7 @@
           <a:p>
             <a:fld id="{43669077-B497-459B-927D-21898BE78E1B}" type="datetime1">
               <a:rPr lang="en-US" smtClean="0"/>
-              <a:t>11/8/2017</a:t>
+              <a:t>11/11/2017</a:t>
             </a:fld>
             <a:endParaRPr lang="en-US" dirty="0"/>
           </a:p>
@@ -3273,7 +3272,7 @@
           <a:p>
             <a:fld id="{E5371151-446F-4595-B3D3-21EF3A6E9BFE}" type="datetime1">
               <a:rPr lang="en-US" smtClean="0"/>
-              <a:t>11/8/2017</a:t>
+              <a:t>11/11/2017</a:t>
             </a:fld>
             <a:endParaRPr lang="en-US" dirty="0"/>
           </a:p>
@@ -3587,7 +3586,7 @@
           <a:p>
             <a:fld id="{671E04DB-BE65-47F8-B877-7DBE6DFA71B8}" type="datetime1">
               <a:rPr lang="en-US" smtClean="0"/>
-              <a:t>11/8/2017</a:t>
+              <a:t>11/11/2017</a:t>
             </a:fld>
             <a:endParaRPr lang="en-US" dirty="0"/>
           </a:p>
@@ -5274,7 +5273,7 @@
           <a:p>
             <a:r>
               <a:rPr lang="en-US" sz="2800" dirty="0"/>
-              <a:t>Authorization</a:t>
+              <a:t>Authorization (page or folder based)</a:t>
             </a:r>
           </a:p>
           <a:p>
@@ -5306,7 +5305,7 @@
             <a:pPr lvl="1"/>
             <a:r>
               <a:rPr lang="en-US" sz="2400" dirty="0"/>
-              <a:t>Does not handle Partial Views well</a:t>
+              <a:t>Can not handle Partial Views well</a:t>
             </a:r>
           </a:p>
           <a:p>
@@ -5793,7 +5792,7 @@
           <p:cNvPr id="2" name="Content Placeholder 1">
             <a:extLst>
               <a:ext uri="{FF2B5EF4-FFF2-40B4-BE49-F238E27FC236}">
-                <a16:creationId xmlns:a16="http://schemas.microsoft.com/office/drawing/2014/main" id="{B289C018-4C74-4334-BBCD-048E0672264C}"/>
+                <a16:creationId xmlns:a16="http://schemas.microsoft.com/office/drawing/2014/main" id="{F1ABD4F3-517D-4A1B-A5FC-A554A0C0E7C6}"/>
               </a:ext>
             </a:extLst>
           </p:cNvPr>
@@ -5804,65 +5803,69 @@
             <p:ph idx="1"/>
           </p:nvPr>
         </p:nvSpPr>
-        <p:spPr>
-          <a:xfrm>
-            <a:off x="609600" y="1600201"/>
-            <a:ext cx="4834855" cy="4525963"/>
-          </a:xfrm>
-        </p:spPr>
-        <p:txBody>
-          <a:bodyPr>
-            <a:normAutofit/>
-          </a:bodyPr>
-          <a:lstStyle/>
-          <a:p>
-            <a:r>
-              <a:rPr lang="en-US" sz="2000" i="1" dirty="0"/>
-              <a:t>Child Actions</a:t>
-            </a:r>
-            <a:r>
-              <a:rPr lang="en-US" sz="2000" dirty="0"/>
-              <a:t> removed</a:t>
-            </a:r>
-          </a:p>
-          <a:p>
-            <a:r>
-              <a:rPr lang="en-US" sz="2000" dirty="0"/>
-              <a:t>Introduced </a:t>
-            </a:r>
-            <a:r>
-              <a:rPr lang="en-US" sz="2000" i="1" dirty="0"/>
-              <a:t>View Components</a:t>
-            </a:r>
-          </a:p>
-          <a:p>
-            <a:r>
-              <a:rPr lang="en-US" sz="2000" dirty="0"/>
-              <a:t>Similar to partial views with it’s own action</a:t>
-            </a:r>
-          </a:p>
-          <a:p>
-            <a:r>
-              <a:rPr lang="en-US" sz="2000" dirty="0"/>
-              <a:t>Can be used like tag helpers (with </a:t>
-            </a:r>
-            <a:r>
-              <a:rPr lang="en-US" sz="2000" dirty="0" err="1"/>
-              <a:t>vc</a:t>
-            </a:r>
-            <a:r>
-              <a:rPr lang="en-US" sz="2000" dirty="0"/>
-              <a:t>: prefix) or with </a:t>
-            </a:r>
-            <a:r>
-              <a:rPr lang="en-US" sz="2000" dirty="0" err="1"/>
-              <a:t>Component.Invoke</a:t>
-            </a:r>
-            <a:r>
-              <a:rPr lang="en-US" sz="2000" dirty="0"/>
-              <a:t> method</a:t>
-            </a:r>
-            <a:endParaRPr lang="tr-TR" sz="2000" dirty="0"/>
+        <p:spPr/>
+        <p:txBody>
+          <a:bodyPr/>
+          <a:lstStyle/>
+          <a:p>
+            <a:r>
+              <a:rPr lang="en-US" dirty="0"/>
+              <a:t>Client-side package management..?</a:t>
+            </a:r>
+          </a:p>
+          <a:p>
+            <a:pPr lvl="1"/>
+            <a:r>
+              <a:rPr lang="en-US" dirty="0" err="1"/>
+              <a:t>Npm</a:t>
+            </a:r>
+            <a:r>
+              <a:rPr lang="en-US" dirty="0"/>
+              <a:t> or Bower (deprecated)</a:t>
+            </a:r>
+          </a:p>
+          <a:p>
+            <a:r>
+              <a:rPr lang="en-US" dirty="0"/>
+              <a:t>Bundling, </a:t>
+            </a:r>
+            <a:r>
+              <a:rPr lang="en-US" dirty="0" err="1"/>
+              <a:t>Minification</a:t>
+            </a:r>
+            <a:r>
+              <a:rPr lang="en-US" dirty="0"/>
+              <a:t>..?</a:t>
+            </a:r>
+          </a:p>
+          <a:p>
+            <a:pPr lvl="1"/>
+            <a:r>
+              <a:rPr lang="en-US" dirty="0"/>
+              <a:t>Bundler &amp; </a:t>
+            </a:r>
+            <a:r>
+              <a:rPr lang="en-US" dirty="0" err="1"/>
+              <a:t>Minifier</a:t>
+            </a:r>
+            <a:r>
+              <a:rPr lang="en-US" dirty="0"/>
+              <a:t> Visual Studio Extension</a:t>
+            </a:r>
+          </a:p>
+          <a:p>
+            <a:pPr lvl="1"/>
+            <a:r>
+              <a:rPr lang="en-US" dirty="0"/>
+              <a:t>Web Compiler Visual Studio Extension</a:t>
+            </a:r>
+          </a:p>
+          <a:p>
+            <a:pPr lvl="1"/>
+            <a:r>
+              <a:rPr lang="en-US" dirty="0"/>
+              <a:t>Gulp/Grunt</a:t>
+            </a:r>
           </a:p>
         </p:txBody>
       </p:sp>
@@ -5871,7 +5874,7 @@
           <p:cNvPr id="3" name="Title 2">
             <a:extLst>
               <a:ext uri="{FF2B5EF4-FFF2-40B4-BE49-F238E27FC236}">
-                <a16:creationId xmlns:a16="http://schemas.microsoft.com/office/drawing/2014/main" id="{C46CA86E-31BD-4054-B20F-A025894CC619}"/>
+                <a16:creationId xmlns:a16="http://schemas.microsoft.com/office/drawing/2014/main" id="{EC3E9A98-DDFB-4F8C-8C0F-F152F753F042}"/>
               </a:ext>
             </a:extLst>
           </p:cNvPr>
@@ -5898,136 +5901,16 @@
             </a:br>
             <a:r>
               <a:rPr lang="en-US" sz="2700" dirty="0"/>
-              <a:t>View Components</a:t>
-            </a:r>
-            <a:endParaRPr lang="tr-TR" dirty="0"/>
-          </a:p>
-        </p:txBody>
-      </p:sp>
-      <p:pic>
-        <p:nvPicPr>
-          <p:cNvPr id="4" name="Picture 3">
-            <a:extLst>
-              <a:ext uri="{FF2B5EF4-FFF2-40B4-BE49-F238E27FC236}">
-                <a16:creationId xmlns:a16="http://schemas.microsoft.com/office/drawing/2014/main" id="{92686F0A-34D7-4181-8A04-246FAA0C79C8}"/>
-              </a:ext>
-            </a:extLst>
-          </p:cNvPr>
-          <p:cNvPicPr>
-            <a:picLocks noChangeAspect="1"/>
-          </p:cNvPicPr>
-          <p:nvPr/>
-        </p:nvPicPr>
-        <p:blipFill>
-          <a:blip r:embed="rId2"/>
-          <a:stretch>
-            <a:fillRect/>
-          </a:stretch>
-        </p:blipFill>
-        <p:spPr>
-          <a:xfrm>
-            <a:off x="6380482" y="1729531"/>
-            <a:ext cx="2333625" cy="1066800"/>
-          </a:xfrm>
-          <a:prstGeom prst="rect">
-            <a:avLst/>
-          </a:prstGeom>
-        </p:spPr>
-      </p:pic>
-      <p:pic>
-        <p:nvPicPr>
-          <p:cNvPr id="5" name="Picture 4">
-            <a:extLst>
-              <a:ext uri="{FF2B5EF4-FFF2-40B4-BE49-F238E27FC236}">
-                <a16:creationId xmlns:a16="http://schemas.microsoft.com/office/drawing/2014/main" id="{2D5F50F0-8F77-475D-BE75-2F73C81D1CDA}"/>
-              </a:ext>
-            </a:extLst>
-          </p:cNvPr>
-          <p:cNvPicPr>
-            <a:picLocks noChangeAspect="1"/>
-          </p:cNvPicPr>
-          <p:nvPr/>
-        </p:nvPicPr>
-        <p:blipFill>
-          <a:blip r:embed="rId3"/>
-          <a:stretch>
-            <a:fillRect/>
-          </a:stretch>
-        </p:blipFill>
-        <p:spPr>
-          <a:xfrm>
-            <a:off x="6380482" y="4173768"/>
-            <a:ext cx="1619250" cy="314325"/>
-          </a:xfrm>
-          <a:prstGeom prst="rect">
-            <a:avLst/>
-          </a:prstGeom>
-        </p:spPr>
-      </p:pic>
-      <p:pic>
-        <p:nvPicPr>
-          <p:cNvPr id="6" name="Picture 5">
-            <a:extLst>
-              <a:ext uri="{FF2B5EF4-FFF2-40B4-BE49-F238E27FC236}">
-                <a16:creationId xmlns:a16="http://schemas.microsoft.com/office/drawing/2014/main" id="{3D90F8C1-8F9D-4FD9-AFB7-5CE600FCF33E}"/>
-              </a:ext>
-            </a:extLst>
-          </p:cNvPr>
-          <p:cNvPicPr>
-            <a:picLocks noChangeAspect="1"/>
-          </p:cNvPicPr>
-          <p:nvPr/>
-        </p:nvPicPr>
-        <p:blipFill>
-          <a:blip r:embed="rId4"/>
-          <a:stretch>
-            <a:fillRect/>
-          </a:stretch>
-        </p:blipFill>
-        <p:spPr>
-          <a:xfrm>
-            <a:off x="6380482" y="2908787"/>
-            <a:ext cx="3886200" cy="1152525"/>
-          </a:xfrm>
-          <a:prstGeom prst="rect">
-            <a:avLst/>
-          </a:prstGeom>
-        </p:spPr>
-      </p:pic>
-      <p:pic>
-        <p:nvPicPr>
-          <p:cNvPr id="7" name="Picture 6">
-            <a:extLst>
-              <a:ext uri="{FF2B5EF4-FFF2-40B4-BE49-F238E27FC236}">
-                <a16:creationId xmlns:a16="http://schemas.microsoft.com/office/drawing/2014/main" id="{60FB5E41-DD40-47C1-846D-AD6A1E97EBBF}"/>
-              </a:ext>
-            </a:extLst>
-          </p:cNvPr>
-          <p:cNvPicPr>
-            <a:picLocks noChangeAspect="1"/>
-          </p:cNvPicPr>
-          <p:nvPr/>
-        </p:nvPicPr>
-        <p:blipFill>
-          <a:blip r:embed="rId5"/>
-          <a:stretch>
-            <a:fillRect/>
-          </a:stretch>
-        </p:blipFill>
-        <p:spPr>
-          <a:xfrm>
-            <a:off x="6380482" y="4600549"/>
-            <a:ext cx="3943350" cy="276225"/>
-          </a:xfrm>
-          <a:prstGeom prst="rect">
-            <a:avLst/>
-          </a:prstGeom>
-        </p:spPr>
-      </p:pic>
+              <a:t>Client Side Development</a:t>
+            </a:r>
+            <a:endParaRPr lang="tr-TR" sz="2700" dirty="0"/>
+          </a:p>
+        </p:txBody>
+      </p:sp>
     </p:spTree>
     <p:extLst>
       <p:ext uri="{BB962C8B-B14F-4D97-AF65-F5344CB8AC3E}">
-        <p14:creationId xmlns:p14="http://schemas.microsoft.com/office/powerpoint/2010/main" val="1442654236"/>
+        <p14:creationId xmlns:p14="http://schemas.microsoft.com/office/powerpoint/2010/main" val="2439022773"/>
       </p:ext>
     </p:extLst>
   </p:cSld>
@@ -6207,168 +6090,6 @@
           <p:cNvPr id="2" name="Content Placeholder 1">
             <a:extLst>
               <a:ext uri="{FF2B5EF4-FFF2-40B4-BE49-F238E27FC236}">
-                <a16:creationId xmlns:a16="http://schemas.microsoft.com/office/drawing/2014/main" id="{F1ABD4F3-517D-4A1B-A5FC-A554A0C0E7C6}"/>
-              </a:ext>
-            </a:extLst>
-          </p:cNvPr>
-          <p:cNvSpPr>
-            <a:spLocks noGrp="1"/>
-          </p:cNvSpPr>
-          <p:nvPr>
-            <p:ph idx="1"/>
-          </p:nvPr>
-        </p:nvSpPr>
-        <p:spPr/>
-        <p:txBody>
-          <a:bodyPr/>
-          <a:lstStyle/>
-          <a:p>
-            <a:r>
-              <a:rPr lang="en-US" dirty="0"/>
-              <a:t>Client-side package management..?</a:t>
-            </a:r>
-          </a:p>
-          <a:p>
-            <a:pPr lvl="1"/>
-            <a:r>
-              <a:rPr lang="en-US" dirty="0" err="1"/>
-              <a:t>Npm</a:t>
-            </a:r>
-            <a:r>
-              <a:rPr lang="en-US" dirty="0"/>
-              <a:t> or Bower (deprecated)</a:t>
-            </a:r>
-          </a:p>
-          <a:p>
-            <a:r>
-              <a:rPr lang="en-US" dirty="0"/>
-              <a:t>Bundling, </a:t>
-            </a:r>
-            <a:r>
-              <a:rPr lang="en-US" dirty="0" err="1"/>
-              <a:t>Minification</a:t>
-            </a:r>
-            <a:r>
-              <a:rPr lang="en-US" dirty="0"/>
-              <a:t>..?</a:t>
-            </a:r>
-          </a:p>
-          <a:p>
-            <a:pPr lvl="1"/>
-            <a:r>
-              <a:rPr lang="en-US" dirty="0"/>
-              <a:t>Bundler &amp; </a:t>
-            </a:r>
-            <a:r>
-              <a:rPr lang="en-US" dirty="0" err="1"/>
-              <a:t>Minifier</a:t>
-            </a:r>
-            <a:r>
-              <a:rPr lang="en-US" dirty="0"/>
-              <a:t> Visual Studio Extension</a:t>
-            </a:r>
-          </a:p>
-          <a:p>
-            <a:pPr lvl="1"/>
-            <a:r>
-              <a:rPr lang="en-US" dirty="0"/>
-              <a:t>Web Compiler Visual Studio Extension</a:t>
-            </a:r>
-          </a:p>
-          <a:p>
-            <a:pPr lvl="1"/>
-            <a:r>
-              <a:rPr lang="en-US" dirty="0"/>
-              <a:t>Gulp/Grunt</a:t>
-            </a:r>
-          </a:p>
-        </p:txBody>
-      </p:sp>
-      <p:sp>
-        <p:nvSpPr>
-          <p:cNvPr id="3" name="Title 2">
-            <a:extLst>
-              <a:ext uri="{FF2B5EF4-FFF2-40B4-BE49-F238E27FC236}">
-                <a16:creationId xmlns:a16="http://schemas.microsoft.com/office/drawing/2014/main" id="{EC3E9A98-DDFB-4F8C-8C0F-F152F753F042}"/>
-              </a:ext>
-            </a:extLst>
-          </p:cNvPr>
-          <p:cNvSpPr>
-            <a:spLocks noGrp="1"/>
-          </p:cNvSpPr>
-          <p:nvPr>
-            <p:ph type="title"/>
-          </p:nvPr>
-        </p:nvSpPr>
-        <p:spPr/>
-        <p:txBody>
-          <a:bodyPr>
-            <a:normAutofit fontScale="90000"/>
-          </a:bodyPr>
-          <a:lstStyle/>
-          <a:p>
-            <a:r>
-              <a:rPr lang="en-US" dirty="0"/>
-              <a:t>ASP.NET Core MVC</a:t>
-            </a:r>
-            <a:br>
-              <a:rPr lang="en-US" dirty="0"/>
-            </a:br>
-            <a:r>
-              <a:rPr lang="en-US" sz="2700" dirty="0"/>
-              <a:t>Client Side Development</a:t>
-            </a:r>
-            <a:endParaRPr lang="tr-TR" sz="2700" dirty="0"/>
-          </a:p>
-        </p:txBody>
-      </p:sp>
-    </p:spTree>
-    <p:extLst>
-      <p:ext uri="{BB962C8B-B14F-4D97-AF65-F5344CB8AC3E}">
-        <p14:creationId xmlns:p14="http://schemas.microsoft.com/office/powerpoint/2010/main" val="2439022773"/>
-      </p:ext>
-    </p:extLst>
-  </p:cSld>
-  <p:clrMapOvr>
-    <a:masterClrMapping/>
-  </p:clrMapOvr>
-  <mc:AlternateContent xmlns:mc="http://schemas.openxmlformats.org/markup-compatibility/2006" xmlns:p14="http://schemas.microsoft.com/office/powerpoint/2010/main">
-    <mc:Choice Requires="p14">
-      <p:transition spd="med" p14:dur="700">
-        <p:fade/>
-      </p:transition>
-    </mc:Choice>
-    <mc:Fallback xmlns="">
-      <p:transition spd="med">
-        <p:fade/>
-      </p:transition>
-    </mc:Fallback>
-  </mc:AlternateContent>
-</p:sld>
-</file>
-
-<file path=ppt/slides/slide21.xml><?xml version="1.0" encoding="utf-8"?>
-<p:sld xmlns:a="http://schemas.openxmlformats.org/drawingml/2006/main" xmlns:r="http://schemas.openxmlformats.org/officeDocument/2006/relationships" xmlns:p="http://schemas.openxmlformats.org/presentationml/2006/main">
-  <p:cSld>
-    <p:spTree>
-      <p:nvGrpSpPr>
-        <p:cNvPr id="1" name=""/>
-        <p:cNvGrpSpPr/>
-        <p:nvPr/>
-      </p:nvGrpSpPr>
-      <p:grpSpPr>
-        <a:xfrm>
-          <a:off x="0" y="0"/>
-          <a:ext cx="0" cy="0"/>
-          <a:chOff x="0" y="0"/>
-          <a:chExt cx="0" cy="0"/>
-        </a:xfrm>
-      </p:grpSpPr>
-      <p:sp>
-        <p:nvSpPr>
-          <p:cNvPr id="2" name="Content Placeholder 1">
-            <a:extLst>
-              <a:ext uri="{FF2B5EF4-FFF2-40B4-BE49-F238E27FC236}">
                 <a16:creationId xmlns:a16="http://schemas.microsoft.com/office/drawing/2014/main" id="{6D20481E-BEA4-420C-B9BA-9BC91B138D29}"/>
               </a:ext>
             </a:extLst>
@@ -6458,7 +6179,7 @@
             <a:pPr lvl="2"/>
             <a:r>
               <a:rPr lang="en-US" dirty="0"/>
-              <a:t>Lifecycle hooks/events</a:t>
+              <a:t>Lifecycle hooks/events (interception)</a:t>
             </a:r>
           </a:p>
         </p:txBody>
@@ -6517,7 +6238,7 @@
 </p:sld>
 </file>
 
-<file path=ppt/slides/slide22.xml><?xml version="1.0" encoding="utf-8"?>
+<file path=ppt/slides/slide21.xml><?xml version="1.0" encoding="utf-8"?>
 <p:sld xmlns:a="http://schemas.openxmlformats.org/drawingml/2006/main" xmlns:r="http://schemas.openxmlformats.org/officeDocument/2006/relationships" xmlns:p="http://schemas.openxmlformats.org/presentationml/2006/main">
   <p:cSld>
     <p:spTree>
@@ -6707,7 +6428,7 @@
         <p:spPr>
           <a:xfrm>
             <a:off x="609600" y="1577130"/>
-            <a:ext cx="5079607" cy="3323987"/>
+            <a:ext cx="5079607" cy="2400657"/>
           </a:xfrm>
           <a:prstGeom prst="rect">
             <a:avLst/>
@@ -6736,7 +6457,7 @@
             </a:pPr>
             <a:r>
               <a:rPr lang="en-US" sz="2400" dirty="0"/>
-              <a:t>Soft-delete / Active-passive entities</a:t>
+              <a:t>Soft-delete</a:t>
             </a:r>
           </a:p>
           <a:p>
@@ -6768,17 +6489,6 @@
               <a:rPr lang="en-US" dirty="0"/>
               <a:t>Does not support multiple filter expressions (need to combine multiple filters in a single expression)</a:t>
             </a:r>
-          </a:p>
-          <a:p>
-            <a:pPr marL="742950" lvl="1" indent="-285750">
-              <a:buFont typeface="Arial" panose="020B0604020202020204" pitchFamily="34" charset="0"/>
-              <a:buChar char="•"/>
-            </a:pPr>
-            <a:r>
-              <a:rPr lang="en-US" dirty="0"/>
-              <a:t>Filters can only be defined on the root Entity Type of a hierarchy</a:t>
-            </a:r>
-            <a:endParaRPr lang="tr-TR" dirty="0"/>
           </a:p>
         </p:txBody>
       </p:sp>
@@ -6837,7 +6547,7 @@
 </p:sld>
 </file>
 
-<file path=ppt/slides/slide23.xml><?xml version="1.0" encoding="utf-8"?>
+<file path=ppt/slides/slide22.xml><?xml version="1.0" encoding="utf-8"?>
 <p:sld xmlns:a="http://schemas.openxmlformats.org/drawingml/2006/main" xmlns:r="http://schemas.openxmlformats.org/officeDocument/2006/relationships" xmlns:p="http://schemas.openxmlformats.org/presentationml/2006/main">
   <p:cSld>
     <p:spTree>
@@ -7101,7 +6811,7 @@
 </p:sld>
 </file>
 
-<file path=ppt/slides/slide24.xml><?xml version="1.0" encoding="utf-8"?>
+<file path=ppt/slides/slide23.xml><?xml version="1.0" encoding="utf-8"?>
 <p:sld xmlns:a="http://schemas.openxmlformats.org/drawingml/2006/main" xmlns:r="http://schemas.openxmlformats.org/officeDocument/2006/relationships" xmlns:p="http://schemas.openxmlformats.org/presentationml/2006/main">
   <p:cSld>
     <p:spTree>
@@ -7134,7 +6844,12 @@
             <p:ph idx="1"/>
           </p:nvPr>
         </p:nvSpPr>
-        <p:spPr/>
+        <p:spPr>
+          <a:xfrm>
+            <a:off x="609600" y="1600201"/>
+            <a:ext cx="10530980" cy="4525963"/>
+          </a:xfrm>
+        </p:spPr>
         <p:txBody>
           <a:bodyPr>
             <a:normAutofit/>
@@ -7172,7 +6887,7 @@
             <a:pPr lvl="2"/>
             <a:r>
               <a:rPr lang="en-US" dirty="0"/>
-              <a:t>with SQLite in-memory database</a:t>
+              <a:t>with in-memory database</a:t>
             </a:r>
           </a:p>
           <a:p>
@@ -7190,6 +6905,17 @@
             <a:pPr lvl="1"/>
             <a:r>
               <a:rPr lang="en-US" i="1" dirty="0" err="1"/>
+              <a:t>AngleSharp</a:t>
+            </a:r>
+            <a:r>
+              <a:rPr lang="en-US" dirty="0"/>
+              <a:t> as HTML parser</a:t>
+            </a:r>
+          </a:p>
+          <a:p>
+            <a:pPr lvl="1"/>
+            <a:r>
+              <a:rPr lang="en-US" i="1" dirty="0" err="1"/>
               <a:t>Shoudly</a:t>
             </a:r>
             <a:r>
@@ -7198,23 +6924,12 @@
             </a:r>
           </a:p>
           <a:p>
-            <a:pPr lvl="1"/>
-            <a:r>
-              <a:rPr lang="en-US" i="1" dirty="0" err="1"/>
-              <a:t>AngleSharp</a:t>
-            </a:r>
-            <a:r>
-              <a:rPr lang="en-US" dirty="0"/>
-              <a:t> as HTML parser</a:t>
-            </a:r>
-          </a:p>
-          <a:p>
             <a:r>
               <a:rPr lang="en-US" dirty="0"/>
               <a:t>Source code: </a:t>
             </a:r>
             <a:r>
-              <a:rPr lang="en-US" i="1" dirty="0">
+              <a:rPr lang="en-US" sz="3200" i="1" dirty="0">
                 <a:solidFill>
                   <a:srgbClr val="FFFF00"/>
                 </a:solidFill>
@@ -7285,7 +7000,7 @@
 </p:sld>
 </file>
 
-<file path=ppt/slides/slide25.xml><?xml version="1.0" encoding="utf-8"?>
+<file path=ppt/slides/slide24.xml><?xml version="1.0" encoding="utf-8"?>
 <p:sld xmlns:a="http://schemas.openxmlformats.org/drawingml/2006/main" xmlns:r="http://schemas.openxmlformats.org/officeDocument/2006/relationships" xmlns:p="http://schemas.openxmlformats.org/presentationml/2006/main">
   <p:cSld>
     <p:spTree>
@@ -7318,10 +7033,15 @@
             <p:ph idx="1"/>
           </p:nvPr>
         </p:nvSpPr>
-        <p:spPr/>
+        <p:spPr>
+          <a:xfrm>
+            <a:off x="609600" y="1600201"/>
+            <a:ext cx="9956800" cy="5152937"/>
+          </a:xfrm>
+        </p:spPr>
         <p:txBody>
           <a:bodyPr>
-            <a:normAutofit lnSpcReduction="10000"/>
+            <a:normAutofit/>
           </a:bodyPr>
           <a:lstStyle/>
           <a:p>
@@ -7364,7 +7084,15 @@
             <a:pPr lvl="1"/>
             <a:r>
               <a:rPr lang="en-US" sz="2400" dirty="0"/>
-              <a:t>Server-Rendered HTML or Client-Rendered HTML..!</a:t>
+              <a:t>Server-Generated HTML </a:t>
+            </a:r>
+            <a:r>
+              <a:rPr lang="en-US" sz="2400"/>
+              <a:t>or Client-Generated </a:t>
+            </a:r>
+            <a:r>
+              <a:rPr lang="en-US" sz="2400" dirty="0"/>
+              <a:t>HTML..!</a:t>
             </a:r>
           </a:p>
           <a:p>
@@ -7376,7 +7104,17 @@
               <a:buNone/>
             </a:pPr>
             <a:r>
-              <a:rPr lang="en-US" dirty="0"/>
+              <a:rPr lang="en-US" sz="2400" dirty="0">
+                <a:solidFill>
+                  <a:schemeClr val="tx1">
+                    <a:lumMod val="65000"/>
+                  </a:schemeClr>
+                </a:solidFill>
+              </a:rPr>
+              <a:t>Web: </a:t>
+            </a:r>
+            <a:r>
+              <a:rPr lang="en-US" sz="2400" dirty="0"/>
               <a:t>halilibrahimkalkan.com</a:t>
             </a:r>
           </a:p>
@@ -7385,7 +7123,27 @@
               <a:buNone/>
             </a:pPr>
             <a:r>
-              <a:rPr lang="en-US" dirty="0"/>
+              <a:rPr lang="en-US" sz="2400" dirty="0" err="1">
+                <a:solidFill>
+                  <a:schemeClr val="tx1">
+                    <a:lumMod val="65000"/>
+                  </a:schemeClr>
+                </a:solidFill>
+              </a:rPr>
+              <a:t>Github</a:t>
+            </a:r>
+            <a:r>
+              <a:rPr lang="en-US" sz="2400" dirty="0">
+                <a:solidFill>
+                  <a:schemeClr val="tx1">
+                    <a:lumMod val="65000"/>
+                  </a:schemeClr>
+                </a:solidFill>
+              </a:rPr>
+              <a:t>: </a:t>
+            </a:r>
+            <a:r>
+              <a:rPr lang="en-US" sz="2400" dirty="0"/>
               <a:t>hikalkan</a:t>
             </a:r>
           </a:p>
@@ -7394,10 +7152,39 @@
               <a:buNone/>
             </a:pPr>
             <a:r>
-              <a:rPr lang="en-US" dirty="0" err="1"/>
+              <a:rPr lang="en-US" sz="2400" dirty="0">
+                <a:solidFill>
+                  <a:schemeClr val="tx1">
+                    <a:lumMod val="65000"/>
+                  </a:schemeClr>
+                </a:solidFill>
+              </a:rPr>
+              <a:t>Twitter: </a:t>
+            </a:r>
+            <a:r>
+              <a:rPr lang="en-US" sz="2400" dirty="0" err="1"/>
               <a:t>hibrahimkalkan</a:t>
             </a:r>
             <a:endParaRPr lang="en-US" sz="2400" dirty="0"/>
+          </a:p>
+          <a:p>
+            <a:pPr marL="36576" indent="0" algn="r">
+              <a:buNone/>
+            </a:pPr>
+            <a:r>
+              <a:rPr lang="en-US" sz="2400" dirty="0">
+                <a:solidFill>
+                  <a:schemeClr val="tx1">
+                    <a:lumMod val="65000"/>
+                  </a:schemeClr>
+                </a:solidFill>
+              </a:rPr>
+              <a:t>Email: </a:t>
+            </a:r>
+            <a:r>
+              <a:rPr lang="en-US" sz="2400" b="1" dirty="0"/>
+              <a:t>halil.kalkan@volosoft.com</a:t>
+            </a:r>
           </a:p>
         </p:txBody>
       </p:sp>
@@ -7432,114 +7219,6 @@
           </a:p>
         </p:txBody>
       </p:sp>
-      <p:pic>
-        <p:nvPicPr>
-          <p:cNvPr id="4" name="Picture 3">
-            <a:extLst>
-              <a:ext uri="{FF2B5EF4-FFF2-40B4-BE49-F238E27FC236}">
-                <a16:creationId xmlns:a16="http://schemas.microsoft.com/office/drawing/2014/main" id="{02EAFF05-50AB-4CD2-87E3-E56EAA2DE60D}"/>
-              </a:ext>
-            </a:extLst>
-          </p:cNvPr>
-          <p:cNvPicPr>
-            <a:picLocks noChangeAspect="1"/>
-          </p:cNvPicPr>
-          <p:nvPr/>
-        </p:nvPicPr>
-        <p:blipFill>
-          <a:blip r:embed="rId2">
-            <a:extLst>
-              <a:ext uri="{28A0092B-C50C-407E-A947-70E740481C1C}">
-                <a14:useLocalDpi xmlns:a14="http://schemas.microsoft.com/office/drawing/2010/main" val="0"/>
-              </a:ext>
-            </a:extLst>
-          </a:blip>
-          <a:stretch>
-            <a:fillRect/>
-          </a:stretch>
-        </p:blipFill>
-        <p:spPr>
-          <a:xfrm>
-            <a:off x="10566400" y="5388811"/>
-            <a:ext cx="299169" cy="299169"/>
-          </a:xfrm>
-          <a:prstGeom prst="rect">
-            <a:avLst/>
-          </a:prstGeom>
-        </p:spPr>
-      </p:pic>
-      <p:pic>
-        <p:nvPicPr>
-          <p:cNvPr id="5" name="Picture 4">
-            <a:extLst>
-              <a:ext uri="{FF2B5EF4-FFF2-40B4-BE49-F238E27FC236}">
-                <a16:creationId xmlns:a16="http://schemas.microsoft.com/office/drawing/2014/main" id="{1A3562D5-8CFF-46F2-B5AF-86DDFC214114}"/>
-              </a:ext>
-            </a:extLst>
-          </p:cNvPr>
-          <p:cNvPicPr>
-            <a:picLocks noChangeAspect="1"/>
-          </p:cNvPicPr>
-          <p:nvPr/>
-        </p:nvPicPr>
-        <p:blipFill>
-          <a:blip r:embed="rId3">
-            <a:extLst>
-              <a:ext uri="{28A0092B-C50C-407E-A947-70E740481C1C}">
-                <a14:useLocalDpi xmlns:a14="http://schemas.microsoft.com/office/drawing/2010/main" val="0"/>
-              </a:ext>
-            </a:extLst>
-          </a:blip>
-          <a:stretch>
-            <a:fillRect/>
-          </a:stretch>
-        </p:blipFill>
-        <p:spPr>
-          <a:xfrm>
-            <a:off x="10566400" y="4374680"/>
-            <a:ext cx="315948" cy="315948"/>
-          </a:xfrm>
-          <a:prstGeom prst="rect">
-            <a:avLst/>
-          </a:prstGeom>
-        </p:spPr>
-      </p:pic>
-      <p:pic>
-        <p:nvPicPr>
-          <p:cNvPr id="6" name="Picture 5">
-            <a:extLst>
-              <a:ext uri="{FF2B5EF4-FFF2-40B4-BE49-F238E27FC236}">
-                <a16:creationId xmlns:a16="http://schemas.microsoft.com/office/drawing/2014/main" id="{B1B492B9-EE7A-40BE-9DC1-C1CA1079B881}"/>
-              </a:ext>
-            </a:extLst>
-          </p:cNvPr>
-          <p:cNvPicPr>
-            <a:picLocks noChangeAspect="1"/>
-          </p:cNvPicPr>
-          <p:nvPr/>
-        </p:nvPicPr>
-        <p:blipFill>
-          <a:blip r:embed="rId4">
-            <a:extLst>
-              <a:ext uri="{28A0092B-C50C-407E-A947-70E740481C1C}">
-                <a14:useLocalDpi xmlns:a14="http://schemas.microsoft.com/office/drawing/2010/main" val="0"/>
-              </a:ext>
-            </a:extLst>
-          </a:blip>
-          <a:stretch>
-            <a:fillRect/>
-          </a:stretch>
-        </p:blipFill>
-        <p:spPr>
-          <a:xfrm>
-            <a:off x="10566400" y="4852384"/>
-            <a:ext cx="341114" cy="341114"/>
-          </a:xfrm>
-          <a:prstGeom prst="rect">
-            <a:avLst/>
-          </a:prstGeom>
-        </p:spPr>
-      </p:pic>
     </p:spTree>
     <p:extLst>
       <p:ext uri="{BB962C8B-B14F-4D97-AF65-F5344CB8AC3E}">
